--- a/FinalProject.pptx
+++ b/FinalProject.pptx
@@ -2,15 +2,32 @@
 <file path=ppt/presentation.xml><?xml version="1.0" encoding="utf-8"?>
 <p:presentation xmlns:a="http://schemas.openxmlformats.org/drawingml/2006/main" xmlns:r="http://schemas.openxmlformats.org/officeDocument/2006/relationships" xmlns:p="http://schemas.openxmlformats.org/presentationml/2006/main" saveSubsetFonts="1">
   <p:sldMasterIdLst>
-    <p:sldMasterId id="2147483648" r:id="rId1"/>
+    <p:sldMasterId id="2147483660" r:id="rId1"/>
   </p:sldMasterIdLst>
+  <p:sldIdLst>
+    <p:sldId id="256" r:id="rId2"/>
+    <p:sldId id="257" r:id="rId3"/>
+    <p:sldId id="258" r:id="rId4"/>
+    <p:sldId id="259" r:id="rId5"/>
+    <p:sldId id="260" r:id="rId6"/>
+    <p:sldId id="261" r:id="rId7"/>
+    <p:sldId id="262" r:id="rId8"/>
+    <p:sldId id="263" r:id="rId9"/>
+    <p:sldId id="264" r:id="rId10"/>
+    <p:sldId id="265" r:id="rId11"/>
+    <p:sldId id="266" r:id="rId12"/>
+    <p:sldId id="267" r:id="rId13"/>
+    <p:sldId id="268" r:id="rId14"/>
+    <p:sldId id="269" r:id="rId15"/>
+    <p:sldId id="270" r:id="rId16"/>
+  </p:sldIdLst>
   <p:sldSz cx="12192000" cy="6858000"/>
   <p:notesSz cx="6858000" cy="9144000"/>
   <p:defaultTextStyle>
     <a:defPPr>
-      <a:defRPr lang="zh-CN"/>
+      <a:defRPr lang="en-US"/>
     </a:defPPr>
-    <a:lvl1pPr marL="0" algn="l" defTabSz="914400" rtl="0" eaLnBrk="1" latinLnBrk="0" hangingPunct="1">
+    <a:lvl1pPr marL="0" algn="l" defTabSz="457200" rtl="0" eaLnBrk="1" latinLnBrk="0" hangingPunct="1">
       <a:defRPr sz="1800" kern="1200">
         <a:solidFill>
           <a:schemeClr val="tx1"/>
@@ -20,7 +37,7 @@
         <a:cs typeface="+mn-cs"/>
       </a:defRPr>
     </a:lvl1pPr>
-    <a:lvl2pPr marL="457200" algn="l" defTabSz="914400" rtl="0" eaLnBrk="1" latinLnBrk="0" hangingPunct="1">
+    <a:lvl2pPr marL="457200" algn="l" defTabSz="457200" rtl="0" eaLnBrk="1" latinLnBrk="0" hangingPunct="1">
       <a:defRPr sz="1800" kern="1200">
         <a:solidFill>
           <a:schemeClr val="tx1"/>
@@ -30,7 +47,7 @@
         <a:cs typeface="+mn-cs"/>
       </a:defRPr>
     </a:lvl2pPr>
-    <a:lvl3pPr marL="914400" algn="l" defTabSz="914400" rtl="0" eaLnBrk="1" latinLnBrk="0" hangingPunct="1">
+    <a:lvl3pPr marL="914400" algn="l" defTabSz="457200" rtl="0" eaLnBrk="1" latinLnBrk="0" hangingPunct="1">
       <a:defRPr sz="1800" kern="1200">
         <a:solidFill>
           <a:schemeClr val="tx1"/>
@@ -40,7 +57,7 @@
         <a:cs typeface="+mn-cs"/>
       </a:defRPr>
     </a:lvl3pPr>
-    <a:lvl4pPr marL="1371600" algn="l" defTabSz="914400" rtl="0" eaLnBrk="1" latinLnBrk="0" hangingPunct="1">
+    <a:lvl4pPr marL="1371600" algn="l" defTabSz="457200" rtl="0" eaLnBrk="1" latinLnBrk="0" hangingPunct="1">
       <a:defRPr sz="1800" kern="1200">
         <a:solidFill>
           <a:schemeClr val="tx1"/>
@@ -50,7 +67,7 @@
         <a:cs typeface="+mn-cs"/>
       </a:defRPr>
     </a:lvl4pPr>
-    <a:lvl5pPr marL="1828800" algn="l" defTabSz="914400" rtl="0" eaLnBrk="1" latinLnBrk="0" hangingPunct="1">
+    <a:lvl5pPr marL="1828800" algn="l" defTabSz="457200" rtl="0" eaLnBrk="1" latinLnBrk="0" hangingPunct="1">
       <a:defRPr sz="1800" kern="1200">
         <a:solidFill>
           <a:schemeClr val="tx1"/>
@@ -60,7 +77,7 @@
         <a:cs typeface="+mn-cs"/>
       </a:defRPr>
     </a:lvl5pPr>
-    <a:lvl6pPr marL="2286000" algn="l" defTabSz="914400" rtl="0" eaLnBrk="1" latinLnBrk="0" hangingPunct="1">
+    <a:lvl6pPr marL="2286000" algn="l" defTabSz="457200" rtl="0" eaLnBrk="1" latinLnBrk="0" hangingPunct="1">
       <a:defRPr sz="1800" kern="1200">
         <a:solidFill>
           <a:schemeClr val="tx1"/>
@@ -70,7 +87,7 @@
         <a:cs typeface="+mn-cs"/>
       </a:defRPr>
     </a:lvl6pPr>
-    <a:lvl7pPr marL="2743200" algn="l" defTabSz="914400" rtl="0" eaLnBrk="1" latinLnBrk="0" hangingPunct="1">
+    <a:lvl7pPr marL="2743200" algn="l" defTabSz="457200" rtl="0" eaLnBrk="1" latinLnBrk="0" hangingPunct="1">
       <a:defRPr sz="1800" kern="1200">
         <a:solidFill>
           <a:schemeClr val="tx1"/>
@@ -80,7 +97,7 @@
         <a:cs typeface="+mn-cs"/>
       </a:defRPr>
     </a:lvl7pPr>
-    <a:lvl8pPr marL="3200400" algn="l" defTabSz="914400" rtl="0" eaLnBrk="1" latinLnBrk="0" hangingPunct="1">
+    <a:lvl8pPr marL="3200400" algn="l" defTabSz="457200" rtl="0" eaLnBrk="1" latinLnBrk="0" hangingPunct="1">
       <a:defRPr sz="1800" kern="1200">
         <a:solidFill>
           <a:schemeClr val="tx1"/>
@@ -90,7 +107,7 @@
         <a:cs typeface="+mn-cs"/>
       </a:defRPr>
     </a:lvl8pPr>
-    <a:lvl9pPr marL="3657600" algn="l" defTabSz="914400" rtl="0" eaLnBrk="1" latinLnBrk="0" hangingPunct="1">
+    <a:lvl9pPr marL="3657600" algn="l" defTabSz="457200" rtl="0" eaLnBrk="1" latinLnBrk="0" hangingPunct="1">
       <a:defRPr sz="1800" kern="1200">
         <a:solidFill>
           <a:schemeClr val="tx1"/>
@@ -101,12 +118,25 @@
       </a:defRPr>
     </a:lvl9pPr>
   </p:defaultTextStyle>
+  <p:extLst>
+    <p:ext uri="{EFAFB233-063F-42B5-8137-9DF3F51BA10A}">
+      <p15:sldGuideLst xmlns:p15="http://schemas.microsoft.com/office/powerpoint/2012/main"/>
+    </p:ext>
+  </p:extLst>
 </p:presentation>
 </file>
 
 <file path=ppt/slideLayouts/slideLayout1.xml><?xml version="1.0" encoding="utf-8"?>
-<p:sldLayout xmlns:a="http://schemas.openxmlformats.org/drawingml/2006/main" xmlns:r="http://schemas.openxmlformats.org/officeDocument/2006/relationships" xmlns:p="http://schemas.openxmlformats.org/presentationml/2006/main" type="title" preserve="1">
+<p:sldLayout xmlns:a="http://schemas.openxmlformats.org/drawingml/2006/main" xmlns:r="http://schemas.openxmlformats.org/officeDocument/2006/relationships" xmlns:p="http://schemas.openxmlformats.org/presentationml/2006/main" showMasterSp="0" type="title" preserve="1">
   <p:cSld name="标题幻灯片">
+    <p:bg>
+      <p:bgPr>
+        <a:solidFill>
+          <a:schemeClr val="bg2"/>
+        </a:solidFill>
+        <a:effectLst/>
+      </p:bgPr>
+    </p:bg>
     <p:spTree>
       <p:nvGrpSpPr>
         <p:cNvPr id="1" name=""/>
@@ -123,7 +153,7 @@
       </p:grpSpPr>
       <p:sp>
         <p:nvSpPr>
-          <p:cNvPr id="2" name="标题 1"/>
+          <p:cNvPr id="2" name="Title 1"/>
           <p:cNvSpPr>
             <a:spLocks noGrp="1"/>
           </p:cNvSpPr>
@@ -133,29 +163,35 @@
         </p:nvSpPr>
         <p:spPr>
           <a:xfrm>
-            <a:off x="1524000" y="1122363"/>
-            <a:ext cx="9144000" cy="2387600"/>
+            <a:off x="1915128" y="1788454"/>
+            <a:ext cx="8361229" cy="2098226"/>
           </a:xfrm>
         </p:spPr>
         <p:txBody>
-          <a:bodyPr anchor="b"/>
+          <a:bodyPr anchor="b">
+            <a:noAutofit/>
+          </a:bodyPr>
           <a:lstStyle>
             <a:lvl1pPr algn="ctr">
-              <a:defRPr sz="6000"/>
+              <a:defRPr sz="7200" cap="all" baseline="0">
+                <a:solidFill>
+                  <a:schemeClr val="tx2"/>
+                </a:solidFill>
+              </a:defRPr>
             </a:lvl1pPr>
           </a:lstStyle>
           <a:p>
             <a:r>
-              <a:rPr lang="zh-CN" altLang="en-US" smtClean="0"/>
+              <a:rPr lang="zh-CN" altLang="en-US"/>
               <a:t>单击此处编辑母版标题样式</a:t>
             </a:r>
-            <a:endParaRPr lang="zh-CN" altLang="en-US"/>
-          </a:p>
-        </p:txBody>
-      </p:sp>
-      <p:sp>
-        <p:nvSpPr>
-          <p:cNvPr id="3" name="副标题 2"/>
+            <a:endParaRPr lang="en-US" dirty="0"/>
+          </a:p>
+        </p:txBody>
+      </p:sp>
+      <p:sp>
+        <p:nvSpPr>
+          <p:cNvPr id="3" name="Subtitle 2"/>
           <p:cNvSpPr>
             <a:spLocks noGrp="1"/>
           </p:cNvSpPr>
@@ -165,16 +201,27 @@
         </p:nvSpPr>
         <p:spPr>
           <a:xfrm>
-            <a:off x="1524000" y="3602038"/>
-            <a:ext cx="9144000" cy="1655762"/>
+            <a:off x="2679906" y="3956279"/>
+            <a:ext cx="6831673" cy="1086237"/>
           </a:xfrm>
         </p:spPr>
         <p:txBody>
-          <a:bodyPr/>
+          <a:bodyPr>
+            <a:normAutofit/>
+          </a:bodyPr>
           <a:lstStyle>
             <a:lvl1pPr marL="0" indent="0" algn="ctr">
+              <a:lnSpc>
+                <a:spcPct val="112000"/>
+              </a:lnSpc>
+              <a:spcBef>
+                <a:spcPts val="0"/>
+              </a:spcBef>
+              <a:spcAft>
+                <a:spcPts val="0"/>
+              </a:spcAft>
               <a:buNone/>
-              <a:defRPr sz="2400"/>
+              <a:defRPr sz="2300"/>
             </a:lvl1pPr>
             <a:lvl2pPr marL="457200" indent="0" algn="ctr">
               <a:buNone/>
@@ -211,16 +258,16 @@
           </a:lstStyle>
           <a:p>
             <a:r>
-              <a:rPr lang="zh-CN" altLang="en-US" smtClean="0"/>
+              <a:rPr lang="zh-CN" altLang="en-US"/>
               <a:t>单击此处编辑母版副标题样式</a:t>
             </a:r>
-            <a:endParaRPr lang="zh-CN" altLang="en-US"/>
-          </a:p>
-        </p:txBody>
-      </p:sp>
-      <p:sp>
-        <p:nvSpPr>
-          <p:cNvPr id="4" name="日期占位符 3"/>
+            <a:endParaRPr lang="en-US" dirty="0"/>
+          </a:p>
+        </p:txBody>
+      </p:sp>
+      <p:sp>
+        <p:nvSpPr>
+          <p:cNvPr id="4" name="Date Placeholder 3"/>
           <p:cNvSpPr>
             <a:spLocks noGrp="1"/>
           </p:cNvSpPr>
@@ -228,14 +275,27 @@
             <p:ph type="dt" sz="half" idx="10"/>
           </p:nvPr>
         </p:nvSpPr>
-        <p:spPr/>
+        <p:spPr>
+          <a:xfrm>
+            <a:off x="752858" y="6453386"/>
+            <a:ext cx="1607944" cy="404614"/>
+          </a:xfrm>
+        </p:spPr>
         <p:txBody>
           <a:bodyPr/>
-          <a:lstStyle/>
+          <a:lstStyle>
+            <a:lvl1pPr>
+              <a:defRPr baseline="0">
+                <a:solidFill>
+                  <a:schemeClr val="tx2"/>
+                </a:solidFill>
+              </a:defRPr>
+            </a:lvl1pPr>
+          </a:lstStyle>
           <a:p>
             <a:fld id="{D997B5FA-0921-464F-AAE1-844C04324D75}" type="datetimeFigureOut">
               <a:rPr lang="zh-CN" altLang="en-US" smtClean="0"/>
-              <a:t>2015/5/5</a:t>
+              <a:t>2019/6/16</a:t>
             </a:fld>
             <a:endParaRPr lang="zh-CN" altLang="en-US"/>
           </a:p>
@@ -243,7 +303,7 @@
       </p:sp>
       <p:sp>
         <p:nvSpPr>
-          <p:cNvPr id="5" name="页脚占位符 4"/>
+          <p:cNvPr id="5" name="Footer Placeholder 4"/>
           <p:cNvSpPr>
             <a:spLocks noGrp="1"/>
           </p:cNvSpPr>
@@ -251,10 +311,23 @@
             <p:ph type="ftr" sz="quarter" idx="11"/>
           </p:nvPr>
         </p:nvSpPr>
-        <p:spPr/>
+        <p:spPr>
+          <a:xfrm>
+            <a:off x="2584054" y="6453386"/>
+            <a:ext cx="7023377" cy="404614"/>
+          </a:xfrm>
+        </p:spPr>
         <p:txBody>
           <a:bodyPr/>
-          <a:lstStyle/>
+          <a:lstStyle>
+            <a:lvl1pPr algn="ctr">
+              <a:defRPr baseline="0">
+                <a:solidFill>
+                  <a:schemeClr val="tx2"/>
+                </a:solidFill>
+              </a:defRPr>
+            </a:lvl1pPr>
+          </a:lstStyle>
           <a:p>
             <a:endParaRPr lang="zh-CN" altLang="en-US"/>
           </a:p>
@@ -262,7 +335,7 @@
       </p:sp>
       <p:sp>
         <p:nvSpPr>
-          <p:cNvPr id="6" name="灯片编号占位符 5"/>
+          <p:cNvPr id="6" name="Slide Number Placeholder 5"/>
           <p:cNvSpPr>
             <a:spLocks noGrp="1"/>
           </p:cNvSpPr>
@@ -270,10 +343,23 @@
             <p:ph type="sldNum" sz="quarter" idx="12"/>
           </p:nvPr>
         </p:nvSpPr>
-        <p:spPr/>
+        <p:spPr>
+          <a:xfrm>
+            <a:off x="9830683" y="6453386"/>
+            <a:ext cx="1596292" cy="404614"/>
+          </a:xfrm>
+        </p:spPr>
         <p:txBody>
           <a:bodyPr/>
-          <a:lstStyle/>
+          <a:lstStyle>
+            <a:lvl1pPr>
+              <a:defRPr baseline="0">
+                <a:solidFill>
+                  <a:schemeClr val="tx2"/>
+                </a:solidFill>
+              </a:defRPr>
+            </a:lvl1pPr>
+          </a:lstStyle>
           <a:p>
             <a:fld id="{565CE74E-AB26-4998-AD42-012C4C1AD076}" type="slidenum">
               <a:rPr lang="zh-CN" altLang="en-US" smtClean="0"/>
@@ -283,15 +369,144 @@
           </a:p>
         </p:txBody>
       </p:sp>
+      <p:grpSp>
+        <p:nvGrpSpPr>
+          <p:cNvPr id="7" name="Group 6"/>
+          <p:cNvGrpSpPr/>
+          <p:nvPr/>
+        </p:nvGrpSpPr>
+        <p:grpSpPr>
+          <a:xfrm>
+            <a:off x="752858" y="744469"/>
+            <a:ext cx="10674117" cy="5349671"/>
+            <a:chOff x="752858" y="744469"/>
+            <a:chExt cx="10674117" cy="5349671"/>
+          </a:xfrm>
+        </p:grpSpPr>
+        <p:sp>
+          <p:nvSpPr>
+            <p:cNvPr id="11" name="Freeform 6"/>
+            <p:cNvSpPr/>
+            <p:nvPr/>
+          </p:nvSpPr>
+          <p:spPr bwMode="auto">
+            <a:xfrm>
+              <a:off x="8151962" y="1685652"/>
+              <a:ext cx="3275013" cy="4408488"/>
+            </a:xfrm>
+            <a:custGeom>
+              <a:avLst/>
+              <a:gdLst/>
+              <a:ahLst/>
+              <a:cxnLst/>
+              <a:rect l="l" t="t" r="r" b="b"/>
+              <a:pathLst>
+                <a:path w="10000" h="10000">
+                  <a:moveTo>
+                    <a:pt x="8761" y="0"/>
+                  </a:moveTo>
+                  <a:lnTo>
+                    <a:pt x="10000" y="0"/>
+                  </a:lnTo>
+                  <a:lnTo>
+                    <a:pt x="10000" y="10000"/>
+                  </a:lnTo>
+                  <a:lnTo>
+                    <a:pt x="0" y="10000"/>
+                  </a:lnTo>
+                  <a:lnTo>
+                    <a:pt x="0" y="9126"/>
+                  </a:lnTo>
+                  <a:lnTo>
+                    <a:pt x="8761" y="9127"/>
+                  </a:lnTo>
+                  <a:lnTo>
+                    <a:pt x="8761" y="0"/>
+                  </a:lnTo>
+                  <a:close/>
+                </a:path>
+              </a:pathLst>
+            </a:custGeom>
+            <a:solidFill>
+              <a:schemeClr val="tx2"/>
+            </a:solidFill>
+            <a:ln w="0">
+              <a:noFill/>
+              <a:prstDash val="solid"/>
+              <a:round/>
+              <a:headEnd/>
+              <a:tailEnd/>
+            </a:ln>
+          </p:spPr>
+        </p:sp>
+        <p:sp>
+          <p:nvSpPr>
+            <p:cNvPr id="14" name="Freeform 6"/>
+            <p:cNvSpPr/>
+            <p:nvPr/>
+          </p:nvSpPr>
+          <p:spPr bwMode="auto">
+            <a:xfrm flipH="1" flipV="1">
+              <a:off x="752858" y="744469"/>
+              <a:ext cx="3275668" cy="4408488"/>
+            </a:xfrm>
+            <a:custGeom>
+              <a:avLst/>
+              <a:gdLst/>
+              <a:ahLst/>
+              <a:cxnLst/>
+              <a:rect l="l" t="t" r="r" b="b"/>
+              <a:pathLst>
+                <a:path w="10002" h="10000">
+                  <a:moveTo>
+                    <a:pt x="8763" y="0"/>
+                  </a:moveTo>
+                  <a:lnTo>
+                    <a:pt x="10002" y="0"/>
+                  </a:lnTo>
+                  <a:lnTo>
+                    <a:pt x="10002" y="10000"/>
+                  </a:lnTo>
+                  <a:lnTo>
+                    <a:pt x="2" y="10000"/>
+                  </a:lnTo>
+                  <a:cubicBezTo>
+                    <a:pt x="-2" y="9698"/>
+                    <a:pt x="4" y="9427"/>
+                    <a:pt x="0" y="9125"/>
+                  </a:cubicBezTo>
+                  <a:lnTo>
+                    <a:pt x="8763" y="9128"/>
+                  </a:lnTo>
+                  <a:lnTo>
+                    <a:pt x="8763" y="0"/>
+                  </a:lnTo>
+                  <a:close/>
+                </a:path>
+              </a:pathLst>
+            </a:custGeom>
+            <a:solidFill>
+              <a:schemeClr val="tx2"/>
+            </a:solidFill>
+            <a:ln w="0">
+              <a:noFill/>
+              <a:prstDash val="solid"/>
+              <a:round/>
+              <a:headEnd/>
+              <a:tailEnd/>
+            </a:ln>
+          </p:spPr>
+        </p:sp>
+      </p:grpSp>
     </p:spTree>
     <p:extLst>
       <p:ext uri="{BB962C8B-B14F-4D97-AF65-F5344CB8AC3E}">
-        <p14:creationId xmlns:p14="http://schemas.microsoft.com/office/powerpoint/2010/main" val="3051827620"/>
+        <p14:creationId xmlns:p14="http://schemas.microsoft.com/office/powerpoint/2010/main" val="2163596449"/>
       </p:ext>
     </p:extLst>
   </p:cSld>
   <p:clrMapOvr>
-    <a:masterClrMapping/>
+    <a:overrideClrMapping bg1="lt1" tx1="dk1" bg2="lt2" tx2="dk2" accent1="accent1" accent2="accent2" accent3="accent3" accent4="accent4" accent5="accent5" accent6="accent6" hlink="hlink" folHlink="folHlink"/>
   </p:clrMapOvr>
 </p:sldLayout>
 </file>
@@ -315,7 +530,7 @@
       </p:grpSpPr>
       <p:sp>
         <p:nvSpPr>
-          <p:cNvPr id="2" name="标题 1"/>
+          <p:cNvPr id="2" name="Title 1"/>
           <p:cNvSpPr>
             <a:spLocks noGrp="1"/>
           </p:cNvSpPr>
@@ -329,16 +544,16 @@
           <a:lstStyle/>
           <a:p>
             <a:r>
-              <a:rPr lang="zh-CN" altLang="en-US" smtClean="0"/>
+              <a:rPr lang="zh-CN" altLang="en-US"/>
               <a:t>单击此处编辑母版标题样式</a:t>
             </a:r>
-            <a:endParaRPr lang="zh-CN" altLang="en-US"/>
-          </a:p>
-        </p:txBody>
-      </p:sp>
-      <p:sp>
-        <p:nvSpPr>
-          <p:cNvPr id="3" name="竖排文字占位符 2"/>
+            <a:endParaRPr lang="en-US" dirty="0"/>
+          </a:p>
+        </p:txBody>
+      </p:sp>
+      <p:sp>
+        <p:nvSpPr>
+          <p:cNvPr id="3" name="Vertical Text Placeholder 2"/>
           <p:cNvSpPr>
             <a:spLocks noGrp="1"/>
           </p:cNvSpPr>
@@ -346,51 +561,56 @@
             <p:ph type="body" orient="vert" idx="1"/>
           </p:nvPr>
         </p:nvSpPr>
-        <p:spPr/>
+        <p:spPr>
+          <a:xfrm>
+            <a:off x="1371600" y="2295525"/>
+            <a:ext cx="9601200" cy="3571875"/>
+          </a:xfrm>
+        </p:spPr>
         <p:txBody>
           <a:bodyPr vert="eaVert"/>
           <a:lstStyle/>
           <a:p>
             <a:pPr lvl="0"/>
             <a:r>
-              <a:rPr lang="zh-CN" altLang="en-US" smtClean="0"/>
+              <a:rPr lang="zh-CN" altLang="en-US"/>
               <a:t>单击此处编辑母版文本样式</a:t>
             </a:r>
           </a:p>
           <a:p>
             <a:pPr lvl="1"/>
             <a:r>
-              <a:rPr lang="zh-CN" altLang="en-US" smtClean="0"/>
-              <a:t>第二级</a:t>
+              <a:rPr lang="zh-CN" altLang="en-US"/>
+              <a:t>二级</a:t>
             </a:r>
           </a:p>
           <a:p>
             <a:pPr lvl="2"/>
             <a:r>
-              <a:rPr lang="zh-CN" altLang="en-US" smtClean="0"/>
-              <a:t>第三级</a:t>
+              <a:rPr lang="zh-CN" altLang="en-US"/>
+              <a:t>三级</a:t>
             </a:r>
           </a:p>
           <a:p>
             <a:pPr lvl="3"/>
             <a:r>
-              <a:rPr lang="zh-CN" altLang="en-US" smtClean="0"/>
-              <a:t>第四级</a:t>
+              <a:rPr lang="zh-CN" altLang="en-US"/>
+              <a:t>四级</a:t>
             </a:r>
           </a:p>
           <a:p>
             <a:pPr lvl="4"/>
             <a:r>
-              <a:rPr lang="zh-CN" altLang="en-US" smtClean="0"/>
-              <a:t>第五级</a:t>
-            </a:r>
-            <a:endParaRPr lang="zh-CN" altLang="en-US"/>
-          </a:p>
-        </p:txBody>
-      </p:sp>
-      <p:sp>
-        <p:nvSpPr>
-          <p:cNvPr id="4" name="日期占位符 3"/>
+              <a:rPr lang="zh-CN" altLang="en-US"/>
+              <a:t>五级</a:t>
+            </a:r>
+            <a:endParaRPr lang="en-US" dirty="0"/>
+          </a:p>
+        </p:txBody>
+      </p:sp>
+      <p:sp>
+        <p:nvSpPr>
+          <p:cNvPr id="4" name="Date Placeholder 3"/>
           <p:cNvSpPr>
             <a:spLocks noGrp="1"/>
           </p:cNvSpPr>
@@ -405,7 +625,7 @@
           <a:p>
             <a:fld id="{D997B5FA-0921-464F-AAE1-844C04324D75}" type="datetimeFigureOut">
               <a:rPr lang="zh-CN" altLang="en-US" smtClean="0"/>
-              <a:t>2015/5/5</a:t>
+              <a:t>2019/6/16</a:t>
             </a:fld>
             <a:endParaRPr lang="zh-CN" altLang="en-US"/>
           </a:p>
@@ -413,7 +633,7 @@
       </p:sp>
       <p:sp>
         <p:nvSpPr>
-          <p:cNvPr id="5" name="页脚占位符 4"/>
+          <p:cNvPr id="5" name="Footer Placeholder 4"/>
           <p:cNvSpPr>
             <a:spLocks noGrp="1"/>
           </p:cNvSpPr>
@@ -432,7 +652,7 @@
       </p:sp>
       <p:sp>
         <p:nvSpPr>
-          <p:cNvPr id="6" name="灯片编号占位符 5"/>
+          <p:cNvPr id="6" name="Slide Number Placeholder 5"/>
           <p:cNvSpPr>
             <a:spLocks noGrp="1"/>
           </p:cNvSpPr>
@@ -456,7 +676,7 @@
     </p:spTree>
     <p:extLst>
       <p:ext uri="{BB962C8B-B14F-4D97-AF65-F5344CB8AC3E}">
-        <p14:creationId xmlns:p14="http://schemas.microsoft.com/office/powerpoint/2010/main" val="3188717747"/>
+        <p14:creationId xmlns:p14="http://schemas.microsoft.com/office/powerpoint/2010/main" val="2216361113"/>
       </p:ext>
     </p:extLst>
   </p:cSld>
@@ -468,7 +688,7 @@
 
 <file path=ppt/slideLayouts/slideLayout11.xml><?xml version="1.0" encoding="utf-8"?>
 <p:sldLayout xmlns:a="http://schemas.openxmlformats.org/drawingml/2006/main" xmlns:r="http://schemas.openxmlformats.org/officeDocument/2006/relationships" xmlns:p="http://schemas.openxmlformats.org/presentationml/2006/main" type="vertTitleAndTx" preserve="1">
-  <p:cSld name="垂直排列标题与&#10;文本">
+  <p:cSld name="竖排标题与文本">
     <p:spTree>
       <p:nvGrpSpPr>
         <p:cNvPr id="1" name=""/>
@@ -485,7 +705,7 @@
       </p:grpSpPr>
       <p:sp>
         <p:nvSpPr>
-          <p:cNvPr id="2" name="竖排标题 1"/>
+          <p:cNvPr id="2" name="Vertical Title 1"/>
           <p:cNvSpPr>
             <a:spLocks noGrp="1"/>
           </p:cNvSpPr>
@@ -495,8 +715,8 @@
         </p:nvSpPr>
         <p:spPr>
           <a:xfrm>
-            <a:off x="8724900" y="365125"/>
-            <a:ext cx="2628900" cy="5811838"/>
+            <a:off x="9596561" y="624156"/>
+            <a:ext cx="1565766" cy="5243244"/>
           </a:xfrm>
         </p:spPr>
         <p:txBody>
@@ -504,16 +724,16 @@
           <a:lstStyle/>
           <a:p>
             <a:r>
-              <a:rPr lang="zh-CN" altLang="en-US" smtClean="0"/>
+              <a:rPr lang="zh-CN" altLang="en-US"/>
               <a:t>单击此处编辑母版标题样式</a:t>
             </a:r>
-            <a:endParaRPr lang="zh-CN" altLang="en-US"/>
-          </a:p>
-        </p:txBody>
-      </p:sp>
-      <p:sp>
-        <p:nvSpPr>
-          <p:cNvPr id="3" name="竖排文字占位符 2"/>
+            <a:endParaRPr lang="en-US" dirty="0"/>
+          </a:p>
+        </p:txBody>
+      </p:sp>
+      <p:sp>
+        <p:nvSpPr>
+          <p:cNvPr id="3" name="Vertical Text Placeholder 2"/>
           <p:cNvSpPr>
             <a:spLocks noGrp="1"/>
           </p:cNvSpPr>
@@ -523,8 +743,8 @@
         </p:nvSpPr>
         <p:spPr>
           <a:xfrm>
-            <a:off x="838200" y="365125"/>
-            <a:ext cx="7734300" cy="5811838"/>
+            <a:off x="1371600" y="624156"/>
+            <a:ext cx="8179641" cy="5243244"/>
           </a:xfrm>
         </p:spPr>
         <p:txBody>
@@ -533,44 +753,44 @@
           <a:p>
             <a:pPr lvl="0"/>
             <a:r>
-              <a:rPr lang="zh-CN" altLang="en-US" smtClean="0"/>
+              <a:rPr lang="zh-CN" altLang="en-US"/>
               <a:t>单击此处编辑母版文本样式</a:t>
             </a:r>
           </a:p>
           <a:p>
             <a:pPr lvl="1"/>
             <a:r>
-              <a:rPr lang="zh-CN" altLang="en-US" smtClean="0"/>
-              <a:t>第二级</a:t>
+              <a:rPr lang="zh-CN" altLang="en-US"/>
+              <a:t>二级</a:t>
             </a:r>
           </a:p>
           <a:p>
             <a:pPr lvl="2"/>
             <a:r>
-              <a:rPr lang="zh-CN" altLang="en-US" smtClean="0"/>
-              <a:t>第三级</a:t>
+              <a:rPr lang="zh-CN" altLang="en-US"/>
+              <a:t>三级</a:t>
             </a:r>
           </a:p>
           <a:p>
             <a:pPr lvl="3"/>
             <a:r>
-              <a:rPr lang="zh-CN" altLang="en-US" smtClean="0"/>
-              <a:t>第四级</a:t>
+              <a:rPr lang="zh-CN" altLang="en-US"/>
+              <a:t>四级</a:t>
             </a:r>
           </a:p>
           <a:p>
             <a:pPr lvl="4"/>
             <a:r>
-              <a:rPr lang="zh-CN" altLang="en-US" smtClean="0"/>
-              <a:t>第五级</a:t>
-            </a:r>
-            <a:endParaRPr lang="zh-CN" altLang="en-US"/>
-          </a:p>
-        </p:txBody>
-      </p:sp>
-      <p:sp>
-        <p:nvSpPr>
-          <p:cNvPr id="4" name="日期占位符 3"/>
+              <a:rPr lang="zh-CN" altLang="en-US"/>
+              <a:t>五级</a:t>
+            </a:r>
+            <a:endParaRPr lang="en-US" dirty="0"/>
+          </a:p>
+        </p:txBody>
+      </p:sp>
+      <p:sp>
+        <p:nvSpPr>
+          <p:cNvPr id="4" name="Date Placeholder 3"/>
           <p:cNvSpPr>
             <a:spLocks noGrp="1"/>
           </p:cNvSpPr>
@@ -585,7 +805,7 @@
           <a:p>
             <a:fld id="{D997B5FA-0921-464F-AAE1-844C04324D75}" type="datetimeFigureOut">
               <a:rPr lang="zh-CN" altLang="en-US" smtClean="0"/>
-              <a:t>2015/5/5</a:t>
+              <a:t>2019/6/16</a:t>
             </a:fld>
             <a:endParaRPr lang="zh-CN" altLang="en-US"/>
           </a:p>
@@ -593,7 +813,7 @@
       </p:sp>
       <p:sp>
         <p:nvSpPr>
-          <p:cNvPr id="5" name="页脚占位符 4"/>
+          <p:cNvPr id="5" name="Footer Placeholder 4"/>
           <p:cNvSpPr>
             <a:spLocks noGrp="1"/>
           </p:cNvSpPr>
@@ -612,7 +832,7 @@
       </p:sp>
       <p:sp>
         <p:nvSpPr>
-          <p:cNvPr id="6" name="灯片编号占位符 5"/>
+          <p:cNvPr id="6" name="Slide Number Placeholder 5"/>
           <p:cNvSpPr>
             <a:spLocks noGrp="1"/>
           </p:cNvSpPr>
@@ -636,7 +856,7 @@
     </p:spTree>
     <p:extLst>
       <p:ext uri="{BB962C8B-B14F-4D97-AF65-F5344CB8AC3E}">
-        <p14:creationId xmlns:p14="http://schemas.microsoft.com/office/powerpoint/2010/main" val="4025501431"/>
+        <p14:creationId xmlns:p14="http://schemas.microsoft.com/office/powerpoint/2010/main" val="363331790"/>
       </p:ext>
     </p:extLst>
   </p:cSld>
@@ -665,7 +885,7 @@
       </p:grpSpPr>
       <p:sp>
         <p:nvSpPr>
-          <p:cNvPr id="2" name="标题 1"/>
+          <p:cNvPr id="2" name="Title 1"/>
           <p:cNvSpPr>
             <a:spLocks noGrp="1"/>
           </p:cNvSpPr>
@@ -679,16 +899,16 @@
           <a:lstStyle/>
           <a:p>
             <a:r>
-              <a:rPr lang="zh-CN" altLang="en-US" smtClean="0"/>
+              <a:rPr lang="zh-CN" altLang="en-US"/>
               <a:t>单击此处编辑母版标题样式</a:t>
             </a:r>
-            <a:endParaRPr lang="zh-CN" altLang="en-US"/>
-          </a:p>
-        </p:txBody>
-      </p:sp>
-      <p:sp>
-        <p:nvSpPr>
-          <p:cNvPr id="3" name="内容占位符 2"/>
+            <a:endParaRPr lang="en-US" dirty="0"/>
+          </a:p>
+        </p:txBody>
+      </p:sp>
+      <p:sp>
+        <p:nvSpPr>
+          <p:cNvPr id="3" name="Content Placeholder 2"/>
           <p:cNvSpPr>
             <a:spLocks noGrp="1"/>
           </p:cNvSpPr>
@@ -703,44 +923,44 @@
           <a:p>
             <a:pPr lvl="0"/>
             <a:r>
-              <a:rPr lang="zh-CN" altLang="en-US" smtClean="0"/>
+              <a:rPr lang="zh-CN" altLang="en-US"/>
               <a:t>单击此处编辑母版文本样式</a:t>
             </a:r>
           </a:p>
           <a:p>
             <a:pPr lvl="1"/>
             <a:r>
-              <a:rPr lang="zh-CN" altLang="en-US" smtClean="0"/>
-              <a:t>第二级</a:t>
+              <a:rPr lang="zh-CN" altLang="en-US"/>
+              <a:t>二级</a:t>
             </a:r>
           </a:p>
           <a:p>
             <a:pPr lvl="2"/>
             <a:r>
-              <a:rPr lang="zh-CN" altLang="en-US" smtClean="0"/>
-              <a:t>第三级</a:t>
+              <a:rPr lang="zh-CN" altLang="en-US"/>
+              <a:t>三级</a:t>
             </a:r>
           </a:p>
           <a:p>
             <a:pPr lvl="3"/>
             <a:r>
-              <a:rPr lang="zh-CN" altLang="en-US" smtClean="0"/>
-              <a:t>第四级</a:t>
+              <a:rPr lang="zh-CN" altLang="en-US"/>
+              <a:t>四级</a:t>
             </a:r>
           </a:p>
           <a:p>
             <a:pPr lvl="4"/>
             <a:r>
-              <a:rPr lang="zh-CN" altLang="en-US" smtClean="0"/>
-              <a:t>第五级</a:t>
-            </a:r>
-            <a:endParaRPr lang="zh-CN" altLang="en-US"/>
-          </a:p>
-        </p:txBody>
-      </p:sp>
-      <p:sp>
-        <p:nvSpPr>
-          <p:cNvPr id="4" name="日期占位符 3"/>
+              <a:rPr lang="zh-CN" altLang="en-US"/>
+              <a:t>五级</a:t>
+            </a:r>
+            <a:endParaRPr lang="en-US" dirty="0"/>
+          </a:p>
+        </p:txBody>
+      </p:sp>
+      <p:sp>
+        <p:nvSpPr>
+          <p:cNvPr id="4" name="Date Placeholder 3"/>
           <p:cNvSpPr>
             <a:spLocks noGrp="1"/>
           </p:cNvSpPr>
@@ -755,7 +975,7 @@
           <a:p>
             <a:fld id="{D997B5FA-0921-464F-AAE1-844C04324D75}" type="datetimeFigureOut">
               <a:rPr lang="zh-CN" altLang="en-US" smtClean="0"/>
-              <a:t>2015/5/5</a:t>
+              <a:t>2019/6/16</a:t>
             </a:fld>
             <a:endParaRPr lang="zh-CN" altLang="en-US"/>
           </a:p>
@@ -763,7 +983,7 @@
       </p:sp>
       <p:sp>
         <p:nvSpPr>
-          <p:cNvPr id="5" name="页脚占位符 4"/>
+          <p:cNvPr id="5" name="Footer Placeholder 4"/>
           <p:cNvSpPr>
             <a:spLocks noGrp="1"/>
           </p:cNvSpPr>
@@ -782,7 +1002,7 @@
       </p:sp>
       <p:sp>
         <p:nvSpPr>
-          <p:cNvPr id="6" name="灯片编号占位符 5"/>
+          <p:cNvPr id="6" name="Slide Number Placeholder 5"/>
           <p:cNvSpPr>
             <a:spLocks noGrp="1"/>
           </p:cNvSpPr>
@@ -806,7 +1026,7 @@
     </p:spTree>
     <p:extLst>
       <p:ext uri="{BB962C8B-B14F-4D97-AF65-F5344CB8AC3E}">
-        <p14:creationId xmlns:p14="http://schemas.microsoft.com/office/powerpoint/2010/main" val="598653943"/>
+        <p14:creationId xmlns:p14="http://schemas.microsoft.com/office/powerpoint/2010/main" val="2107441241"/>
       </p:ext>
     </p:extLst>
   </p:cSld>
@@ -817,8 +1037,13 @@
 </file>
 
 <file path=ppt/slideLayouts/slideLayout3.xml><?xml version="1.0" encoding="utf-8"?>
-<p:sldLayout xmlns:a="http://schemas.openxmlformats.org/drawingml/2006/main" xmlns:r="http://schemas.openxmlformats.org/officeDocument/2006/relationships" xmlns:p="http://schemas.openxmlformats.org/presentationml/2006/main" type="secHead" preserve="1">
+<p:sldLayout xmlns:a="http://schemas.openxmlformats.org/drawingml/2006/main" xmlns:r="http://schemas.openxmlformats.org/officeDocument/2006/relationships" xmlns:p="http://schemas.openxmlformats.org/presentationml/2006/main" showMasterSp="0" type="secHead" preserve="1">
   <p:cSld name="节标题">
+    <p:bg>
+      <p:bgRef idx="1001">
+        <a:schemeClr val="bg2"/>
+      </p:bgRef>
+    </p:bg>
     <p:spTree>
       <p:nvGrpSpPr>
         <p:cNvPr id="1" name=""/>
@@ -835,7 +1060,7 @@
       </p:grpSpPr>
       <p:sp>
         <p:nvSpPr>
-          <p:cNvPr id="2" name="标题 1"/>
+          <p:cNvPr id="2" name="Title 1"/>
           <p:cNvSpPr>
             <a:spLocks noGrp="1"/>
           </p:cNvSpPr>
@@ -845,29 +1070,35 @@
         </p:nvSpPr>
         <p:spPr>
           <a:xfrm>
-            <a:off x="831850" y="1709738"/>
-            <a:ext cx="10515600" cy="2852737"/>
+            <a:off x="765025" y="1301360"/>
+            <a:ext cx="9612971" cy="2852737"/>
           </a:xfrm>
         </p:spPr>
         <p:txBody>
-          <a:bodyPr anchor="b"/>
+          <a:bodyPr anchor="b">
+            <a:normAutofit/>
+          </a:bodyPr>
           <a:lstStyle>
-            <a:lvl1pPr>
-              <a:defRPr sz="6000"/>
+            <a:lvl1pPr algn="r">
+              <a:defRPr sz="7200" cap="all" baseline="0">
+                <a:solidFill>
+                  <a:schemeClr val="tx2"/>
+                </a:solidFill>
+              </a:defRPr>
             </a:lvl1pPr>
           </a:lstStyle>
           <a:p>
             <a:r>
-              <a:rPr lang="zh-CN" altLang="en-US" smtClean="0"/>
+              <a:rPr lang="zh-CN" altLang="en-US"/>
               <a:t>单击此处编辑母版标题样式</a:t>
             </a:r>
-            <a:endParaRPr lang="zh-CN" altLang="en-US"/>
-          </a:p>
-        </p:txBody>
-      </p:sp>
-      <p:sp>
-        <p:nvSpPr>
-          <p:cNvPr id="3" name="文本占位符 2"/>
+            <a:endParaRPr lang="en-US" dirty="0"/>
+          </a:p>
+        </p:txBody>
+      </p:sp>
+      <p:sp>
+        <p:nvSpPr>
+          <p:cNvPr id="3" name="Text Placeholder 2"/>
           <p:cNvSpPr>
             <a:spLocks noGrp="1"/>
           </p:cNvSpPr>
@@ -877,20 +1108,27 @@
         </p:nvSpPr>
         <p:spPr>
           <a:xfrm>
-            <a:off x="831850" y="4589463"/>
-            <a:ext cx="10515600" cy="1500187"/>
+            <a:off x="765025" y="4216328"/>
+            <a:ext cx="9612971" cy="1143324"/>
           </a:xfrm>
         </p:spPr>
         <p:txBody>
           <a:bodyPr/>
           <a:lstStyle>
-            <a:lvl1pPr marL="0" indent="0">
+            <a:lvl1pPr marL="0" indent="0" algn="r">
+              <a:lnSpc>
+                <a:spcPct val="112000"/>
+              </a:lnSpc>
+              <a:spcBef>
+                <a:spcPts val="0"/>
+              </a:spcBef>
+              <a:spcAft>
+                <a:spcPts val="0"/>
+              </a:spcAft>
               <a:buNone/>
               <a:defRPr sz="2400">
                 <a:solidFill>
-                  <a:schemeClr val="tx1">
-                    <a:tint val="75000"/>
-                  </a:schemeClr>
+                  <a:schemeClr val="tx2"/>
                 </a:solidFill>
               </a:defRPr>
             </a:lvl1pPr>
@@ -978,7 +1216,7 @@
           <a:p>
             <a:pPr lvl="0"/>
             <a:r>
-              <a:rPr lang="zh-CN" altLang="en-US" smtClean="0"/>
+              <a:rPr lang="zh-CN" altLang="en-US"/>
               <a:t>单击此处编辑母版文本样式</a:t>
             </a:r>
           </a:p>
@@ -986,7 +1224,7 @@
       </p:sp>
       <p:sp>
         <p:nvSpPr>
-          <p:cNvPr id="4" name="日期占位符 3"/>
+          <p:cNvPr id="4" name="Date Placeholder 3"/>
           <p:cNvSpPr>
             <a:spLocks noGrp="1"/>
           </p:cNvSpPr>
@@ -994,14 +1232,27 @@
             <p:ph type="dt" sz="half" idx="10"/>
           </p:nvPr>
         </p:nvSpPr>
-        <p:spPr/>
+        <p:spPr>
+          <a:xfrm>
+            <a:off x="738908" y="6453386"/>
+            <a:ext cx="1622409" cy="404614"/>
+          </a:xfrm>
+        </p:spPr>
         <p:txBody>
           <a:bodyPr/>
-          <a:lstStyle/>
+          <a:lstStyle>
+            <a:lvl1pPr>
+              <a:defRPr>
+                <a:solidFill>
+                  <a:schemeClr val="tx2"/>
+                </a:solidFill>
+              </a:defRPr>
+            </a:lvl1pPr>
+          </a:lstStyle>
           <a:p>
             <a:fld id="{D997B5FA-0921-464F-AAE1-844C04324D75}" type="datetimeFigureOut">
               <a:rPr lang="zh-CN" altLang="en-US" smtClean="0"/>
-              <a:t>2015/5/5</a:t>
+              <a:t>2019/6/16</a:t>
             </a:fld>
             <a:endParaRPr lang="zh-CN" altLang="en-US"/>
           </a:p>
@@ -1009,7 +1260,7 @@
       </p:sp>
       <p:sp>
         <p:nvSpPr>
-          <p:cNvPr id="5" name="页脚占位符 4"/>
+          <p:cNvPr id="5" name="Footer Placeholder 4"/>
           <p:cNvSpPr>
             <a:spLocks noGrp="1"/>
           </p:cNvSpPr>
@@ -1017,10 +1268,23 @@
             <p:ph type="ftr" sz="quarter" idx="11"/>
           </p:nvPr>
         </p:nvSpPr>
-        <p:spPr/>
+        <p:spPr>
+          <a:xfrm>
+            <a:off x="2584312" y="6453386"/>
+            <a:ext cx="7023377" cy="404614"/>
+          </a:xfrm>
+        </p:spPr>
         <p:txBody>
           <a:bodyPr/>
-          <a:lstStyle/>
+          <a:lstStyle>
+            <a:lvl1pPr algn="ctr">
+              <a:defRPr>
+                <a:solidFill>
+                  <a:schemeClr val="tx2"/>
+                </a:solidFill>
+              </a:defRPr>
+            </a:lvl1pPr>
+          </a:lstStyle>
           <a:p>
             <a:endParaRPr lang="zh-CN" altLang="en-US"/>
           </a:p>
@@ -1028,7 +1292,7 @@
       </p:sp>
       <p:sp>
         <p:nvSpPr>
-          <p:cNvPr id="6" name="灯片编号占位符 5"/>
+          <p:cNvPr id="6" name="Slide Number Placeholder 5"/>
           <p:cNvSpPr>
             <a:spLocks noGrp="1"/>
           </p:cNvSpPr>
@@ -1036,10 +1300,23 @@
             <p:ph type="sldNum" sz="quarter" idx="12"/>
           </p:nvPr>
         </p:nvSpPr>
-        <p:spPr/>
+        <p:spPr>
+          <a:xfrm>
+            <a:off x="9830683" y="6453386"/>
+            <a:ext cx="1596292" cy="404614"/>
+          </a:xfrm>
+        </p:spPr>
         <p:txBody>
           <a:bodyPr/>
-          <a:lstStyle/>
+          <a:lstStyle>
+            <a:lvl1pPr>
+              <a:defRPr>
+                <a:solidFill>
+                  <a:schemeClr val="tx2"/>
+                </a:solidFill>
+              </a:defRPr>
+            </a:lvl1pPr>
+          </a:lstStyle>
           <a:p>
             <a:fld id="{565CE74E-AB26-4998-AD42-012C4C1AD076}" type="slidenum">
               <a:rPr lang="zh-CN" altLang="en-US" smtClean="0"/>
@@ -1049,15 +1326,71 @@
           </a:p>
         </p:txBody>
       </p:sp>
+      <p:sp>
+        <p:nvSpPr>
+          <p:cNvPr id="7" name="Freeform 6" title="Crop Mark"/>
+          <p:cNvSpPr/>
+          <p:nvPr/>
+        </p:nvSpPr>
+        <p:spPr bwMode="auto">
+          <a:xfrm>
+            <a:off x="8151962" y="1685652"/>
+            <a:ext cx="3275013" cy="4408488"/>
+          </a:xfrm>
+          <a:custGeom>
+            <a:avLst/>
+            <a:gdLst/>
+            <a:ahLst/>
+            <a:cxnLst/>
+            <a:rect l="0" t="0" r="r" b="b"/>
+            <a:pathLst>
+              <a:path w="4125" h="5554">
+                <a:moveTo>
+                  <a:pt x="3614" y="0"/>
+                </a:moveTo>
+                <a:lnTo>
+                  <a:pt x="4125" y="0"/>
+                </a:lnTo>
+                <a:lnTo>
+                  <a:pt x="4125" y="5554"/>
+                </a:lnTo>
+                <a:lnTo>
+                  <a:pt x="0" y="5554"/>
+                </a:lnTo>
+                <a:lnTo>
+                  <a:pt x="0" y="5074"/>
+                </a:lnTo>
+                <a:lnTo>
+                  <a:pt x="3614" y="5074"/>
+                </a:lnTo>
+                <a:lnTo>
+                  <a:pt x="3614" y="0"/>
+                </a:lnTo>
+                <a:close/>
+              </a:path>
+            </a:pathLst>
+          </a:custGeom>
+          <a:solidFill>
+            <a:schemeClr val="tx2"/>
+          </a:solidFill>
+          <a:ln w="0">
+            <a:noFill/>
+            <a:prstDash val="solid"/>
+            <a:round/>
+            <a:headEnd/>
+            <a:tailEnd/>
+          </a:ln>
+        </p:spPr>
+      </p:sp>
     </p:spTree>
     <p:extLst>
       <p:ext uri="{BB962C8B-B14F-4D97-AF65-F5344CB8AC3E}">
-        <p14:creationId xmlns:p14="http://schemas.microsoft.com/office/powerpoint/2010/main" val="1612184157"/>
+        <p14:creationId xmlns:p14="http://schemas.microsoft.com/office/powerpoint/2010/main" val="133368559"/>
       </p:ext>
     </p:extLst>
   </p:cSld>
   <p:clrMapOvr>
-    <a:masterClrMapping/>
+    <a:overrideClrMapping bg1="dk1" tx1="lt1" bg2="dk2" tx2="lt2" accent1="accent1" accent2="accent2" accent3="accent3" accent4="accent4" accent5="accent5" accent6="accent6" hlink="hlink" folHlink="folHlink"/>
   </p:clrMapOvr>
 </p:sldLayout>
 </file>
@@ -1081,7 +1414,7 @@
       </p:grpSpPr>
       <p:sp>
         <p:nvSpPr>
-          <p:cNvPr id="2" name="标题 1"/>
+          <p:cNvPr id="2" name="Title 1"/>
           <p:cNvSpPr>
             <a:spLocks noGrp="1"/>
           </p:cNvSpPr>
@@ -1092,19 +1425,27 @@
         <p:spPr/>
         <p:txBody>
           <a:bodyPr/>
-          <a:lstStyle/>
-          <a:p>
-            <a:r>
-              <a:rPr lang="zh-CN" altLang="en-US" smtClean="0"/>
+          <a:lstStyle>
+            <a:lvl1pPr>
+              <a:defRPr>
+                <a:solidFill>
+                  <a:schemeClr val="tx2"/>
+                </a:solidFill>
+              </a:defRPr>
+            </a:lvl1pPr>
+          </a:lstStyle>
+          <a:p>
+            <a:r>
+              <a:rPr lang="zh-CN" altLang="en-US"/>
               <a:t>单击此处编辑母版标题样式</a:t>
             </a:r>
-            <a:endParaRPr lang="zh-CN" altLang="en-US"/>
-          </a:p>
-        </p:txBody>
-      </p:sp>
-      <p:sp>
-        <p:nvSpPr>
-          <p:cNvPr id="3" name="内容占位符 2"/>
+            <a:endParaRPr lang="en-US" dirty="0"/>
+          </a:p>
+        </p:txBody>
+      </p:sp>
+      <p:sp>
+        <p:nvSpPr>
+          <p:cNvPr id="3" name="Content Placeholder 2"/>
           <p:cNvSpPr>
             <a:spLocks noGrp="1"/>
           </p:cNvSpPr>
@@ -1114,54 +1455,90 @@
         </p:nvSpPr>
         <p:spPr>
           <a:xfrm>
-            <a:off x="838200" y="1825625"/>
-            <a:ext cx="5181600" cy="4351338"/>
+            <a:off x="1371600" y="2285999"/>
+            <a:ext cx="4447786" cy="3581401"/>
           </a:xfrm>
         </p:spPr>
         <p:txBody>
           <a:bodyPr/>
-          <a:lstStyle/>
+          <a:lstStyle>
+            <a:lvl1pPr>
+              <a:defRPr baseline="0">
+                <a:solidFill>
+                  <a:schemeClr val="tx2"/>
+                </a:solidFill>
+              </a:defRPr>
+            </a:lvl1pPr>
+            <a:lvl2pPr>
+              <a:defRPr baseline="0">
+                <a:solidFill>
+                  <a:schemeClr val="tx2"/>
+                </a:solidFill>
+              </a:defRPr>
+            </a:lvl2pPr>
+            <a:lvl3pPr>
+              <a:defRPr baseline="0">
+                <a:solidFill>
+                  <a:schemeClr val="tx2"/>
+                </a:solidFill>
+              </a:defRPr>
+            </a:lvl3pPr>
+            <a:lvl4pPr>
+              <a:defRPr baseline="0">
+                <a:solidFill>
+                  <a:schemeClr val="tx2"/>
+                </a:solidFill>
+              </a:defRPr>
+            </a:lvl4pPr>
+            <a:lvl5pPr>
+              <a:defRPr baseline="0">
+                <a:solidFill>
+                  <a:schemeClr val="tx2"/>
+                </a:solidFill>
+              </a:defRPr>
+            </a:lvl5pPr>
+          </a:lstStyle>
           <a:p>
             <a:pPr lvl="0"/>
             <a:r>
-              <a:rPr lang="zh-CN" altLang="en-US" smtClean="0"/>
+              <a:rPr lang="zh-CN" altLang="en-US"/>
               <a:t>单击此处编辑母版文本样式</a:t>
             </a:r>
           </a:p>
           <a:p>
             <a:pPr lvl="1"/>
             <a:r>
-              <a:rPr lang="zh-CN" altLang="en-US" smtClean="0"/>
-              <a:t>第二级</a:t>
+              <a:rPr lang="zh-CN" altLang="en-US"/>
+              <a:t>二级</a:t>
             </a:r>
           </a:p>
           <a:p>
             <a:pPr lvl="2"/>
             <a:r>
-              <a:rPr lang="zh-CN" altLang="en-US" smtClean="0"/>
-              <a:t>第三级</a:t>
+              <a:rPr lang="zh-CN" altLang="en-US"/>
+              <a:t>三级</a:t>
             </a:r>
           </a:p>
           <a:p>
             <a:pPr lvl="3"/>
             <a:r>
-              <a:rPr lang="zh-CN" altLang="en-US" smtClean="0"/>
-              <a:t>第四级</a:t>
+              <a:rPr lang="zh-CN" altLang="en-US"/>
+              <a:t>四级</a:t>
             </a:r>
           </a:p>
           <a:p>
             <a:pPr lvl="4"/>
             <a:r>
-              <a:rPr lang="zh-CN" altLang="en-US" smtClean="0"/>
-              <a:t>第五级</a:t>
-            </a:r>
-            <a:endParaRPr lang="zh-CN" altLang="en-US"/>
-          </a:p>
-        </p:txBody>
-      </p:sp>
-      <p:sp>
-        <p:nvSpPr>
-          <p:cNvPr id="4" name="内容占位符 3"/>
+              <a:rPr lang="zh-CN" altLang="en-US"/>
+              <a:t>五级</a:t>
+            </a:r>
+            <a:endParaRPr lang="en-US" dirty="0"/>
+          </a:p>
+        </p:txBody>
+      </p:sp>
+      <p:sp>
+        <p:nvSpPr>
+          <p:cNvPr id="4" name="Content Placeholder 3"/>
           <p:cNvSpPr>
             <a:spLocks noGrp="1"/>
           </p:cNvSpPr>
@@ -1171,54 +1548,90 @@
         </p:nvSpPr>
         <p:spPr>
           <a:xfrm>
-            <a:off x="6172200" y="1825625"/>
-            <a:ext cx="5181600" cy="4351338"/>
+            <a:off x="6525403" y="2285999"/>
+            <a:ext cx="4447786" cy="3581401"/>
           </a:xfrm>
         </p:spPr>
         <p:txBody>
           <a:bodyPr/>
-          <a:lstStyle/>
+          <a:lstStyle>
+            <a:lvl1pPr>
+              <a:defRPr>
+                <a:solidFill>
+                  <a:schemeClr val="tx2"/>
+                </a:solidFill>
+              </a:defRPr>
+            </a:lvl1pPr>
+            <a:lvl2pPr>
+              <a:defRPr>
+                <a:solidFill>
+                  <a:schemeClr val="tx2"/>
+                </a:solidFill>
+              </a:defRPr>
+            </a:lvl2pPr>
+            <a:lvl3pPr>
+              <a:defRPr>
+                <a:solidFill>
+                  <a:schemeClr val="tx2"/>
+                </a:solidFill>
+              </a:defRPr>
+            </a:lvl3pPr>
+            <a:lvl4pPr>
+              <a:defRPr>
+                <a:solidFill>
+                  <a:schemeClr val="tx2"/>
+                </a:solidFill>
+              </a:defRPr>
+            </a:lvl4pPr>
+            <a:lvl5pPr>
+              <a:defRPr>
+                <a:solidFill>
+                  <a:schemeClr val="tx2"/>
+                </a:solidFill>
+              </a:defRPr>
+            </a:lvl5pPr>
+          </a:lstStyle>
           <a:p>
             <a:pPr lvl="0"/>
             <a:r>
-              <a:rPr lang="zh-CN" altLang="en-US" smtClean="0"/>
+              <a:rPr lang="zh-CN" altLang="en-US"/>
               <a:t>单击此处编辑母版文本样式</a:t>
             </a:r>
           </a:p>
           <a:p>
             <a:pPr lvl="1"/>
             <a:r>
-              <a:rPr lang="zh-CN" altLang="en-US" smtClean="0"/>
-              <a:t>第二级</a:t>
+              <a:rPr lang="zh-CN" altLang="en-US"/>
+              <a:t>二级</a:t>
             </a:r>
           </a:p>
           <a:p>
             <a:pPr lvl="2"/>
             <a:r>
-              <a:rPr lang="zh-CN" altLang="en-US" smtClean="0"/>
-              <a:t>第三级</a:t>
+              <a:rPr lang="zh-CN" altLang="en-US"/>
+              <a:t>三级</a:t>
             </a:r>
           </a:p>
           <a:p>
             <a:pPr lvl="3"/>
             <a:r>
-              <a:rPr lang="zh-CN" altLang="en-US" smtClean="0"/>
-              <a:t>第四级</a:t>
+              <a:rPr lang="zh-CN" altLang="en-US"/>
+              <a:t>四级</a:t>
             </a:r>
           </a:p>
           <a:p>
             <a:pPr lvl="4"/>
             <a:r>
-              <a:rPr lang="zh-CN" altLang="en-US" smtClean="0"/>
-              <a:t>第五级</a:t>
-            </a:r>
-            <a:endParaRPr lang="zh-CN" altLang="en-US"/>
-          </a:p>
-        </p:txBody>
-      </p:sp>
-      <p:sp>
-        <p:nvSpPr>
-          <p:cNvPr id="5" name="日期占位符 4"/>
+              <a:rPr lang="zh-CN" altLang="en-US"/>
+              <a:t>五级</a:t>
+            </a:r>
+            <a:endParaRPr lang="en-US" dirty="0"/>
+          </a:p>
+        </p:txBody>
+      </p:sp>
+      <p:sp>
+        <p:nvSpPr>
+          <p:cNvPr id="5" name="Date Placeholder 4"/>
           <p:cNvSpPr>
             <a:spLocks noGrp="1"/>
           </p:cNvSpPr>
@@ -1233,7 +1646,7 @@
           <a:p>
             <a:fld id="{D997B5FA-0921-464F-AAE1-844C04324D75}" type="datetimeFigureOut">
               <a:rPr lang="zh-CN" altLang="en-US" smtClean="0"/>
-              <a:t>2015/5/5</a:t>
+              <a:t>2019/6/16</a:t>
             </a:fld>
             <a:endParaRPr lang="zh-CN" altLang="en-US"/>
           </a:p>
@@ -1241,7 +1654,7 @@
       </p:sp>
       <p:sp>
         <p:nvSpPr>
-          <p:cNvPr id="6" name="页脚占位符 5"/>
+          <p:cNvPr id="6" name="Footer Placeholder 5"/>
           <p:cNvSpPr>
             <a:spLocks noGrp="1"/>
           </p:cNvSpPr>
@@ -1260,7 +1673,7 @@
       </p:sp>
       <p:sp>
         <p:nvSpPr>
-          <p:cNvPr id="7" name="灯片编号占位符 6"/>
+          <p:cNvPr id="7" name="Slide Number Placeholder 6"/>
           <p:cNvSpPr>
             <a:spLocks noGrp="1"/>
           </p:cNvSpPr>
@@ -1284,7 +1697,7 @@
     </p:spTree>
     <p:extLst>
       <p:ext uri="{BB962C8B-B14F-4D97-AF65-F5344CB8AC3E}">
-        <p14:creationId xmlns:p14="http://schemas.microsoft.com/office/powerpoint/2010/main" val="2905825717"/>
+        <p14:creationId xmlns:p14="http://schemas.microsoft.com/office/powerpoint/2010/main" val="1219161134"/>
       </p:ext>
     </p:extLst>
   </p:cSld>
@@ -1313,7 +1726,7 @@
       </p:grpSpPr>
       <p:sp>
         <p:nvSpPr>
-          <p:cNvPr id="2" name="标题 1"/>
+          <p:cNvPr id="2" name="Title 1"/>
           <p:cNvSpPr>
             <a:spLocks noGrp="1"/>
           </p:cNvSpPr>
@@ -1323,25 +1736,33 @@
         </p:nvSpPr>
         <p:spPr>
           <a:xfrm>
-            <a:off x="839788" y="365125"/>
-            <a:ext cx="10515600" cy="1325563"/>
+            <a:off x="1371600" y="685800"/>
+            <a:ext cx="9601200" cy="1485900"/>
           </a:xfrm>
         </p:spPr>
         <p:txBody>
           <a:bodyPr/>
-          <a:lstStyle/>
-          <a:p>
-            <a:r>
-              <a:rPr lang="zh-CN" altLang="en-US" smtClean="0"/>
+          <a:lstStyle>
+            <a:lvl1pPr>
+              <a:defRPr>
+                <a:solidFill>
+                  <a:schemeClr val="tx2"/>
+                </a:solidFill>
+              </a:defRPr>
+            </a:lvl1pPr>
+          </a:lstStyle>
+          <a:p>
+            <a:r>
+              <a:rPr lang="zh-CN" altLang="en-US"/>
               <a:t>单击此处编辑母版标题样式</a:t>
             </a:r>
-            <a:endParaRPr lang="zh-CN" altLang="en-US"/>
-          </a:p>
-        </p:txBody>
-      </p:sp>
-      <p:sp>
-        <p:nvSpPr>
-          <p:cNvPr id="3" name="文本占位符 2"/>
+            <a:endParaRPr lang="en-US" dirty="0"/>
+          </a:p>
+        </p:txBody>
+      </p:sp>
+      <p:sp>
+        <p:nvSpPr>
+          <p:cNvPr id="3" name="Text Placeholder 2"/>
           <p:cNvSpPr>
             <a:spLocks noGrp="1"/>
           </p:cNvSpPr>
@@ -1351,16 +1772,31 @@
         </p:nvSpPr>
         <p:spPr>
           <a:xfrm>
-            <a:off x="839788" y="1681163"/>
-            <a:ext cx="5157787" cy="823912"/>
+            <a:off x="1371600" y="2340864"/>
+            <a:ext cx="4443984" cy="823912"/>
           </a:xfrm>
         </p:spPr>
         <p:txBody>
-          <a:bodyPr anchor="b"/>
+          <a:bodyPr anchor="b">
+            <a:noAutofit/>
+          </a:bodyPr>
           <a:lstStyle>
             <a:lvl1pPr marL="0" indent="0">
+              <a:lnSpc>
+                <a:spcPct val="84000"/>
+              </a:lnSpc>
+              <a:spcBef>
+                <a:spcPts val="0"/>
+              </a:spcBef>
+              <a:spcAft>
+                <a:spcPts val="0"/>
+              </a:spcAft>
               <a:buNone/>
-              <a:defRPr sz="2400" b="1"/>
+              <a:defRPr sz="3000" b="0" baseline="0">
+                <a:solidFill>
+                  <a:schemeClr val="tx2"/>
+                </a:solidFill>
+              </a:defRPr>
             </a:lvl1pPr>
             <a:lvl2pPr marL="457200" indent="0">
               <a:buNone/>
@@ -1398,7 +1834,7 @@
           <a:p>
             <a:pPr lvl="0"/>
             <a:r>
-              <a:rPr lang="zh-CN" altLang="en-US" smtClean="0"/>
+              <a:rPr lang="zh-CN" altLang="en-US"/>
               <a:t>单击此处编辑母版文本样式</a:t>
             </a:r>
           </a:p>
@@ -1406,7 +1842,7 @@
       </p:sp>
       <p:sp>
         <p:nvSpPr>
-          <p:cNvPr id="4" name="内容占位符 3"/>
+          <p:cNvPr id="4" name="Content Placeholder 3"/>
           <p:cNvSpPr>
             <a:spLocks noGrp="1"/>
           </p:cNvSpPr>
@@ -1416,54 +1852,90 @@
         </p:nvSpPr>
         <p:spPr>
           <a:xfrm>
-            <a:off x="839788" y="2505075"/>
-            <a:ext cx="5157787" cy="3684588"/>
+            <a:off x="1371600" y="3305207"/>
+            <a:ext cx="4443984" cy="2562193"/>
           </a:xfrm>
         </p:spPr>
         <p:txBody>
           <a:bodyPr/>
-          <a:lstStyle/>
+          <a:lstStyle>
+            <a:lvl1pPr>
+              <a:defRPr baseline="0">
+                <a:solidFill>
+                  <a:schemeClr val="tx2"/>
+                </a:solidFill>
+              </a:defRPr>
+            </a:lvl1pPr>
+            <a:lvl2pPr>
+              <a:defRPr baseline="0">
+                <a:solidFill>
+                  <a:schemeClr val="tx2"/>
+                </a:solidFill>
+              </a:defRPr>
+            </a:lvl2pPr>
+            <a:lvl3pPr>
+              <a:defRPr baseline="0">
+                <a:solidFill>
+                  <a:schemeClr val="tx2"/>
+                </a:solidFill>
+              </a:defRPr>
+            </a:lvl3pPr>
+            <a:lvl4pPr>
+              <a:defRPr baseline="0">
+                <a:solidFill>
+                  <a:schemeClr val="tx2"/>
+                </a:solidFill>
+              </a:defRPr>
+            </a:lvl4pPr>
+            <a:lvl5pPr>
+              <a:defRPr baseline="0">
+                <a:solidFill>
+                  <a:schemeClr val="tx2"/>
+                </a:solidFill>
+              </a:defRPr>
+            </a:lvl5pPr>
+          </a:lstStyle>
           <a:p>
             <a:pPr lvl="0"/>
             <a:r>
-              <a:rPr lang="zh-CN" altLang="en-US" smtClean="0"/>
+              <a:rPr lang="zh-CN" altLang="en-US"/>
               <a:t>单击此处编辑母版文本样式</a:t>
             </a:r>
           </a:p>
           <a:p>
             <a:pPr lvl="1"/>
             <a:r>
-              <a:rPr lang="zh-CN" altLang="en-US" smtClean="0"/>
-              <a:t>第二级</a:t>
+              <a:rPr lang="zh-CN" altLang="en-US"/>
+              <a:t>二级</a:t>
             </a:r>
           </a:p>
           <a:p>
             <a:pPr lvl="2"/>
             <a:r>
-              <a:rPr lang="zh-CN" altLang="en-US" smtClean="0"/>
-              <a:t>第三级</a:t>
+              <a:rPr lang="zh-CN" altLang="en-US"/>
+              <a:t>三级</a:t>
             </a:r>
           </a:p>
           <a:p>
             <a:pPr lvl="3"/>
             <a:r>
-              <a:rPr lang="zh-CN" altLang="en-US" smtClean="0"/>
-              <a:t>第四级</a:t>
+              <a:rPr lang="zh-CN" altLang="en-US"/>
+              <a:t>四级</a:t>
             </a:r>
           </a:p>
           <a:p>
             <a:pPr lvl="4"/>
             <a:r>
-              <a:rPr lang="zh-CN" altLang="en-US" smtClean="0"/>
-              <a:t>第五级</a:t>
-            </a:r>
-            <a:endParaRPr lang="zh-CN" altLang="en-US"/>
-          </a:p>
-        </p:txBody>
-      </p:sp>
-      <p:sp>
-        <p:nvSpPr>
-          <p:cNvPr id="5" name="文本占位符 4"/>
+              <a:rPr lang="zh-CN" altLang="en-US"/>
+              <a:t>五级</a:t>
+            </a:r>
+            <a:endParaRPr lang="en-US" dirty="0"/>
+          </a:p>
+        </p:txBody>
+      </p:sp>
+      <p:sp>
+        <p:nvSpPr>
+          <p:cNvPr id="5" name="Text Placeholder 4"/>
           <p:cNvSpPr>
             <a:spLocks noGrp="1"/>
           </p:cNvSpPr>
@@ -1473,16 +1945,31 @@
         </p:nvSpPr>
         <p:spPr>
           <a:xfrm>
-            <a:off x="6172200" y="1681163"/>
-            <a:ext cx="5183188" cy="823912"/>
+            <a:off x="6525014" y="2340864"/>
+            <a:ext cx="4443984" cy="823912"/>
           </a:xfrm>
         </p:spPr>
         <p:txBody>
-          <a:bodyPr anchor="b"/>
+          <a:bodyPr anchor="b">
+            <a:noAutofit/>
+          </a:bodyPr>
           <a:lstStyle>
             <a:lvl1pPr marL="0" indent="0">
+              <a:lnSpc>
+                <a:spcPct val="84000"/>
+              </a:lnSpc>
+              <a:spcBef>
+                <a:spcPts val="0"/>
+              </a:spcBef>
+              <a:spcAft>
+                <a:spcPts val="0"/>
+              </a:spcAft>
               <a:buNone/>
-              <a:defRPr sz="2400" b="1"/>
+              <a:defRPr sz="3000" b="0" baseline="0">
+                <a:solidFill>
+                  <a:schemeClr val="tx2"/>
+                </a:solidFill>
+              </a:defRPr>
             </a:lvl1pPr>
             <a:lvl2pPr marL="457200" indent="0">
               <a:buNone/>
@@ -1520,7 +2007,7 @@
           <a:p>
             <a:pPr lvl="0"/>
             <a:r>
-              <a:rPr lang="zh-CN" altLang="en-US" smtClean="0"/>
+              <a:rPr lang="zh-CN" altLang="en-US"/>
               <a:t>单击此处编辑母版文本样式</a:t>
             </a:r>
           </a:p>
@@ -1528,7 +2015,7 @@
       </p:sp>
       <p:sp>
         <p:nvSpPr>
-          <p:cNvPr id="6" name="内容占位符 5"/>
+          <p:cNvPr id="6" name="Content Placeholder 5"/>
           <p:cNvSpPr>
             <a:spLocks noGrp="1"/>
           </p:cNvSpPr>
@@ -1538,54 +2025,90 @@
         </p:nvSpPr>
         <p:spPr>
           <a:xfrm>
-            <a:off x="6172200" y="2505075"/>
-            <a:ext cx="5183188" cy="3684588"/>
+            <a:off x="6525014" y="3305207"/>
+            <a:ext cx="4443984" cy="2562193"/>
           </a:xfrm>
         </p:spPr>
         <p:txBody>
           <a:bodyPr/>
-          <a:lstStyle/>
+          <a:lstStyle>
+            <a:lvl1pPr>
+              <a:defRPr baseline="0">
+                <a:solidFill>
+                  <a:schemeClr val="tx2"/>
+                </a:solidFill>
+              </a:defRPr>
+            </a:lvl1pPr>
+            <a:lvl2pPr>
+              <a:defRPr baseline="0">
+                <a:solidFill>
+                  <a:schemeClr val="tx2"/>
+                </a:solidFill>
+              </a:defRPr>
+            </a:lvl2pPr>
+            <a:lvl3pPr>
+              <a:defRPr baseline="0">
+                <a:solidFill>
+                  <a:schemeClr val="tx2"/>
+                </a:solidFill>
+              </a:defRPr>
+            </a:lvl3pPr>
+            <a:lvl4pPr>
+              <a:defRPr baseline="0">
+                <a:solidFill>
+                  <a:schemeClr val="tx2"/>
+                </a:solidFill>
+              </a:defRPr>
+            </a:lvl4pPr>
+            <a:lvl5pPr>
+              <a:defRPr baseline="0">
+                <a:solidFill>
+                  <a:schemeClr val="tx2"/>
+                </a:solidFill>
+              </a:defRPr>
+            </a:lvl5pPr>
+          </a:lstStyle>
           <a:p>
             <a:pPr lvl="0"/>
             <a:r>
-              <a:rPr lang="zh-CN" altLang="en-US" smtClean="0"/>
+              <a:rPr lang="zh-CN" altLang="en-US"/>
               <a:t>单击此处编辑母版文本样式</a:t>
             </a:r>
           </a:p>
           <a:p>
             <a:pPr lvl="1"/>
             <a:r>
-              <a:rPr lang="zh-CN" altLang="en-US" smtClean="0"/>
-              <a:t>第二级</a:t>
+              <a:rPr lang="zh-CN" altLang="en-US"/>
+              <a:t>二级</a:t>
             </a:r>
           </a:p>
           <a:p>
             <a:pPr lvl="2"/>
             <a:r>
-              <a:rPr lang="zh-CN" altLang="en-US" smtClean="0"/>
-              <a:t>第三级</a:t>
+              <a:rPr lang="zh-CN" altLang="en-US"/>
+              <a:t>三级</a:t>
             </a:r>
           </a:p>
           <a:p>
             <a:pPr lvl="3"/>
             <a:r>
-              <a:rPr lang="zh-CN" altLang="en-US" smtClean="0"/>
-              <a:t>第四级</a:t>
+              <a:rPr lang="zh-CN" altLang="en-US"/>
+              <a:t>四级</a:t>
             </a:r>
           </a:p>
           <a:p>
             <a:pPr lvl="4"/>
             <a:r>
-              <a:rPr lang="zh-CN" altLang="en-US" smtClean="0"/>
-              <a:t>第五级</a:t>
-            </a:r>
-            <a:endParaRPr lang="zh-CN" altLang="en-US"/>
-          </a:p>
-        </p:txBody>
-      </p:sp>
-      <p:sp>
-        <p:nvSpPr>
-          <p:cNvPr id="7" name="日期占位符 6"/>
+              <a:rPr lang="zh-CN" altLang="en-US"/>
+              <a:t>五级</a:t>
+            </a:r>
+            <a:endParaRPr lang="en-US" dirty="0"/>
+          </a:p>
+        </p:txBody>
+      </p:sp>
+      <p:sp>
+        <p:nvSpPr>
+          <p:cNvPr id="7" name="Date Placeholder 6"/>
           <p:cNvSpPr>
             <a:spLocks noGrp="1"/>
           </p:cNvSpPr>
@@ -1600,7 +2123,7 @@
           <a:p>
             <a:fld id="{D997B5FA-0921-464F-AAE1-844C04324D75}" type="datetimeFigureOut">
               <a:rPr lang="zh-CN" altLang="en-US" smtClean="0"/>
-              <a:t>2015/5/5</a:t>
+              <a:t>2019/6/16</a:t>
             </a:fld>
             <a:endParaRPr lang="zh-CN" altLang="en-US"/>
           </a:p>
@@ -1608,7 +2131,7 @@
       </p:sp>
       <p:sp>
         <p:nvSpPr>
-          <p:cNvPr id="8" name="页脚占位符 7"/>
+          <p:cNvPr id="8" name="Footer Placeholder 7"/>
           <p:cNvSpPr>
             <a:spLocks noGrp="1"/>
           </p:cNvSpPr>
@@ -1627,7 +2150,7 @@
       </p:sp>
       <p:sp>
         <p:nvSpPr>
-          <p:cNvPr id="9" name="灯片编号占位符 8"/>
+          <p:cNvPr id="9" name="Slide Number Placeholder 8"/>
           <p:cNvSpPr>
             <a:spLocks noGrp="1"/>
           </p:cNvSpPr>
@@ -1651,7 +2174,7 @@
     </p:spTree>
     <p:extLst>
       <p:ext uri="{BB962C8B-B14F-4D97-AF65-F5344CB8AC3E}">
-        <p14:creationId xmlns:p14="http://schemas.microsoft.com/office/powerpoint/2010/main" val="168117047"/>
+        <p14:creationId xmlns:p14="http://schemas.microsoft.com/office/powerpoint/2010/main" val="2002819220"/>
       </p:ext>
     </p:extLst>
   </p:cSld>
@@ -1680,7 +2203,7 @@
       </p:grpSpPr>
       <p:sp>
         <p:nvSpPr>
-          <p:cNvPr id="2" name="标题 1"/>
+          <p:cNvPr id="2" name="Title 1"/>
           <p:cNvSpPr>
             <a:spLocks noGrp="1"/>
           </p:cNvSpPr>
@@ -1694,16 +2217,16 @@
           <a:lstStyle/>
           <a:p>
             <a:r>
-              <a:rPr lang="zh-CN" altLang="en-US" smtClean="0"/>
+              <a:rPr lang="zh-CN" altLang="en-US"/>
               <a:t>单击此处编辑母版标题样式</a:t>
             </a:r>
-            <a:endParaRPr lang="zh-CN" altLang="en-US"/>
-          </a:p>
-        </p:txBody>
-      </p:sp>
-      <p:sp>
-        <p:nvSpPr>
-          <p:cNvPr id="3" name="日期占位符 2"/>
+            <a:endParaRPr lang="en-US" dirty="0"/>
+          </a:p>
+        </p:txBody>
+      </p:sp>
+      <p:sp>
+        <p:nvSpPr>
+          <p:cNvPr id="3" name="Date Placeholder 2"/>
           <p:cNvSpPr>
             <a:spLocks noGrp="1"/>
           </p:cNvSpPr>
@@ -1718,7 +2241,7 @@
           <a:p>
             <a:fld id="{D997B5FA-0921-464F-AAE1-844C04324D75}" type="datetimeFigureOut">
               <a:rPr lang="zh-CN" altLang="en-US" smtClean="0"/>
-              <a:t>2015/5/5</a:t>
+              <a:t>2019/6/16</a:t>
             </a:fld>
             <a:endParaRPr lang="zh-CN" altLang="en-US"/>
           </a:p>
@@ -1726,7 +2249,7 @@
       </p:sp>
       <p:sp>
         <p:nvSpPr>
-          <p:cNvPr id="4" name="页脚占位符 3"/>
+          <p:cNvPr id="4" name="Footer Placeholder 3"/>
           <p:cNvSpPr>
             <a:spLocks noGrp="1"/>
           </p:cNvSpPr>
@@ -1745,7 +2268,7 @@
       </p:sp>
       <p:sp>
         <p:nvSpPr>
-          <p:cNvPr id="5" name="灯片编号占位符 4"/>
+          <p:cNvPr id="5" name="Slide Number Placeholder 4"/>
           <p:cNvSpPr>
             <a:spLocks noGrp="1"/>
           </p:cNvSpPr>
@@ -1769,7 +2292,7 @@
     </p:spTree>
     <p:extLst>
       <p:ext uri="{BB962C8B-B14F-4D97-AF65-F5344CB8AC3E}">
-        <p14:creationId xmlns:p14="http://schemas.microsoft.com/office/powerpoint/2010/main" val="2764406021"/>
+        <p14:creationId xmlns:p14="http://schemas.microsoft.com/office/powerpoint/2010/main" val="1530945548"/>
       </p:ext>
     </p:extLst>
   </p:cSld>
@@ -1798,7 +2321,7 @@
       </p:grpSpPr>
       <p:sp>
         <p:nvSpPr>
-          <p:cNvPr id="2" name="日期占位符 1"/>
+          <p:cNvPr id="2" name="Date Placeholder 1"/>
           <p:cNvSpPr>
             <a:spLocks noGrp="1"/>
           </p:cNvSpPr>
@@ -1813,7 +2336,7 @@
           <a:p>
             <a:fld id="{D997B5FA-0921-464F-AAE1-844C04324D75}" type="datetimeFigureOut">
               <a:rPr lang="zh-CN" altLang="en-US" smtClean="0"/>
-              <a:t>2015/5/5</a:t>
+              <a:t>2019/6/16</a:t>
             </a:fld>
             <a:endParaRPr lang="zh-CN" altLang="en-US"/>
           </a:p>
@@ -1821,7 +2344,7 @@
       </p:sp>
       <p:sp>
         <p:nvSpPr>
-          <p:cNvPr id="3" name="页脚占位符 2"/>
+          <p:cNvPr id="3" name="Footer Placeholder 2"/>
           <p:cNvSpPr>
             <a:spLocks noGrp="1"/>
           </p:cNvSpPr>
@@ -1840,7 +2363,7 @@
       </p:sp>
       <p:sp>
         <p:nvSpPr>
-          <p:cNvPr id="4" name="灯片编号占位符 3"/>
+          <p:cNvPr id="4" name="Slide Number Placeholder 3"/>
           <p:cNvSpPr>
             <a:spLocks noGrp="1"/>
           </p:cNvSpPr>
@@ -1864,7 +2387,7 @@
     </p:spTree>
     <p:extLst>
       <p:ext uri="{BB962C8B-B14F-4D97-AF65-F5344CB8AC3E}">
-        <p14:creationId xmlns:p14="http://schemas.microsoft.com/office/powerpoint/2010/main" val="276523006"/>
+        <p14:creationId xmlns:p14="http://schemas.microsoft.com/office/powerpoint/2010/main" val="1798677917"/>
       </p:ext>
     </p:extLst>
   </p:cSld>
@@ -1875,7 +2398,7 @@
 </file>
 
 <file path=ppt/slideLayouts/slideLayout8.xml><?xml version="1.0" encoding="utf-8"?>
-<p:sldLayout xmlns:a="http://schemas.openxmlformats.org/drawingml/2006/main" xmlns:r="http://schemas.openxmlformats.org/officeDocument/2006/relationships" xmlns:p="http://schemas.openxmlformats.org/presentationml/2006/main" type="objTx" preserve="1">
+<p:sldLayout xmlns:a="http://schemas.openxmlformats.org/drawingml/2006/main" xmlns:r="http://schemas.openxmlformats.org/officeDocument/2006/relationships" xmlns:p="http://schemas.openxmlformats.org/presentationml/2006/main" showMasterSp="0" type="objTx" preserve="1">
   <p:cSld name="内容与标题">
     <p:spTree>
       <p:nvGrpSpPr>
@@ -1893,7 +2416,45 @@
       </p:grpSpPr>
       <p:sp>
         <p:nvSpPr>
-          <p:cNvPr id="2" name="标题 1"/>
+          <p:cNvPr id="8" name="Rectangle 7" title="Background Shape"/>
+          <p:cNvSpPr/>
+          <p:nvPr/>
+        </p:nvSpPr>
+        <p:spPr>
+          <a:xfrm>
+            <a:off x="0" y="376"/>
+            <a:ext cx="5303520" cy="6857624"/>
+          </a:xfrm>
+          <a:prstGeom prst="rect">
+            <a:avLst/>
+          </a:prstGeom>
+          <a:solidFill>
+            <a:schemeClr val="accent1"/>
+          </a:solidFill>
+          <a:ln>
+            <a:noFill/>
+          </a:ln>
+        </p:spPr>
+        <p:style>
+          <a:lnRef idx="2">
+            <a:schemeClr val="accent1">
+              <a:shade val="50000"/>
+            </a:schemeClr>
+          </a:lnRef>
+          <a:fillRef idx="1">
+            <a:schemeClr val="accent1"/>
+          </a:fillRef>
+          <a:effectRef idx="0">
+            <a:schemeClr val="accent1"/>
+          </a:effectRef>
+          <a:fontRef idx="minor">
+            <a:schemeClr val="lt1"/>
+          </a:fontRef>
+        </p:style>
+      </p:sp>
+      <p:sp>
+        <p:nvSpPr>
+          <p:cNvPr id="2" name="Title 1"/>
           <p:cNvSpPr>
             <a:spLocks noGrp="1"/>
           </p:cNvSpPr>
@@ -1903,29 +2464,38 @@
         </p:nvSpPr>
         <p:spPr>
           <a:xfrm>
-            <a:off x="839788" y="457200"/>
-            <a:ext cx="3932237" cy="1600200"/>
+            <a:off x="723900" y="685800"/>
+            <a:ext cx="3855720" cy="2157884"/>
           </a:xfrm>
         </p:spPr>
         <p:txBody>
-          <a:bodyPr anchor="b"/>
+          <a:bodyPr anchor="t">
+            <a:noAutofit/>
+          </a:bodyPr>
           <a:lstStyle>
             <a:lvl1pPr>
-              <a:defRPr sz="3200"/>
+              <a:lnSpc>
+                <a:spcPct val="84000"/>
+              </a:lnSpc>
+              <a:defRPr sz="4800" baseline="0">
+                <a:solidFill>
+                  <a:schemeClr val="tx2"/>
+                </a:solidFill>
+              </a:defRPr>
             </a:lvl1pPr>
           </a:lstStyle>
           <a:p>
             <a:r>
-              <a:rPr lang="zh-CN" altLang="en-US" smtClean="0"/>
+              <a:rPr lang="zh-CN" altLang="en-US"/>
               <a:t>单击此处编辑母版标题样式</a:t>
             </a:r>
-            <a:endParaRPr lang="zh-CN" altLang="en-US"/>
-          </a:p>
-        </p:txBody>
-      </p:sp>
-      <p:sp>
-        <p:nvSpPr>
-          <p:cNvPr id="3" name="内容占位符 2"/>
+            <a:endParaRPr lang="en-US" dirty="0"/>
+          </a:p>
+        </p:txBody>
+      </p:sp>
+      <p:sp>
+        <p:nvSpPr>
+          <p:cNvPr id="3" name="Content Placeholder 2"/>
           <p:cNvSpPr>
             <a:spLocks noGrp="1"/>
           </p:cNvSpPr>
@@ -1935,82 +2505,82 @@
         </p:nvSpPr>
         <p:spPr>
           <a:xfrm>
-            <a:off x="5183188" y="987425"/>
-            <a:ext cx="6172200" cy="4873625"/>
+            <a:off x="6256020" y="685801"/>
+            <a:ext cx="5212080" cy="5175250"/>
           </a:xfrm>
         </p:spPr>
         <p:txBody>
           <a:bodyPr/>
           <a:lstStyle>
             <a:lvl1pPr>
-              <a:defRPr sz="3200"/>
+              <a:defRPr sz="2000"/>
             </a:lvl1pPr>
             <a:lvl2pPr>
-              <a:defRPr sz="2800"/>
+              <a:defRPr sz="2000"/>
             </a:lvl2pPr>
             <a:lvl3pPr>
-              <a:defRPr sz="2400"/>
+              <a:defRPr sz="1800"/>
             </a:lvl3pPr>
             <a:lvl4pPr>
-              <a:defRPr sz="2000"/>
+              <a:defRPr sz="1800"/>
             </a:lvl4pPr>
             <a:lvl5pPr>
-              <a:defRPr sz="2000"/>
+              <a:defRPr sz="1600"/>
             </a:lvl5pPr>
             <a:lvl6pPr>
-              <a:defRPr sz="2000"/>
+              <a:defRPr sz="1600"/>
             </a:lvl6pPr>
             <a:lvl7pPr>
-              <a:defRPr sz="2000"/>
+              <a:defRPr sz="1600"/>
             </a:lvl7pPr>
             <a:lvl8pPr>
-              <a:defRPr sz="2000"/>
+              <a:defRPr sz="1600"/>
             </a:lvl8pPr>
             <a:lvl9pPr>
-              <a:defRPr sz="2000"/>
+              <a:defRPr sz="1600"/>
             </a:lvl9pPr>
           </a:lstStyle>
           <a:p>
             <a:pPr lvl="0"/>
             <a:r>
-              <a:rPr lang="zh-CN" altLang="en-US" smtClean="0"/>
+              <a:rPr lang="zh-CN" altLang="en-US"/>
               <a:t>单击此处编辑母版文本样式</a:t>
             </a:r>
           </a:p>
           <a:p>
             <a:pPr lvl="1"/>
             <a:r>
-              <a:rPr lang="zh-CN" altLang="en-US" smtClean="0"/>
-              <a:t>第二级</a:t>
+              <a:rPr lang="zh-CN" altLang="en-US"/>
+              <a:t>二级</a:t>
             </a:r>
           </a:p>
           <a:p>
             <a:pPr lvl="2"/>
             <a:r>
-              <a:rPr lang="zh-CN" altLang="en-US" smtClean="0"/>
-              <a:t>第三级</a:t>
+              <a:rPr lang="zh-CN" altLang="en-US"/>
+              <a:t>三级</a:t>
             </a:r>
           </a:p>
           <a:p>
             <a:pPr lvl="3"/>
             <a:r>
-              <a:rPr lang="zh-CN" altLang="en-US" smtClean="0"/>
-              <a:t>第四级</a:t>
+              <a:rPr lang="zh-CN" altLang="en-US"/>
+              <a:t>四级</a:t>
             </a:r>
           </a:p>
           <a:p>
             <a:pPr lvl="4"/>
             <a:r>
-              <a:rPr lang="zh-CN" altLang="en-US" smtClean="0"/>
-              <a:t>第五级</a:t>
-            </a:r>
-            <a:endParaRPr lang="zh-CN" altLang="en-US"/>
-          </a:p>
-        </p:txBody>
-      </p:sp>
-      <p:sp>
-        <p:nvSpPr>
-          <p:cNvPr id="4" name="文本占位符 3"/>
+              <a:rPr lang="zh-CN" altLang="en-US"/>
+              <a:t>五级</a:t>
+            </a:r>
+            <a:endParaRPr lang="en-US" dirty="0"/>
+          </a:p>
+        </p:txBody>
+      </p:sp>
+      <p:sp>
+        <p:nvSpPr>
+          <p:cNvPr id="4" name="Text Placeholder 3"/>
           <p:cNvSpPr>
             <a:spLocks noGrp="1"/>
           </p:cNvSpPr>
@@ -2020,14 +2590,23 @@
         </p:nvSpPr>
         <p:spPr>
           <a:xfrm>
-            <a:off x="839788" y="2057400"/>
-            <a:ext cx="3932237" cy="3811588"/>
+            <a:off x="723900" y="2856344"/>
+            <a:ext cx="3855720" cy="3011056"/>
           </a:xfrm>
         </p:spPr>
         <p:txBody>
           <a:bodyPr/>
           <a:lstStyle>
             <a:lvl1pPr marL="0" indent="0">
+              <a:lnSpc>
+                <a:spcPct val="113000"/>
+              </a:lnSpc>
+              <a:spcBef>
+                <a:spcPts val="0"/>
+              </a:spcBef>
+              <a:spcAft>
+                <a:spcPts val="1500"/>
+              </a:spcAft>
               <a:buNone/>
               <a:defRPr sz="1600"/>
             </a:lvl1pPr>
@@ -2067,7 +2646,7 @@
           <a:p>
             <a:pPr lvl="0"/>
             <a:r>
-              <a:rPr lang="zh-CN" altLang="en-US" smtClean="0"/>
+              <a:rPr lang="zh-CN" altLang="en-US"/>
               <a:t>单击此处编辑母版文本样式</a:t>
             </a:r>
           </a:p>
@@ -2075,7 +2654,7 @@
       </p:sp>
       <p:sp>
         <p:nvSpPr>
-          <p:cNvPr id="5" name="日期占位符 4"/>
+          <p:cNvPr id="5" name="Date Placeholder 4"/>
           <p:cNvSpPr>
             <a:spLocks noGrp="1"/>
           </p:cNvSpPr>
@@ -2083,14 +2662,27 @@
             <p:ph type="dt" sz="half" idx="10"/>
           </p:nvPr>
         </p:nvSpPr>
-        <p:spPr/>
+        <p:spPr>
+          <a:xfrm>
+            <a:off x="723900" y="6453386"/>
+            <a:ext cx="1204572" cy="404614"/>
+          </a:xfrm>
+        </p:spPr>
         <p:txBody>
           <a:bodyPr/>
-          <a:lstStyle/>
+          <a:lstStyle>
+            <a:lvl1pPr>
+              <a:defRPr>
+                <a:solidFill>
+                  <a:schemeClr val="tx2"/>
+                </a:solidFill>
+              </a:defRPr>
+            </a:lvl1pPr>
+          </a:lstStyle>
           <a:p>
             <a:fld id="{D997B5FA-0921-464F-AAE1-844C04324D75}" type="datetimeFigureOut">
               <a:rPr lang="zh-CN" altLang="en-US" smtClean="0"/>
-              <a:t>2015/5/5</a:t>
+              <a:t>2019/6/16</a:t>
             </a:fld>
             <a:endParaRPr lang="zh-CN" altLang="en-US"/>
           </a:p>
@@ -2098,7 +2690,7 @@
       </p:sp>
       <p:sp>
         <p:nvSpPr>
-          <p:cNvPr id="6" name="页脚占位符 5"/>
+          <p:cNvPr id="6" name="Footer Placeholder 5"/>
           <p:cNvSpPr>
             <a:spLocks noGrp="1"/>
           </p:cNvSpPr>
@@ -2106,10 +2698,23 @@
             <p:ph type="ftr" sz="quarter" idx="11"/>
           </p:nvPr>
         </p:nvSpPr>
-        <p:spPr/>
+        <p:spPr>
+          <a:xfrm>
+            <a:off x="2205945" y="6453386"/>
+            <a:ext cx="2373675" cy="404614"/>
+          </a:xfrm>
+        </p:spPr>
         <p:txBody>
           <a:bodyPr/>
-          <a:lstStyle/>
+          <a:lstStyle>
+            <a:lvl1pPr>
+              <a:defRPr>
+                <a:solidFill>
+                  <a:schemeClr val="tx2"/>
+                </a:solidFill>
+              </a:defRPr>
+            </a:lvl1pPr>
+          </a:lstStyle>
           <a:p>
             <a:endParaRPr lang="zh-CN" altLang="en-US"/>
           </a:p>
@@ -2117,7 +2722,7 @@
       </p:sp>
       <p:sp>
         <p:nvSpPr>
-          <p:cNvPr id="7" name="灯片编号占位符 6"/>
+          <p:cNvPr id="7" name="Slide Number Placeholder 6"/>
           <p:cNvSpPr>
             <a:spLocks noGrp="1"/>
           </p:cNvSpPr>
@@ -2125,10 +2730,23 @@
             <p:ph type="sldNum" sz="quarter" idx="12"/>
           </p:nvPr>
         </p:nvSpPr>
-        <p:spPr/>
+        <p:spPr>
+          <a:xfrm>
+            <a:off x="9883140" y="6453386"/>
+            <a:ext cx="1596292" cy="404614"/>
+          </a:xfrm>
+        </p:spPr>
         <p:txBody>
           <a:bodyPr/>
-          <a:lstStyle/>
+          <a:lstStyle>
+            <a:lvl1pPr>
+              <a:defRPr>
+                <a:solidFill>
+                  <a:schemeClr val="tx2"/>
+                </a:solidFill>
+              </a:defRPr>
+            </a:lvl1pPr>
+          </a:lstStyle>
           <a:p>
             <a:fld id="{565CE74E-AB26-4998-AD42-012C4C1AD076}" type="slidenum">
               <a:rPr lang="zh-CN" altLang="en-US" smtClean="0"/>
@@ -2138,10 +2756,48 @@
           </a:p>
         </p:txBody>
       </p:sp>
+      <p:sp>
+        <p:nvSpPr>
+          <p:cNvPr id="9" name="Rectangle 8" title="Divider Bar"/>
+          <p:cNvSpPr/>
+          <p:nvPr/>
+        </p:nvSpPr>
+        <p:spPr>
+          <a:xfrm>
+            <a:off x="5303520" y="376"/>
+            <a:ext cx="228600" cy="6858000"/>
+          </a:xfrm>
+          <a:prstGeom prst="rect">
+            <a:avLst/>
+          </a:prstGeom>
+          <a:solidFill>
+            <a:schemeClr val="tx2"/>
+          </a:solidFill>
+          <a:ln>
+            <a:noFill/>
+          </a:ln>
+        </p:spPr>
+        <p:style>
+          <a:lnRef idx="2">
+            <a:schemeClr val="accent1">
+              <a:shade val="50000"/>
+            </a:schemeClr>
+          </a:lnRef>
+          <a:fillRef idx="1">
+            <a:schemeClr val="accent1"/>
+          </a:fillRef>
+          <a:effectRef idx="0">
+            <a:schemeClr val="accent1"/>
+          </a:effectRef>
+          <a:fontRef idx="minor">
+            <a:schemeClr val="lt1"/>
+          </a:fontRef>
+        </p:style>
+      </p:sp>
     </p:spTree>
     <p:extLst>
       <p:ext uri="{BB962C8B-B14F-4D97-AF65-F5344CB8AC3E}">
-        <p14:creationId xmlns:p14="http://schemas.microsoft.com/office/powerpoint/2010/main" val="694758376"/>
+        <p14:creationId xmlns:p14="http://schemas.microsoft.com/office/powerpoint/2010/main" val="1976000552"/>
       </p:ext>
     </p:extLst>
   </p:cSld>
@@ -2152,7 +2808,7 @@
 </file>
 
 <file path=ppt/slideLayouts/slideLayout9.xml><?xml version="1.0" encoding="utf-8"?>
-<p:sldLayout xmlns:a="http://schemas.openxmlformats.org/drawingml/2006/main" xmlns:r="http://schemas.openxmlformats.org/officeDocument/2006/relationships" xmlns:p="http://schemas.openxmlformats.org/presentationml/2006/main" type="picTx" preserve="1">
+<p:sldLayout xmlns:a="http://schemas.openxmlformats.org/drawingml/2006/main" xmlns:r="http://schemas.openxmlformats.org/officeDocument/2006/relationships" xmlns:p="http://schemas.openxmlformats.org/presentationml/2006/main" showMasterSp="0" type="picTx" preserve="1">
   <p:cSld name="图片与标题">
     <p:spTree>
       <p:nvGrpSpPr>
@@ -2170,7 +2826,45 @@
       </p:grpSpPr>
       <p:sp>
         <p:nvSpPr>
-          <p:cNvPr id="2" name="标题 1"/>
+          <p:cNvPr id="8" name="Rectangle 7" title="Background Shape"/>
+          <p:cNvSpPr/>
+          <p:nvPr/>
+        </p:nvSpPr>
+        <p:spPr>
+          <a:xfrm>
+            <a:off x="0" y="376"/>
+            <a:ext cx="5303520" cy="6857624"/>
+          </a:xfrm>
+          <a:prstGeom prst="rect">
+            <a:avLst/>
+          </a:prstGeom>
+          <a:solidFill>
+            <a:schemeClr val="accent1"/>
+          </a:solidFill>
+          <a:ln>
+            <a:noFill/>
+          </a:ln>
+        </p:spPr>
+        <p:style>
+          <a:lnRef idx="2">
+            <a:schemeClr val="accent1">
+              <a:shade val="50000"/>
+            </a:schemeClr>
+          </a:lnRef>
+          <a:fillRef idx="1">
+            <a:schemeClr val="accent1"/>
+          </a:fillRef>
+          <a:effectRef idx="0">
+            <a:schemeClr val="accent1"/>
+          </a:effectRef>
+          <a:fontRef idx="minor">
+            <a:schemeClr val="lt1"/>
+          </a:fontRef>
+        </p:style>
+      </p:sp>
+      <p:sp>
+        <p:nvSpPr>
+          <p:cNvPr id="2" name="Title 1"/>
           <p:cNvSpPr>
             <a:spLocks noGrp="1"/>
           </p:cNvSpPr>
@@ -2180,31 +2874,36 @@
         </p:nvSpPr>
         <p:spPr>
           <a:xfrm>
-            <a:off x="839788" y="457200"/>
-            <a:ext cx="3932237" cy="1600200"/>
+            <a:off x="723900" y="685800"/>
+            <a:ext cx="3855720" cy="2157884"/>
           </a:xfrm>
         </p:spPr>
         <p:txBody>
-          <a:bodyPr anchor="b"/>
+          <a:bodyPr anchor="t">
+            <a:normAutofit/>
+          </a:bodyPr>
           <a:lstStyle>
             <a:lvl1pPr>
-              <a:defRPr sz="3200"/>
+              <a:lnSpc>
+                <a:spcPct val="84000"/>
+              </a:lnSpc>
+              <a:defRPr sz="4800" baseline="0"/>
             </a:lvl1pPr>
           </a:lstStyle>
           <a:p>
             <a:r>
-              <a:rPr lang="zh-CN" altLang="en-US" smtClean="0"/>
+              <a:rPr lang="zh-CN" altLang="en-US"/>
               <a:t>单击此处编辑母版标题样式</a:t>
             </a:r>
-            <a:endParaRPr lang="zh-CN" altLang="en-US"/>
-          </a:p>
-        </p:txBody>
-      </p:sp>
-      <p:sp>
-        <p:nvSpPr>
-          <p:cNvPr id="3" name="图片占位符 2"/>
+            <a:endParaRPr lang="en-US" dirty="0"/>
+          </a:p>
+        </p:txBody>
+      </p:sp>
+      <p:sp>
+        <p:nvSpPr>
+          <p:cNvPr id="3" name="Picture Placeholder 2"/>
           <p:cNvSpPr>
-            <a:spLocks noGrp="1"/>
+            <a:spLocks noGrp="1" noChangeAspect="1"/>
           </p:cNvSpPr>
           <p:nvPr>
             <p:ph type="pic" idx="1"/>
@@ -2212,24 +2911,26 @@
         </p:nvSpPr>
         <p:spPr>
           <a:xfrm>
-            <a:off x="5183188" y="987425"/>
-            <a:ext cx="6172200" cy="4873625"/>
+            <a:off x="5532120" y="0"/>
+            <a:ext cx="6659880" cy="6857999"/>
           </a:xfrm>
         </p:spPr>
         <p:txBody>
-          <a:bodyPr/>
+          <a:bodyPr anchor="t">
+            <a:normAutofit/>
+          </a:bodyPr>
           <a:lstStyle>
             <a:lvl1pPr marL="0" indent="0">
               <a:buNone/>
-              <a:defRPr sz="3200"/>
+              <a:defRPr sz="2000"/>
             </a:lvl1pPr>
             <a:lvl2pPr marL="457200" indent="0">
               <a:buNone/>
-              <a:defRPr sz="2800"/>
+              <a:defRPr sz="2000"/>
             </a:lvl2pPr>
             <a:lvl3pPr marL="914400" indent="0">
               <a:buNone/>
-              <a:defRPr sz="2400"/>
+              <a:defRPr sz="2000"/>
             </a:lvl3pPr>
             <a:lvl4pPr marL="1371600" indent="0">
               <a:buNone/>
@@ -2257,13 +2958,17 @@
             </a:lvl9pPr>
           </a:lstStyle>
           <a:p>
-            <a:endParaRPr lang="zh-CN" altLang="en-US"/>
-          </a:p>
-        </p:txBody>
-      </p:sp>
-      <p:sp>
-        <p:nvSpPr>
-          <p:cNvPr id="4" name="文本占位符 3"/>
+            <a:r>
+              <a:rPr lang="zh-CN" altLang="en-US"/>
+              <a:t>单击图标添加图片</a:t>
+            </a:r>
+            <a:endParaRPr lang="en-US" dirty="0"/>
+          </a:p>
+        </p:txBody>
+      </p:sp>
+      <p:sp>
+        <p:nvSpPr>
+          <p:cNvPr id="4" name="Text Placeholder 3"/>
           <p:cNvSpPr>
             <a:spLocks noGrp="1"/>
           </p:cNvSpPr>
@@ -2273,14 +2978,23 @@
         </p:nvSpPr>
         <p:spPr>
           <a:xfrm>
-            <a:off x="839788" y="2057400"/>
-            <a:ext cx="3932237" cy="3811588"/>
+            <a:off x="723900" y="2855968"/>
+            <a:ext cx="3855720" cy="3011432"/>
           </a:xfrm>
         </p:spPr>
         <p:txBody>
           <a:bodyPr/>
           <a:lstStyle>
             <a:lvl1pPr marL="0" indent="0">
+              <a:lnSpc>
+                <a:spcPct val="113000"/>
+              </a:lnSpc>
+              <a:spcBef>
+                <a:spcPts val="0"/>
+              </a:spcBef>
+              <a:spcAft>
+                <a:spcPts val="1500"/>
+              </a:spcAft>
               <a:buNone/>
               <a:defRPr sz="1600"/>
             </a:lvl1pPr>
@@ -2320,7 +3034,7 @@
           <a:p>
             <a:pPr lvl="0"/>
             <a:r>
-              <a:rPr lang="zh-CN" altLang="en-US" smtClean="0"/>
+              <a:rPr lang="zh-CN" altLang="en-US"/>
               <a:t>单击此处编辑母版文本样式</a:t>
             </a:r>
           </a:p>
@@ -2328,7 +3042,7 @@
       </p:sp>
       <p:sp>
         <p:nvSpPr>
-          <p:cNvPr id="5" name="日期占位符 4"/>
+          <p:cNvPr id="5" name="Date Placeholder 4"/>
           <p:cNvSpPr>
             <a:spLocks noGrp="1"/>
           </p:cNvSpPr>
@@ -2336,14 +3050,27 @@
             <p:ph type="dt" sz="half" idx="10"/>
           </p:nvPr>
         </p:nvSpPr>
-        <p:spPr/>
+        <p:spPr>
+          <a:xfrm>
+            <a:off x="723900" y="6453386"/>
+            <a:ext cx="1204572" cy="404614"/>
+          </a:xfrm>
+        </p:spPr>
         <p:txBody>
           <a:bodyPr/>
-          <a:lstStyle/>
+          <a:lstStyle>
+            <a:lvl1pPr>
+              <a:defRPr>
+                <a:solidFill>
+                  <a:schemeClr val="tx2"/>
+                </a:solidFill>
+              </a:defRPr>
+            </a:lvl1pPr>
+          </a:lstStyle>
           <a:p>
             <a:fld id="{D997B5FA-0921-464F-AAE1-844C04324D75}" type="datetimeFigureOut">
               <a:rPr lang="zh-CN" altLang="en-US" smtClean="0"/>
-              <a:t>2015/5/5</a:t>
+              <a:t>2019/6/16</a:t>
             </a:fld>
             <a:endParaRPr lang="zh-CN" altLang="en-US"/>
           </a:p>
@@ -2351,7 +3078,7 @@
       </p:sp>
       <p:sp>
         <p:nvSpPr>
-          <p:cNvPr id="6" name="页脚占位符 5"/>
+          <p:cNvPr id="6" name="Footer Placeholder 5"/>
           <p:cNvSpPr>
             <a:spLocks noGrp="1"/>
           </p:cNvSpPr>
@@ -2359,10 +3086,23 @@
             <p:ph type="ftr" sz="quarter" idx="11"/>
           </p:nvPr>
         </p:nvSpPr>
-        <p:spPr/>
+        <p:spPr>
+          <a:xfrm>
+            <a:off x="2205945" y="6453386"/>
+            <a:ext cx="2373675" cy="404614"/>
+          </a:xfrm>
+        </p:spPr>
         <p:txBody>
           <a:bodyPr/>
-          <a:lstStyle/>
+          <a:lstStyle>
+            <a:lvl1pPr>
+              <a:defRPr>
+                <a:solidFill>
+                  <a:schemeClr val="tx2"/>
+                </a:solidFill>
+              </a:defRPr>
+            </a:lvl1pPr>
+          </a:lstStyle>
           <a:p>
             <a:endParaRPr lang="zh-CN" altLang="en-US"/>
           </a:p>
@@ -2370,7 +3110,7 @@
       </p:sp>
       <p:sp>
         <p:nvSpPr>
-          <p:cNvPr id="7" name="灯片编号占位符 6"/>
+          <p:cNvPr id="7" name="Slide Number Placeholder 6"/>
           <p:cNvSpPr>
             <a:spLocks noGrp="1"/>
           </p:cNvSpPr>
@@ -2378,10 +3118,23 @@
             <p:ph type="sldNum" sz="quarter" idx="12"/>
           </p:nvPr>
         </p:nvSpPr>
-        <p:spPr/>
+        <p:spPr>
+          <a:xfrm>
+            <a:off x="9883140" y="6453386"/>
+            <a:ext cx="1596292" cy="404614"/>
+          </a:xfrm>
+        </p:spPr>
         <p:txBody>
           <a:bodyPr/>
-          <a:lstStyle/>
+          <a:lstStyle>
+            <a:lvl1pPr>
+              <a:defRPr>
+                <a:solidFill>
+                  <a:schemeClr val="tx2"/>
+                </a:solidFill>
+              </a:defRPr>
+            </a:lvl1pPr>
+          </a:lstStyle>
           <a:p>
             <a:fld id="{565CE74E-AB26-4998-AD42-012C4C1AD076}" type="slidenum">
               <a:rPr lang="zh-CN" altLang="en-US" smtClean="0"/>
@@ -2391,10 +3144,48 @@
           </a:p>
         </p:txBody>
       </p:sp>
+      <p:sp>
+        <p:nvSpPr>
+          <p:cNvPr id="9" name="Rectangle 8" title="Divider Bar"/>
+          <p:cNvSpPr/>
+          <p:nvPr/>
+        </p:nvSpPr>
+        <p:spPr>
+          <a:xfrm>
+            <a:off x="5303520" y="376"/>
+            <a:ext cx="228600" cy="6858000"/>
+          </a:xfrm>
+          <a:prstGeom prst="rect">
+            <a:avLst/>
+          </a:prstGeom>
+          <a:solidFill>
+            <a:schemeClr val="tx2"/>
+          </a:solidFill>
+          <a:ln>
+            <a:noFill/>
+          </a:ln>
+        </p:spPr>
+        <p:style>
+          <a:lnRef idx="2">
+            <a:schemeClr val="accent1">
+              <a:shade val="50000"/>
+            </a:schemeClr>
+          </a:lnRef>
+          <a:fillRef idx="1">
+            <a:schemeClr val="accent1"/>
+          </a:fillRef>
+          <a:effectRef idx="0">
+            <a:schemeClr val="accent1"/>
+          </a:effectRef>
+          <a:fontRef idx="minor">
+            <a:schemeClr val="lt1"/>
+          </a:fontRef>
+        </p:style>
+      </p:sp>
     </p:spTree>
     <p:extLst>
       <p:ext uri="{BB962C8B-B14F-4D97-AF65-F5344CB8AC3E}">
-        <p14:creationId xmlns:p14="http://schemas.microsoft.com/office/powerpoint/2010/main" val="477805659"/>
+        <p14:creationId xmlns:p14="http://schemas.microsoft.com/office/powerpoint/2010/main" val="162751848"/>
       </p:ext>
     </p:extLst>
   </p:cSld>
@@ -2408,9 +3199,12 @@
 <p:sldMaster xmlns:a="http://schemas.openxmlformats.org/drawingml/2006/main" xmlns:r="http://schemas.openxmlformats.org/officeDocument/2006/relationships" xmlns:p="http://schemas.openxmlformats.org/presentationml/2006/main">
   <p:cSld>
     <p:bg>
-      <p:bgRef idx="1001">
-        <a:schemeClr val="bg1"/>
-      </p:bgRef>
+      <p:bgPr>
+        <a:solidFill>
+          <a:schemeClr val="bg2"/>
+        </a:solidFill>
+        <a:effectLst/>
+      </p:bgPr>
     </p:bg>
     <p:spTree>
       <p:nvGrpSpPr>
@@ -2428,7 +3222,7 @@
       </p:grpSpPr>
       <p:sp>
         <p:nvSpPr>
-          <p:cNvPr id="2" name="标题占位符 1"/>
+          <p:cNvPr id="2" name="Title Placeholder 1"/>
           <p:cNvSpPr>
             <a:spLocks noGrp="1"/>
           </p:cNvSpPr>
@@ -2438,30 +3232,30 @@
         </p:nvSpPr>
         <p:spPr>
           <a:xfrm>
-            <a:off x="838200" y="365125"/>
-            <a:ext cx="10515600" cy="1325563"/>
+            <a:off x="1371600" y="685800"/>
+            <a:ext cx="9601200" cy="1485900"/>
           </a:xfrm>
           <a:prstGeom prst="rect">
             <a:avLst/>
           </a:prstGeom>
         </p:spPr>
         <p:txBody>
-          <a:bodyPr vert="horz" lIns="91440" tIns="45720" rIns="91440" bIns="45720" rtlCol="0" anchor="ctr">
+          <a:bodyPr vert="horz" lIns="91440" tIns="45720" rIns="91440" bIns="45720" rtlCol="0" anchor="t">
             <a:normAutofit/>
           </a:bodyPr>
           <a:lstStyle/>
           <a:p>
             <a:r>
-              <a:rPr lang="zh-CN" altLang="en-US" smtClean="0"/>
+              <a:rPr lang="zh-CN" altLang="en-US"/>
               <a:t>单击此处编辑母版标题样式</a:t>
             </a:r>
-            <a:endParaRPr lang="zh-CN" altLang="en-US"/>
-          </a:p>
-        </p:txBody>
-      </p:sp>
-      <p:sp>
-        <p:nvSpPr>
-          <p:cNvPr id="3" name="文本占位符 2"/>
+            <a:endParaRPr lang="en-US" dirty="0"/>
+          </a:p>
+        </p:txBody>
+      </p:sp>
+      <p:sp>
+        <p:nvSpPr>
+          <p:cNvPr id="3" name="Text Placeholder 2"/>
           <p:cNvSpPr>
             <a:spLocks noGrp="1"/>
           </p:cNvSpPr>
@@ -2471,8 +3265,8 @@
         </p:nvSpPr>
         <p:spPr>
           <a:xfrm>
-            <a:off x="838200" y="1825625"/>
-            <a:ext cx="10515600" cy="4351338"/>
+            <a:off x="1371600" y="2286000"/>
+            <a:ext cx="9601200" cy="3581400"/>
           </a:xfrm>
           <a:prstGeom prst="rect">
             <a:avLst/>
@@ -2486,44 +3280,44 @@
           <a:p>
             <a:pPr lvl="0"/>
             <a:r>
-              <a:rPr lang="zh-CN" altLang="en-US" smtClean="0"/>
+              <a:rPr lang="zh-CN" altLang="en-US"/>
               <a:t>单击此处编辑母版文本样式</a:t>
             </a:r>
           </a:p>
           <a:p>
             <a:pPr lvl="1"/>
             <a:r>
-              <a:rPr lang="zh-CN" altLang="en-US" smtClean="0"/>
-              <a:t>第二级</a:t>
+              <a:rPr lang="zh-CN" altLang="en-US"/>
+              <a:t>二级</a:t>
             </a:r>
           </a:p>
           <a:p>
             <a:pPr lvl="2"/>
             <a:r>
-              <a:rPr lang="zh-CN" altLang="en-US" smtClean="0"/>
-              <a:t>第三级</a:t>
+              <a:rPr lang="zh-CN" altLang="en-US"/>
+              <a:t>三级</a:t>
             </a:r>
           </a:p>
           <a:p>
             <a:pPr lvl="3"/>
             <a:r>
-              <a:rPr lang="zh-CN" altLang="en-US" smtClean="0"/>
-              <a:t>第四级</a:t>
+              <a:rPr lang="zh-CN" altLang="en-US"/>
+              <a:t>四级</a:t>
             </a:r>
           </a:p>
           <a:p>
             <a:pPr lvl="4"/>
             <a:r>
-              <a:rPr lang="zh-CN" altLang="en-US" smtClean="0"/>
-              <a:t>第五级</a:t>
-            </a:r>
-            <a:endParaRPr lang="zh-CN" altLang="en-US"/>
-          </a:p>
-        </p:txBody>
-      </p:sp>
-      <p:sp>
-        <p:nvSpPr>
-          <p:cNvPr id="4" name="日期占位符 3"/>
+              <a:rPr lang="zh-CN" altLang="en-US"/>
+              <a:t>五级</a:t>
+            </a:r>
+            <a:endParaRPr lang="en-US" dirty="0"/>
+          </a:p>
+        </p:txBody>
+      </p:sp>
+      <p:sp>
+        <p:nvSpPr>
+          <p:cNvPr id="4" name="Date Placeholder 3"/>
           <p:cNvSpPr>
             <a:spLocks noGrp="1"/>
           </p:cNvSpPr>
@@ -2533,8 +3327,8 @@
         </p:nvSpPr>
         <p:spPr>
           <a:xfrm>
-            <a:off x="838200" y="6356350"/>
-            <a:ext cx="2743200" cy="365125"/>
+            <a:off x="1390650" y="6453386"/>
+            <a:ext cx="1204572" cy="404614"/>
           </a:xfrm>
           <a:prstGeom prst="rect">
             <a:avLst/>
@@ -2544,11 +3338,9 @@
           <a:bodyPr vert="horz" lIns="91440" tIns="45720" rIns="91440" bIns="45720" rtlCol="0" anchor="ctr"/>
           <a:lstStyle>
             <a:lvl1pPr algn="l">
-              <a:defRPr sz="1200">
+              <a:defRPr sz="1200" baseline="0">
                 <a:solidFill>
-                  <a:schemeClr val="tx1">
-                    <a:tint val="75000"/>
-                  </a:schemeClr>
+                  <a:schemeClr val="tx2"/>
                 </a:solidFill>
               </a:defRPr>
             </a:lvl1pPr>
@@ -2556,7 +3348,7 @@
           <a:p>
             <a:fld id="{D997B5FA-0921-464F-AAE1-844C04324D75}" type="datetimeFigureOut">
               <a:rPr lang="zh-CN" altLang="en-US" smtClean="0"/>
-              <a:t>2015/5/5</a:t>
+              <a:t>2019/6/16</a:t>
             </a:fld>
             <a:endParaRPr lang="zh-CN" altLang="en-US"/>
           </a:p>
@@ -2564,7 +3356,7 @@
       </p:sp>
       <p:sp>
         <p:nvSpPr>
-          <p:cNvPr id="5" name="页脚占位符 4"/>
+          <p:cNvPr id="5" name="Footer Placeholder 4"/>
           <p:cNvSpPr>
             <a:spLocks noGrp="1"/>
           </p:cNvSpPr>
@@ -2574,8 +3366,8 @@
         </p:nvSpPr>
         <p:spPr>
           <a:xfrm>
-            <a:off x="4038600" y="6356350"/>
-            <a:ext cx="4114800" cy="365125"/>
+            <a:off x="2893564" y="6453386"/>
+            <a:ext cx="6280830" cy="404614"/>
           </a:xfrm>
           <a:prstGeom prst="rect">
             <a:avLst/>
@@ -2584,12 +3376,10 @@
         <p:txBody>
           <a:bodyPr vert="horz" lIns="91440" tIns="45720" rIns="91440" bIns="45720" rtlCol="0" anchor="ctr"/>
           <a:lstStyle>
-            <a:lvl1pPr algn="ctr">
-              <a:defRPr sz="1200">
+            <a:lvl1pPr algn="l">
+              <a:defRPr sz="1200" baseline="0">
                 <a:solidFill>
-                  <a:schemeClr val="tx1">
-                    <a:tint val="75000"/>
-                  </a:schemeClr>
+                  <a:schemeClr val="tx2"/>
                 </a:solidFill>
               </a:defRPr>
             </a:lvl1pPr>
@@ -2601,7 +3391,7 @@
       </p:sp>
       <p:sp>
         <p:nvSpPr>
-          <p:cNvPr id="6" name="灯片编号占位符 5"/>
+          <p:cNvPr id="6" name="Slide Number Placeholder 5"/>
           <p:cNvSpPr>
             <a:spLocks noGrp="1"/>
           </p:cNvSpPr>
@@ -2611,8 +3401,8 @@
         </p:nvSpPr>
         <p:spPr>
           <a:xfrm>
-            <a:off x="8610600" y="6356350"/>
-            <a:ext cx="2743200" cy="365125"/>
+            <a:off x="9472736" y="6453386"/>
+            <a:ext cx="1596292" cy="404614"/>
           </a:xfrm>
           <a:prstGeom prst="rect">
             <a:avLst/>
@@ -2622,11 +3412,9 @@
           <a:bodyPr vert="horz" lIns="91440" tIns="45720" rIns="91440" bIns="45720" rtlCol="0" anchor="ctr"/>
           <a:lstStyle>
             <a:lvl1pPr algn="r">
-              <a:defRPr sz="1200">
+              <a:defRPr sz="1200" baseline="0">
                 <a:solidFill>
-                  <a:schemeClr val="tx1">
-                    <a:tint val="75000"/>
-                  </a:schemeClr>
+                  <a:schemeClr val="tx2"/>
                 </a:solidFill>
               </a:defRPr>
             </a:lvl1pPr>
@@ -2640,40 +3428,78 @@
           </a:p>
         </p:txBody>
       </p:sp>
+      <p:sp>
+        <p:nvSpPr>
+          <p:cNvPr id="9" name="Rectangle 8" title="Side bar"/>
+          <p:cNvSpPr/>
+          <p:nvPr/>
+        </p:nvSpPr>
+        <p:spPr>
+          <a:xfrm>
+            <a:off x="478095" y="376"/>
+            <a:ext cx="228600" cy="6858000"/>
+          </a:xfrm>
+          <a:prstGeom prst="rect">
+            <a:avLst/>
+          </a:prstGeom>
+          <a:solidFill>
+            <a:schemeClr val="tx2"/>
+          </a:solidFill>
+          <a:ln>
+            <a:noFill/>
+          </a:ln>
+        </p:spPr>
+        <p:style>
+          <a:lnRef idx="2">
+            <a:schemeClr val="accent1">
+              <a:shade val="50000"/>
+            </a:schemeClr>
+          </a:lnRef>
+          <a:fillRef idx="1">
+            <a:schemeClr val="accent1"/>
+          </a:fillRef>
+          <a:effectRef idx="0">
+            <a:schemeClr val="accent1"/>
+          </a:effectRef>
+          <a:fontRef idx="minor">
+            <a:schemeClr val="lt1"/>
+          </a:fontRef>
+        </p:style>
+      </p:sp>
     </p:spTree>
     <p:extLst>
       <p:ext uri="{BB962C8B-B14F-4D97-AF65-F5344CB8AC3E}">
-        <p14:creationId xmlns:p14="http://schemas.microsoft.com/office/powerpoint/2010/main" val="2003094035"/>
+        <p14:creationId xmlns:p14="http://schemas.microsoft.com/office/powerpoint/2010/main" val="4089432589"/>
       </p:ext>
     </p:extLst>
   </p:cSld>
   <p:clrMap bg1="lt1" tx1="dk1" bg2="lt2" tx2="dk2" accent1="accent1" accent2="accent2" accent3="accent3" accent4="accent4" accent5="accent5" accent6="accent6" hlink="hlink" folHlink="folHlink"/>
   <p:sldLayoutIdLst>
-    <p:sldLayoutId id="2147483649" r:id="rId1"/>
-    <p:sldLayoutId id="2147483650" r:id="rId2"/>
-    <p:sldLayoutId id="2147483651" r:id="rId3"/>
-    <p:sldLayoutId id="2147483652" r:id="rId4"/>
-    <p:sldLayoutId id="2147483653" r:id="rId5"/>
-    <p:sldLayoutId id="2147483654" r:id="rId6"/>
-    <p:sldLayoutId id="2147483655" r:id="rId7"/>
-    <p:sldLayoutId id="2147483656" r:id="rId8"/>
-    <p:sldLayoutId id="2147483657" r:id="rId9"/>
-    <p:sldLayoutId id="2147483658" r:id="rId10"/>
-    <p:sldLayoutId id="2147483659" r:id="rId11"/>
+    <p:sldLayoutId id="2147483661" r:id="rId1"/>
+    <p:sldLayoutId id="2147483662" r:id="rId2"/>
+    <p:sldLayoutId id="2147483663" r:id="rId3"/>
+    <p:sldLayoutId id="2147483664" r:id="rId4"/>
+    <p:sldLayoutId id="2147483665" r:id="rId5"/>
+    <p:sldLayoutId id="2147483666" r:id="rId6"/>
+    <p:sldLayoutId id="2147483667" r:id="rId7"/>
+    <p:sldLayoutId id="2147483668" r:id="rId8"/>
+    <p:sldLayoutId id="2147483669" r:id="rId9"/>
+    <p:sldLayoutId id="2147483670" r:id="rId10"/>
+    <p:sldLayoutId id="2147483671" r:id="rId11"/>
   </p:sldLayoutIdLst>
   <p:txStyles>
     <p:titleStyle>
       <a:lvl1pPr algn="l" defTabSz="914400" rtl="0" eaLnBrk="1" latinLnBrk="0" hangingPunct="1">
         <a:lnSpc>
-          <a:spcPct val="90000"/>
+          <a:spcPct val="89000"/>
         </a:lnSpc>
         <a:spcBef>
           <a:spcPct val="0"/>
         </a:spcBef>
         <a:buNone/>
-        <a:defRPr sz="4400" kern="1200">
+        <a:defRPr sz="4400" kern="1200" baseline="0">
           <a:solidFill>
-            <a:schemeClr val="tx1"/>
+            <a:schemeClr val="tx2"/>
           </a:solidFill>
           <a:latin typeface="+mj-lt"/>
           <a:ea typeface="+mj-ea"/>
@@ -2682,162 +3508,189 @@
       </a:lvl1pPr>
     </p:titleStyle>
     <p:bodyStyle>
-      <a:lvl1pPr marL="228600" indent="-228600" algn="l" defTabSz="914400" rtl="0" eaLnBrk="1" latinLnBrk="0" hangingPunct="1">
+      <a:lvl1pPr marL="384048" indent="-384048" algn="l" defTabSz="914400" rtl="0" eaLnBrk="1" latinLnBrk="0" hangingPunct="1">
         <a:lnSpc>
-          <a:spcPct val="90000"/>
+          <a:spcPct val="94000"/>
         </a:lnSpc>
         <a:spcBef>
           <a:spcPts val="1000"/>
         </a:spcBef>
-        <a:buFont typeface="Arial" panose="020B0604020202020204" pitchFamily="34" charset="0"/>
-        <a:buChar char="•"/>
-        <a:defRPr sz="2800" kern="1200">
+        <a:spcAft>
+          <a:spcPts val="200"/>
+        </a:spcAft>
+        <a:buFont typeface="Franklin Gothic Book" panose="020B0503020102020204" pitchFamily="34" charset="0"/>
+        <a:buChar char="■"/>
+        <a:defRPr sz="2000" kern="1200" baseline="0">
           <a:solidFill>
-            <a:schemeClr val="tx1"/>
+            <a:schemeClr val="tx2"/>
           </a:solidFill>
           <a:latin typeface="+mn-lt"/>
           <a:ea typeface="+mn-ea"/>
           <a:cs typeface="+mn-cs"/>
         </a:defRPr>
       </a:lvl1pPr>
-      <a:lvl2pPr marL="685800" indent="-228600" algn="l" defTabSz="914400" rtl="0" eaLnBrk="1" latinLnBrk="0" hangingPunct="1">
+      <a:lvl2pPr marL="914400" indent="-384048" algn="l" defTabSz="914400" rtl="0" eaLnBrk="1" latinLnBrk="0" hangingPunct="1">
         <a:lnSpc>
-          <a:spcPct val="90000"/>
+          <a:spcPct val="94000"/>
         </a:lnSpc>
         <a:spcBef>
           <a:spcPts val="500"/>
         </a:spcBef>
-        <a:buFont typeface="Arial" panose="020B0604020202020204" pitchFamily="34" charset="0"/>
-        <a:buChar char="•"/>
-        <a:defRPr sz="2400" kern="1200">
+        <a:spcAft>
+          <a:spcPts val="200"/>
+        </a:spcAft>
+        <a:buFont typeface="Franklin Gothic Book" panose="020B0503020102020204" pitchFamily="34" charset="0"/>
+        <a:buChar char="–"/>
+        <a:defRPr sz="2000" i="1" kern="1200" baseline="0">
           <a:solidFill>
-            <a:schemeClr val="tx1"/>
+            <a:schemeClr val="tx2"/>
           </a:solidFill>
           <a:latin typeface="+mn-lt"/>
           <a:ea typeface="+mn-ea"/>
           <a:cs typeface="+mn-cs"/>
         </a:defRPr>
       </a:lvl2pPr>
-      <a:lvl3pPr marL="1143000" indent="-228600" algn="l" defTabSz="914400" rtl="0" eaLnBrk="1" latinLnBrk="0" hangingPunct="1">
+      <a:lvl3pPr marL="1371600" indent="-384048" algn="l" defTabSz="914400" rtl="0" eaLnBrk="1" latinLnBrk="0" hangingPunct="1">
         <a:lnSpc>
-          <a:spcPct val="90000"/>
+          <a:spcPct val="94000"/>
         </a:lnSpc>
         <a:spcBef>
           <a:spcPts val="500"/>
         </a:spcBef>
-        <a:buFont typeface="Arial" panose="020B0604020202020204" pitchFamily="34" charset="0"/>
-        <a:buChar char="•"/>
-        <a:defRPr sz="2000" kern="1200">
+        <a:spcAft>
+          <a:spcPts val="200"/>
+        </a:spcAft>
+        <a:buFont typeface="Franklin Gothic Book" panose="020B0503020102020204" pitchFamily="34" charset="0"/>
+        <a:buChar char="■"/>
+        <a:defRPr sz="1800" kern="1200" baseline="0">
           <a:solidFill>
-            <a:schemeClr val="tx1"/>
+            <a:schemeClr val="tx2"/>
           </a:solidFill>
           <a:latin typeface="+mn-lt"/>
           <a:ea typeface="+mn-ea"/>
           <a:cs typeface="+mn-cs"/>
         </a:defRPr>
       </a:lvl3pPr>
-      <a:lvl4pPr marL="1600200" indent="-228600" algn="l" defTabSz="914400" rtl="0" eaLnBrk="1" latinLnBrk="0" hangingPunct="1">
+      <a:lvl4pPr marL="1828800" indent="-384048" algn="l" defTabSz="914400" rtl="0" eaLnBrk="1" latinLnBrk="0" hangingPunct="1">
         <a:lnSpc>
-          <a:spcPct val="90000"/>
+          <a:spcPct val="94000"/>
         </a:lnSpc>
         <a:spcBef>
           <a:spcPts val="500"/>
         </a:spcBef>
-        <a:buFont typeface="Arial" panose="020B0604020202020204" pitchFamily="34" charset="0"/>
-        <a:buChar char="•"/>
-        <a:defRPr sz="1800" kern="1200">
+        <a:spcAft>
+          <a:spcPts val="200"/>
+        </a:spcAft>
+        <a:buFont typeface="Franklin Gothic Book" panose="020B0503020102020204" pitchFamily="34" charset="0"/>
+        <a:buChar char="–"/>
+        <a:defRPr sz="1800" i="1" kern="1200" baseline="0">
           <a:solidFill>
-            <a:schemeClr val="tx1"/>
+            <a:schemeClr val="tx2"/>
           </a:solidFill>
           <a:latin typeface="+mn-lt"/>
           <a:ea typeface="+mn-ea"/>
           <a:cs typeface="+mn-cs"/>
         </a:defRPr>
       </a:lvl4pPr>
-      <a:lvl5pPr marL="2057400" indent="-228600" algn="l" defTabSz="914400" rtl="0" eaLnBrk="1" latinLnBrk="0" hangingPunct="1">
+      <a:lvl5pPr marL="2286000" indent="-384048" algn="l" defTabSz="914400" rtl="0" eaLnBrk="1" latinLnBrk="0" hangingPunct="1">
         <a:lnSpc>
-          <a:spcPct val="90000"/>
+          <a:spcPct val="94000"/>
         </a:lnSpc>
         <a:spcBef>
           <a:spcPts val="500"/>
         </a:spcBef>
-        <a:buFont typeface="Arial" panose="020B0604020202020204" pitchFamily="34" charset="0"/>
-        <a:buChar char="•"/>
-        <a:defRPr sz="1800" kern="1200">
+        <a:spcAft>
+          <a:spcPts val="200"/>
+        </a:spcAft>
+        <a:buFont typeface="Franklin Gothic Book" panose="020B0503020102020204" pitchFamily="34" charset="0"/>
+        <a:buChar char="■"/>
+        <a:defRPr sz="1600" kern="1200" baseline="0">
           <a:solidFill>
-            <a:schemeClr val="tx1"/>
+            <a:schemeClr val="tx2"/>
           </a:solidFill>
           <a:latin typeface="+mn-lt"/>
           <a:ea typeface="+mn-ea"/>
           <a:cs typeface="+mn-cs"/>
         </a:defRPr>
       </a:lvl5pPr>
-      <a:lvl6pPr marL="2514600" indent="-228600" algn="l" defTabSz="914400" rtl="0" eaLnBrk="1" latinLnBrk="0" hangingPunct="1">
+      <a:lvl6pPr marL="2743200" indent="-384048" algn="l" defTabSz="914400" rtl="0" eaLnBrk="1" latinLnBrk="0" hangingPunct="1">
         <a:lnSpc>
-          <a:spcPct val="90000"/>
+          <a:spcPct val="94000"/>
         </a:lnSpc>
         <a:spcBef>
           <a:spcPts val="500"/>
         </a:spcBef>
-        <a:buFont typeface="Arial" panose="020B0604020202020204" pitchFamily="34" charset="0"/>
-        <a:buChar char="•"/>
-        <a:defRPr sz="1800" kern="1200">
+        <a:spcAft>
+          <a:spcPts val="200"/>
+        </a:spcAft>
+        <a:buFont typeface="Franklin Gothic Book" panose="020B0503020102020204" pitchFamily="34" charset="0"/>
+        <a:buChar char="–"/>
+        <a:defRPr sz="1600" i="1" kern="1200" baseline="0">
           <a:solidFill>
-            <a:schemeClr val="tx1"/>
+            <a:schemeClr val="tx2"/>
           </a:solidFill>
           <a:latin typeface="+mn-lt"/>
           <a:ea typeface="+mn-ea"/>
           <a:cs typeface="+mn-cs"/>
         </a:defRPr>
       </a:lvl6pPr>
-      <a:lvl7pPr marL="2971800" indent="-228600" algn="l" defTabSz="914400" rtl="0" eaLnBrk="1" latinLnBrk="0" hangingPunct="1">
+      <a:lvl7pPr marL="3200400" indent="-384048" algn="l" defTabSz="914400" rtl="0" eaLnBrk="1" latinLnBrk="0" hangingPunct="1">
         <a:lnSpc>
-          <a:spcPct val="90000"/>
+          <a:spcPct val="94000"/>
         </a:lnSpc>
         <a:spcBef>
           <a:spcPts val="500"/>
         </a:spcBef>
-        <a:buFont typeface="Arial" panose="020B0604020202020204" pitchFamily="34" charset="0"/>
-        <a:buChar char="•"/>
-        <a:defRPr sz="1800" kern="1200">
+        <a:spcAft>
+          <a:spcPts val="200"/>
+        </a:spcAft>
+        <a:buFont typeface="Franklin Gothic Book" panose="020B0503020102020204" pitchFamily="34" charset="0"/>
+        <a:buChar char="■"/>
+        <a:defRPr sz="1400" kern="1200" baseline="0">
           <a:solidFill>
-            <a:schemeClr val="tx1"/>
+            <a:schemeClr val="tx2"/>
           </a:solidFill>
           <a:latin typeface="+mn-lt"/>
           <a:ea typeface="+mn-ea"/>
           <a:cs typeface="+mn-cs"/>
         </a:defRPr>
       </a:lvl7pPr>
-      <a:lvl8pPr marL="3429000" indent="-228600" algn="l" defTabSz="914400" rtl="0" eaLnBrk="1" latinLnBrk="0" hangingPunct="1">
+      <a:lvl8pPr marL="3657600" indent="-384048" algn="l" defTabSz="914400" rtl="0" eaLnBrk="1" latinLnBrk="0" hangingPunct="1">
         <a:lnSpc>
-          <a:spcPct val="90000"/>
+          <a:spcPct val="94000"/>
         </a:lnSpc>
         <a:spcBef>
           <a:spcPts val="500"/>
         </a:spcBef>
-        <a:buFont typeface="Arial" panose="020B0604020202020204" pitchFamily="34" charset="0"/>
-        <a:buChar char="•"/>
-        <a:defRPr sz="1800" kern="1200">
+        <a:spcAft>
+          <a:spcPts val="200"/>
+        </a:spcAft>
+        <a:buFont typeface="Franklin Gothic Book" panose="020B0503020102020204" pitchFamily="34" charset="0"/>
+        <a:buChar char="–"/>
+        <a:defRPr sz="1400" i="1" kern="1200" baseline="0">
           <a:solidFill>
-            <a:schemeClr val="tx1"/>
+            <a:schemeClr val="tx2"/>
           </a:solidFill>
           <a:latin typeface="+mn-lt"/>
           <a:ea typeface="+mn-ea"/>
           <a:cs typeface="+mn-cs"/>
         </a:defRPr>
       </a:lvl8pPr>
-      <a:lvl9pPr marL="3886200" indent="-228600" algn="l" defTabSz="914400" rtl="0" eaLnBrk="1" latinLnBrk="0" hangingPunct="1">
+      <a:lvl9pPr marL="4114800" indent="-384048" algn="l" defTabSz="914400" rtl="0" eaLnBrk="1" latinLnBrk="0" hangingPunct="1">
         <a:lnSpc>
-          <a:spcPct val="90000"/>
+          <a:spcPct val="94000"/>
         </a:lnSpc>
         <a:spcBef>
           <a:spcPts val="500"/>
         </a:spcBef>
-        <a:buFont typeface="Arial" panose="020B0604020202020204" pitchFamily="34" charset="0"/>
-        <a:buChar char="•"/>
-        <a:defRPr sz="1800" kern="1200">
+        <a:spcAft>
+          <a:spcPts val="200"/>
+        </a:spcAft>
+        <a:buFont typeface="Franklin Gothic Book" panose="020B0503020102020204" pitchFamily="34" charset="0"/>
+        <a:buChar char="■"/>
+        <a:defRPr sz="1400" kern="1200" baseline="0">
           <a:solidFill>
-            <a:schemeClr val="tx1"/>
+            <a:schemeClr val="tx2"/>
           </a:solidFill>
           <a:latin typeface="+mn-lt"/>
           <a:ea typeface="+mn-ea"/>
@@ -2847,7 +3700,7 @@
     </p:bodyStyle>
     <p:otherStyle>
       <a:defPPr>
-        <a:defRPr lang="zh-CN"/>
+        <a:defRPr lang="en-US"/>
       </a:defPPr>
       <a:lvl1pPr marL="0" algn="l" defTabSz="914400" rtl="0" eaLnBrk="1" latinLnBrk="0" hangingPunct="1">
         <a:defRPr sz="1800" kern="1200">
@@ -2941,13 +3794,4299 @@
       </a:lvl9pPr>
     </p:otherStyle>
   </p:txStyles>
+  <p:extLst>
+    <p:ext uri="{27BBF7A9-308A-43DC-89C8-2F10F3537804}">
+      <p15:sldGuideLst xmlns:p15="http://schemas.microsoft.com/office/powerpoint/2012/main">
+        <p15:guide id="3" orient="horz" pos="1368">
+          <p15:clr>
+            <a:srgbClr val="F26B43"/>
+          </p15:clr>
+        </p15:guide>
+        <p15:guide id="4" orient="horz" pos="1440">
+          <p15:clr>
+            <a:srgbClr val="F26B43"/>
+          </p15:clr>
+        </p15:guide>
+        <p15:guide id="6" orient="horz" pos="3696">
+          <p15:clr>
+            <a:srgbClr val="F26B43"/>
+          </p15:clr>
+        </p15:guide>
+        <p15:guide id="7" orient="horz" pos="432">
+          <p15:clr>
+            <a:srgbClr val="F26B43"/>
+          </p15:clr>
+        </p15:guide>
+        <p15:guide id="8" orient="horz" pos="1512">
+          <p15:clr>
+            <a:srgbClr val="F26B43"/>
+          </p15:clr>
+        </p15:guide>
+        <p15:guide id="9" pos="6912">
+          <p15:clr>
+            <a:srgbClr val="F26B43"/>
+          </p15:clr>
+        </p15:guide>
+        <p15:guide id="10" pos="936">
+          <p15:clr>
+            <a:srgbClr val="F26B43"/>
+          </p15:clr>
+        </p15:guide>
+        <p15:guide id="11" pos="864">
+          <p15:clr>
+            <a:srgbClr val="F26B43"/>
+          </p15:clr>
+        </p15:guide>
+      </p15:sldGuideLst>
+    </p:ext>
+  </p:extLst>
 </p:sldMaster>
 </file>
 
+<file path=ppt/slides/slide1.xml><?xml version="1.0" encoding="utf-8"?>
+<p:sld xmlns:a="http://schemas.openxmlformats.org/drawingml/2006/main" xmlns:r="http://schemas.openxmlformats.org/officeDocument/2006/relationships" xmlns:p="http://schemas.openxmlformats.org/presentationml/2006/main">
+  <p:cSld>
+    <p:spTree>
+      <p:nvGrpSpPr>
+        <p:cNvPr id="1" name=""/>
+        <p:cNvGrpSpPr/>
+        <p:nvPr/>
+      </p:nvGrpSpPr>
+      <p:grpSpPr>
+        <a:xfrm>
+          <a:off x="0" y="0"/>
+          <a:ext cx="0" cy="0"/>
+          <a:chOff x="0" y="0"/>
+          <a:chExt cx="0" cy="0"/>
+        </a:xfrm>
+      </p:grpSpPr>
+      <p:sp>
+        <p:nvSpPr>
+          <p:cNvPr id="2" name="标题 1">
+            <a:extLst>
+              <a:ext uri="{FF2B5EF4-FFF2-40B4-BE49-F238E27FC236}">
+                <a16:creationId xmlns:a16="http://schemas.microsoft.com/office/drawing/2014/main" id="{FC69B484-C47D-FF43-B101-3438638D9067}"/>
+              </a:ext>
+            </a:extLst>
+          </p:cNvPr>
+          <p:cNvSpPr>
+            <a:spLocks noGrp="1"/>
+          </p:cNvSpPr>
+          <p:nvPr>
+            <p:ph type="ctrTitle"/>
+          </p:nvPr>
+        </p:nvSpPr>
+        <p:spPr>
+          <a:xfrm>
+            <a:off x="1915127" y="1253432"/>
+            <a:ext cx="8361229" cy="2098226"/>
+          </a:xfrm>
+        </p:spPr>
+        <p:txBody>
+          <a:bodyPr/>
+          <a:lstStyle/>
+          <a:p>
+            <a:r>
+              <a:rPr lang="zh-CN" altLang="en-US" sz="4000" b="1" dirty="0"/>
+              <a:t>基于</a:t>
+            </a:r>
+            <a:r>
+              <a:rPr lang="en" altLang="zh-CN" sz="4000" b="1" dirty="0"/>
+              <a:t>HDR</a:t>
+            </a:r>
+            <a:r>
+              <a:rPr lang="zh-CN" altLang="en-US" sz="4000" b="1" dirty="0"/>
+              <a:t>算法的实时</a:t>
+            </a:r>
+            <a:r>
+              <a:rPr lang="en" altLang="zh-CN" sz="4000" b="1" dirty="0"/>
+              <a:t>VR</a:t>
+            </a:r>
+            <a:r>
+              <a:rPr lang="zh-CN" altLang="en-US" sz="4000" b="1" dirty="0"/>
+              <a:t>视频播放器</a:t>
+            </a:r>
+            <a:br>
+              <a:rPr lang="zh-CN" altLang="en-US" sz="4000" b="1" dirty="0"/>
+            </a:br>
+            <a:endParaRPr kumimoji="1" lang="zh-CN" altLang="en-US" sz="4000" dirty="0"/>
+          </a:p>
+        </p:txBody>
+      </p:sp>
+      <p:sp>
+        <p:nvSpPr>
+          <p:cNvPr id="3" name="副标题 2">
+            <a:extLst>
+              <a:ext uri="{FF2B5EF4-FFF2-40B4-BE49-F238E27FC236}">
+                <a16:creationId xmlns:a16="http://schemas.microsoft.com/office/drawing/2014/main" id="{373523F7-F55A-F049-A54A-5D1C093AE6BF}"/>
+              </a:ext>
+            </a:extLst>
+          </p:cNvPr>
+          <p:cNvSpPr>
+            <a:spLocks noGrp="1"/>
+          </p:cNvSpPr>
+          <p:nvPr>
+            <p:ph type="subTitle" idx="1"/>
+          </p:nvPr>
+        </p:nvSpPr>
+        <p:spPr>
+          <a:xfrm>
+            <a:off x="2679904" y="3187794"/>
+            <a:ext cx="6989390" cy="1014555"/>
+          </a:xfrm>
+        </p:spPr>
+        <p:txBody>
+          <a:bodyPr>
+            <a:normAutofit fontScale="92500" lnSpcReduction="20000"/>
+          </a:bodyPr>
+          <a:lstStyle/>
+          <a:p>
+            <a:r>
+              <a:rPr lang="en-US" altLang="zh-CN" dirty="0"/>
+              <a:t>16340023 </a:t>
+            </a:r>
+            <a:r>
+              <a:rPr lang="zh-CN" altLang="en-US" dirty="0"/>
+              <a:t>陈明亮</a:t>
+            </a:r>
+            <a:endParaRPr lang="en-US" altLang="zh-CN" dirty="0"/>
+          </a:p>
+          <a:p>
+            <a:r>
+              <a:rPr lang="en-US" altLang="zh-CN" dirty="0"/>
+              <a:t>16340024 </a:t>
+            </a:r>
+            <a:r>
+              <a:rPr lang="zh-CN" altLang="en-US" dirty="0"/>
+              <a:t>陈铭涛</a:t>
+            </a:r>
+          </a:p>
+          <a:p>
+            <a:r>
+              <a:rPr lang="en-US" altLang="zh-CN" dirty="0"/>
+              <a:t>16340025 </a:t>
+            </a:r>
+            <a:r>
+              <a:rPr lang="zh-CN" altLang="en-US" dirty="0"/>
+              <a:t>陈慕远</a:t>
+            </a:r>
+            <a:endParaRPr kumimoji="1" lang="zh-CN" altLang="en-US" dirty="0"/>
+          </a:p>
+        </p:txBody>
+      </p:sp>
+    </p:spTree>
+    <p:extLst>
+      <p:ext uri="{BB962C8B-B14F-4D97-AF65-F5344CB8AC3E}">
+        <p14:creationId xmlns:p14="http://schemas.microsoft.com/office/powerpoint/2010/main" val="1803306055"/>
+      </p:ext>
+    </p:extLst>
+  </p:cSld>
+  <p:clrMapOvr>
+    <a:masterClrMapping/>
+  </p:clrMapOvr>
+</p:sld>
+</file>
+
+<file path=ppt/slides/slide10.xml><?xml version="1.0" encoding="utf-8"?>
+<p:sld xmlns:a="http://schemas.openxmlformats.org/drawingml/2006/main" xmlns:r="http://schemas.openxmlformats.org/officeDocument/2006/relationships" xmlns:p="http://schemas.openxmlformats.org/presentationml/2006/main">
+  <p:cSld>
+    <p:spTree>
+      <p:nvGrpSpPr>
+        <p:cNvPr id="1" name=""/>
+        <p:cNvGrpSpPr/>
+        <p:nvPr/>
+      </p:nvGrpSpPr>
+      <p:grpSpPr>
+        <a:xfrm>
+          <a:off x="0" y="0"/>
+          <a:ext cx="0" cy="0"/>
+          <a:chOff x="0" y="0"/>
+          <a:chExt cx="0" cy="0"/>
+        </a:xfrm>
+      </p:grpSpPr>
+      <p:pic>
+        <p:nvPicPr>
+          <p:cNvPr id="7" name="内容占位符 6">
+            <a:extLst>
+              <a:ext uri="{FF2B5EF4-FFF2-40B4-BE49-F238E27FC236}">
+                <a16:creationId xmlns:a16="http://schemas.microsoft.com/office/drawing/2014/main" id="{93190E51-8074-2041-B7CD-2517095D7D18}"/>
+              </a:ext>
+            </a:extLst>
+          </p:cNvPr>
+          <p:cNvPicPr>
+            <a:picLocks noGrp="1" noChangeAspect="1"/>
+          </p:cNvPicPr>
+          <p:nvPr>
+            <p:ph idx="1"/>
+          </p:nvPr>
+        </p:nvPicPr>
+        <p:blipFill>
+          <a:blip r:embed="rId2">
+            <a:extLst>
+              <a:ext uri="{28A0092B-C50C-407E-A947-70E740481C1C}">
+                <a14:useLocalDpi xmlns:a14="http://schemas.microsoft.com/office/drawing/2010/main" val="0"/>
+              </a:ext>
+            </a:extLst>
+          </a:blip>
+          <a:stretch>
+            <a:fillRect/>
+          </a:stretch>
+        </p:blipFill>
+        <p:spPr>
+          <a:xfrm>
+            <a:off x="215900" y="2623788"/>
+            <a:ext cx="5880100" cy="2940050"/>
+          </a:xfrm>
+        </p:spPr>
+      </p:pic>
+      <p:sp>
+        <p:nvSpPr>
+          <p:cNvPr id="4" name="标题 1">
+            <a:extLst>
+              <a:ext uri="{FF2B5EF4-FFF2-40B4-BE49-F238E27FC236}">
+                <a16:creationId xmlns:a16="http://schemas.microsoft.com/office/drawing/2014/main" id="{B76DA287-B44A-9D4B-9E17-0F7668D79626}"/>
+              </a:ext>
+            </a:extLst>
+          </p:cNvPr>
+          <p:cNvSpPr txBox="1">
+            <a:spLocks/>
+          </p:cNvSpPr>
+          <p:nvPr/>
+        </p:nvSpPr>
+        <p:spPr>
+          <a:xfrm>
+            <a:off x="1371600" y="685800"/>
+            <a:ext cx="9601200" cy="1485900"/>
+          </a:xfrm>
+          <a:prstGeom prst="rect">
+            <a:avLst/>
+          </a:prstGeom>
+        </p:spPr>
+        <p:txBody>
+          <a:bodyPr vert="horz" lIns="91440" tIns="45720" rIns="91440" bIns="45720" rtlCol="0" anchor="t">
+            <a:normAutofit/>
+          </a:bodyPr>
+          <a:lstStyle>
+            <a:lvl1pPr algn="l" defTabSz="914400" rtl="0" eaLnBrk="1" latinLnBrk="0" hangingPunct="1">
+              <a:lnSpc>
+                <a:spcPct val="89000"/>
+              </a:lnSpc>
+              <a:spcBef>
+                <a:spcPct val="0"/>
+              </a:spcBef>
+              <a:buNone/>
+              <a:defRPr sz="4400" kern="1200" baseline="0">
+                <a:solidFill>
+                  <a:schemeClr val="tx2"/>
+                </a:solidFill>
+                <a:latin typeface="+mj-lt"/>
+                <a:ea typeface="+mj-ea"/>
+                <a:cs typeface="+mj-cs"/>
+              </a:defRPr>
+            </a:lvl1pPr>
+          </a:lstStyle>
+          <a:p>
+            <a:r>
+              <a:rPr lang="en" altLang="zh-CN" b="1" dirty="0"/>
+              <a:t>HDR</a:t>
+            </a:r>
+            <a:r>
+              <a:rPr lang="zh-CN" altLang="en-US" b="1" dirty="0"/>
+              <a:t>算法的基本实现与效果优化</a:t>
+            </a:r>
+            <a:br>
+              <a:rPr lang="zh-CN" altLang="en-US" b="1" dirty="0"/>
+            </a:br>
+            <a:endParaRPr kumimoji="1" lang="zh-CN" altLang="en-US" dirty="0"/>
+          </a:p>
+        </p:txBody>
+      </p:sp>
+      <p:sp>
+        <p:nvSpPr>
+          <p:cNvPr id="5" name="矩形 4">
+            <a:extLst>
+              <a:ext uri="{FF2B5EF4-FFF2-40B4-BE49-F238E27FC236}">
+                <a16:creationId xmlns:a16="http://schemas.microsoft.com/office/drawing/2014/main" id="{4713BFFD-0BC1-874C-9685-69F118192574}"/>
+              </a:ext>
+            </a:extLst>
+          </p:cNvPr>
+          <p:cNvSpPr/>
+          <p:nvPr/>
+        </p:nvSpPr>
+        <p:spPr>
+          <a:xfrm>
+            <a:off x="1371600" y="1428750"/>
+            <a:ext cx="6096000" cy="461665"/>
+          </a:xfrm>
+          <a:prstGeom prst="rect">
+            <a:avLst/>
+          </a:prstGeom>
+        </p:spPr>
+        <p:txBody>
+          <a:bodyPr>
+            <a:spAutoFit/>
+          </a:bodyPr>
+          <a:lstStyle/>
+          <a:p>
+            <a:r>
+              <a:rPr lang="zh-CN" altLang="en-US" sz="2400" dirty="0"/>
+              <a:t>单幅效果</a:t>
+            </a:r>
+            <a:endParaRPr lang="zh-CN" altLang="en-US" sz="4000" dirty="0">
+              <a:effectLst/>
+            </a:endParaRPr>
+          </a:p>
+        </p:txBody>
+      </p:sp>
+      <p:pic>
+        <p:nvPicPr>
+          <p:cNvPr id="9" name="图片 8">
+            <a:extLst>
+              <a:ext uri="{FF2B5EF4-FFF2-40B4-BE49-F238E27FC236}">
+                <a16:creationId xmlns:a16="http://schemas.microsoft.com/office/drawing/2014/main" id="{F429EA3A-D726-804D-A97F-492F712D25B7}"/>
+              </a:ext>
+            </a:extLst>
+          </p:cNvPr>
+          <p:cNvPicPr>
+            <a:picLocks noChangeAspect="1"/>
+          </p:cNvPicPr>
+          <p:nvPr/>
+        </p:nvPicPr>
+        <p:blipFill>
+          <a:blip r:embed="rId3">
+            <a:extLst>
+              <a:ext uri="{28A0092B-C50C-407E-A947-70E740481C1C}">
+                <a14:useLocalDpi xmlns:a14="http://schemas.microsoft.com/office/drawing/2010/main" val="0"/>
+              </a:ext>
+            </a:extLst>
+          </a:blip>
+          <a:stretch>
+            <a:fillRect/>
+          </a:stretch>
+        </p:blipFill>
+        <p:spPr>
+          <a:xfrm>
+            <a:off x="6311900" y="2633365"/>
+            <a:ext cx="5880100" cy="2930473"/>
+          </a:xfrm>
+          <a:prstGeom prst="rect">
+            <a:avLst/>
+          </a:prstGeom>
+        </p:spPr>
+      </p:pic>
+    </p:spTree>
+    <p:extLst>
+      <p:ext uri="{BB962C8B-B14F-4D97-AF65-F5344CB8AC3E}">
+        <p14:creationId xmlns:p14="http://schemas.microsoft.com/office/powerpoint/2010/main" val="3691439544"/>
+      </p:ext>
+    </p:extLst>
+  </p:cSld>
+  <p:clrMapOvr>
+    <a:masterClrMapping/>
+  </p:clrMapOvr>
+</p:sld>
+</file>
+
+<file path=ppt/slides/slide11.xml><?xml version="1.0" encoding="utf-8"?>
+<p:sld xmlns:a="http://schemas.openxmlformats.org/drawingml/2006/main" xmlns:r="http://schemas.openxmlformats.org/officeDocument/2006/relationships" xmlns:p="http://schemas.openxmlformats.org/presentationml/2006/main">
+  <p:cSld>
+    <p:spTree>
+      <p:nvGrpSpPr>
+        <p:cNvPr id="1" name=""/>
+        <p:cNvGrpSpPr/>
+        <p:nvPr/>
+      </p:nvGrpSpPr>
+      <p:grpSpPr>
+        <a:xfrm>
+          <a:off x="0" y="0"/>
+          <a:ext cx="0" cy="0"/>
+          <a:chOff x="0" y="0"/>
+          <a:chExt cx="0" cy="0"/>
+        </a:xfrm>
+      </p:grpSpPr>
+      <p:sp>
+        <p:nvSpPr>
+          <p:cNvPr id="2" name="标题 1">
+            <a:extLst>
+              <a:ext uri="{FF2B5EF4-FFF2-40B4-BE49-F238E27FC236}">
+                <a16:creationId xmlns:a16="http://schemas.microsoft.com/office/drawing/2014/main" id="{E572CFBC-F7A3-E148-A771-7FE914B2EC8A}"/>
+              </a:ext>
+            </a:extLst>
+          </p:cNvPr>
+          <p:cNvSpPr>
+            <a:spLocks noGrp="1"/>
+          </p:cNvSpPr>
+          <p:nvPr>
+            <p:ph type="title"/>
+          </p:nvPr>
+        </p:nvSpPr>
+        <p:spPr>
+          <a:xfrm>
+            <a:off x="1371600" y="685800"/>
+            <a:ext cx="9601200" cy="1054100"/>
+          </a:xfrm>
+        </p:spPr>
+        <p:txBody>
+          <a:bodyPr>
+            <a:normAutofit fontScale="90000"/>
+          </a:bodyPr>
+          <a:lstStyle/>
+          <a:p>
+            <a:r>
+              <a:rPr lang="zh-CN" altLang="en-US" b="1" dirty="0"/>
+              <a:t>使用快速双边滤波进行</a:t>
+            </a:r>
+            <a:r>
+              <a:rPr lang="en" altLang="zh-CN" b="1" dirty="0"/>
+              <a:t>HDR</a:t>
+            </a:r>
+            <a:r>
+              <a:rPr lang="zh-CN" altLang="en-US" b="1" dirty="0"/>
+              <a:t>算法速度优化</a:t>
+            </a:r>
+            <a:endParaRPr kumimoji="1" lang="zh-CN" altLang="en-US" dirty="0"/>
+          </a:p>
+        </p:txBody>
+      </p:sp>
+      <p:sp>
+        <p:nvSpPr>
+          <p:cNvPr id="3" name="内容占位符 2">
+            <a:extLst>
+              <a:ext uri="{FF2B5EF4-FFF2-40B4-BE49-F238E27FC236}">
+                <a16:creationId xmlns:a16="http://schemas.microsoft.com/office/drawing/2014/main" id="{0544EA20-C243-154B-8231-3E0C78FBF14E}"/>
+              </a:ext>
+            </a:extLst>
+          </p:cNvPr>
+          <p:cNvSpPr>
+            <a:spLocks noGrp="1"/>
+          </p:cNvSpPr>
+          <p:nvPr>
+            <p:ph idx="1"/>
+          </p:nvPr>
+        </p:nvSpPr>
+        <p:spPr>
+          <a:xfrm>
+            <a:off x="1371600" y="1739900"/>
+            <a:ext cx="9601200" cy="4127500"/>
+          </a:xfrm>
+        </p:spPr>
+        <p:txBody>
+          <a:bodyPr/>
+          <a:lstStyle/>
+          <a:p>
+            <a:r>
+              <a:rPr lang="zh-CN" altLang="en-US" dirty="0"/>
+              <a:t>基于快速双边滤波算法，对当前已经实现的</a:t>
+            </a:r>
+            <a:r>
+              <a:rPr lang="en" altLang="zh-CN" dirty="0"/>
+              <a:t>HDR</a:t>
+            </a:r>
+            <a:r>
+              <a:rPr lang="zh-CN" altLang="en-US" dirty="0"/>
+              <a:t>算法进行速度上的优化，以保证其在接下来处理视频时，每一帧的渲染时间足够短，使得视频的播放帧数能够维持在每秒几十帧的优秀帧率上。</a:t>
+            </a:r>
+            <a:endParaRPr kumimoji="1" lang="zh-CN" altLang="en-US" dirty="0"/>
+          </a:p>
+        </p:txBody>
+      </p:sp>
+    </p:spTree>
+    <p:extLst>
+      <p:ext uri="{BB962C8B-B14F-4D97-AF65-F5344CB8AC3E}">
+        <p14:creationId xmlns:p14="http://schemas.microsoft.com/office/powerpoint/2010/main" val="2114135240"/>
+      </p:ext>
+    </p:extLst>
+  </p:cSld>
+  <p:clrMapOvr>
+    <a:masterClrMapping/>
+  </p:clrMapOvr>
+</p:sld>
+</file>
+
+<file path=ppt/slides/slide12.xml><?xml version="1.0" encoding="utf-8"?>
+<p:sld xmlns:a="http://schemas.openxmlformats.org/drawingml/2006/main" xmlns:r="http://schemas.openxmlformats.org/officeDocument/2006/relationships" xmlns:p="http://schemas.openxmlformats.org/presentationml/2006/main">
+  <p:cSld>
+    <p:spTree>
+      <p:nvGrpSpPr>
+        <p:cNvPr id="1" name=""/>
+        <p:cNvGrpSpPr/>
+        <p:nvPr/>
+      </p:nvGrpSpPr>
+      <p:grpSpPr>
+        <a:xfrm>
+          <a:off x="0" y="0"/>
+          <a:ext cx="0" cy="0"/>
+          <a:chOff x="0" y="0"/>
+          <a:chExt cx="0" cy="0"/>
+        </a:xfrm>
+      </p:grpSpPr>
+      <p:sp>
+        <p:nvSpPr>
+          <p:cNvPr id="2" name="标题 1">
+            <a:extLst>
+              <a:ext uri="{FF2B5EF4-FFF2-40B4-BE49-F238E27FC236}">
+                <a16:creationId xmlns:a16="http://schemas.microsoft.com/office/drawing/2014/main" id="{5A1CB6B9-EE3C-9C46-B1C1-5090F11C922B}"/>
+              </a:ext>
+            </a:extLst>
+          </p:cNvPr>
+          <p:cNvSpPr>
+            <a:spLocks noGrp="1"/>
+          </p:cNvSpPr>
+          <p:nvPr>
+            <p:ph type="title"/>
+          </p:nvPr>
+        </p:nvSpPr>
+        <p:spPr/>
+        <p:txBody>
+          <a:bodyPr/>
+          <a:lstStyle/>
+          <a:p>
+            <a:endParaRPr kumimoji="1" lang="zh-CN" altLang="en-US"/>
+          </a:p>
+        </p:txBody>
+      </p:sp>
+      <p:sp>
+        <p:nvSpPr>
+          <p:cNvPr id="3" name="内容占位符 2">
+            <a:extLst>
+              <a:ext uri="{FF2B5EF4-FFF2-40B4-BE49-F238E27FC236}">
+                <a16:creationId xmlns:a16="http://schemas.microsoft.com/office/drawing/2014/main" id="{EC15631D-7C54-0D43-A649-E9539EB8E1B3}"/>
+              </a:ext>
+            </a:extLst>
+          </p:cNvPr>
+          <p:cNvSpPr>
+            <a:spLocks noGrp="1"/>
+          </p:cNvSpPr>
+          <p:nvPr>
+            <p:ph idx="1"/>
+          </p:nvPr>
+        </p:nvSpPr>
+        <p:spPr/>
+        <p:txBody>
+          <a:bodyPr/>
+          <a:lstStyle/>
+          <a:p>
+            <a:endParaRPr kumimoji="1" lang="zh-CN" altLang="en-US"/>
+          </a:p>
+        </p:txBody>
+      </p:sp>
+    </p:spTree>
+    <p:extLst>
+      <p:ext uri="{BB962C8B-B14F-4D97-AF65-F5344CB8AC3E}">
+        <p14:creationId xmlns:p14="http://schemas.microsoft.com/office/powerpoint/2010/main" val="1887265420"/>
+      </p:ext>
+    </p:extLst>
+  </p:cSld>
+  <p:clrMapOvr>
+    <a:masterClrMapping/>
+  </p:clrMapOvr>
+</p:sld>
+</file>
+
+<file path=ppt/slides/slide13.xml><?xml version="1.0" encoding="utf-8"?>
+<p:sld xmlns:a="http://schemas.openxmlformats.org/drawingml/2006/main" xmlns:r="http://schemas.openxmlformats.org/officeDocument/2006/relationships" xmlns:p="http://schemas.openxmlformats.org/presentationml/2006/main">
+  <p:cSld>
+    <p:spTree>
+      <p:nvGrpSpPr>
+        <p:cNvPr id="1" name=""/>
+        <p:cNvGrpSpPr/>
+        <p:nvPr/>
+      </p:nvGrpSpPr>
+      <p:grpSpPr>
+        <a:xfrm>
+          <a:off x="0" y="0"/>
+          <a:ext cx="0" cy="0"/>
+          <a:chOff x="0" y="0"/>
+          <a:chExt cx="0" cy="0"/>
+        </a:xfrm>
+      </p:grpSpPr>
+      <p:sp>
+        <p:nvSpPr>
+          <p:cNvPr id="2" name="标题 1">
+            <a:extLst>
+              <a:ext uri="{FF2B5EF4-FFF2-40B4-BE49-F238E27FC236}">
+                <a16:creationId xmlns:a16="http://schemas.microsoft.com/office/drawing/2014/main" id="{3C20DB04-6AA7-0A43-9914-B7B8523B2546}"/>
+              </a:ext>
+            </a:extLst>
+          </p:cNvPr>
+          <p:cNvSpPr>
+            <a:spLocks noGrp="1"/>
+          </p:cNvSpPr>
+          <p:nvPr>
+            <p:ph type="title"/>
+          </p:nvPr>
+        </p:nvSpPr>
+        <p:spPr/>
+        <p:txBody>
+          <a:bodyPr/>
+          <a:lstStyle/>
+          <a:p>
+            <a:r>
+              <a:rPr kumimoji="1" lang="en-US" altLang="zh-CN" dirty="0"/>
+              <a:t>Related</a:t>
+            </a:r>
+            <a:r>
+              <a:rPr kumimoji="1" lang="zh-CN" altLang="en-US" dirty="0"/>
+              <a:t> </a:t>
+            </a:r>
+            <a:r>
+              <a:rPr kumimoji="1" lang="en-US" altLang="zh-CN" dirty="0"/>
+              <a:t>Work</a:t>
+            </a:r>
+            <a:endParaRPr kumimoji="1" lang="zh-CN" altLang="en-US" dirty="0"/>
+          </a:p>
+        </p:txBody>
+      </p:sp>
+      <p:sp>
+        <p:nvSpPr>
+          <p:cNvPr id="3" name="内容占位符 2">
+            <a:extLst>
+              <a:ext uri="{FF2B5EF4-FFF2-40B4-BE49-F238E27FC236}">
+                <a16:creationId xmlns:a16="http://schemas.microsoft.com/office/drawing/2014/main" id="{5E5996DF-67DC-8D45-AB0F-AFF10A2673E7}"/>
+              </a:ext>
+            </a:extLst>
+          </p:cNvPr>
+          <p:cNvSpPr>
+            <a:spLocks noGrp="1"/>
+          </p:cNvSpPr>
+          <p:nvPr>
+            <p:ph idx="1"/>
+          </p:nvPr>
+        </p:nvSpPr>
+        <p:spPr/>
+        <p:txBody>
+          <a:bodyPr/>
+          <a:lstStyle/>
+          <a:p>
+            <a:endParaRPr kumimoji="1" lang="zh-CN" altLang="en-US" dirty="0"/>
+          </a:p>
+        </p:txBody>
+      </p:sp>
+    </p:spTree>
+    <p:extLst>
+      <p:ext uri="{BB962C8B-B14F-4D97-AF65-F5344CB8AC3E}">
+        <p14:creationId xmlns:p14="http://schemas.microsoft.com/office/powerpoint/2010/main" val="1886391583"/>
+      </p:ext>
+    </p:extLst>
+  </p:cSld>
+  <p:clrMapOvr>
+    <a:masterClrMapping/>
+  </p:clrMapOvr>
+</p:sld>
+</file>
+
+<file path=ppt/slides/slide14.xml><?xml version="1.0" encoding="utf-8"?>
+<p:sld xmlns:a="http://schemas.openxmlformats.org/drawingml/2006/main" xmlns:r="http://schemas.openxmlformats.org/officeDocument/2006/relationships" xmlns:p="http://schemas.openxmlformats.org/presentationml/2006/main">
+  <p:cSld>
+    <p:spTree>
+      <p:nvGrpSpPr>
+        <p:cNvPr id="1" name=""/>
+        <p:cNvGrpSpPr/>
+        <p:nvPr/>
+      </p:nvGrpSpPr>
+      <p:grpSpPr>
+        <a:xfrm>
+          <a:off x="0" y="0"/>
+          <a:ext cx="0" cy="0"/>
+          <a:chOff x="0" y="0"/>
+          <a:chExt cx="0" cy="0"/>
+        </a:xfrm>
+      </p:grpSpPr>
+      <p:sp>
+        <p:nvSpPr>
+          <p:cNvPr id="2" name="标题 1">
+            <a:extLst>
+              <a:ext uri="{FF2B5EF4-FFF2-40B4-BE49-F238E27FC236}">
+                <a16:creationId xmlns:a16="http://schemas.microsoft.com/office/drawing/2014/main" id="{5730DBA1-1160-9F40-9F19-C15D1775EAA2}"/>
+              </a:ext>
+            </a:extLst>
+          </p:cNvPr>
+          <p:cNvSpPr>
+            <a:spLocks noGrp="1"/>
+          </p:cNvSpPr>
+          <p:nvPr>
+            <p:ph type="title"/>
+          </p:nvPr>
+        </p:nvSpPr>
+        <p:spPr/>
+        <p:txBody>
+          <a:bodyPr/>
+          <a:lstStyle/>
+          <a:p>
+            <a:endParaRPr kumimoji="1" lang="zh-CN" altLang="en-US"/>
+          </a:p>
+        </p:txBody>
+      </p:sp>
+      <p:sp>
+        <p:nvSpPr>
+          <p:cNvPr id="3" name="内容占位符 2">
+            <a:extLst>
+              <a:ext uri="{FF2B5EF4-FFF2-40B4-BE49-F238E27FC236}">
+                <a16:creationId xmlns:a16="http://schemas.microsoft.com/office/drawing/2014/main" id="{C921CA7E-CA06-884E-9347-8EA676A59402}"/>
+              </a:ext>
+            </a:extLst>
+          </p:cNvPr>
+          <p:cNvSpPr>
+            <a:spLocks noGrp="1"/>
+          </p:cNvSpPr>
+          <p:nvPr>
+            <p:ph idx="1"/>
+          </p:nvPr>
+        </p:nvSpPr>
+        <p:spPr/>
+        <p:txBody>
+          <a:bodyPr/>
+          <a:lstStyle/>
+          <a:p>
+            <a:endParaRPr kumimoji="1" lang="zh-CN" altLang="en-US"/>
+          </a:p>
+        </p:txBody>
+      </p:sp>
+    </p:spTree>
+    <p:extLst>
+      <p:ext uri="{BB962C8B-B14F-4D97-AF65-F5344CB8AC3E}">
+        <p14:creationId xmlns:p14="http://schemas.microsoft.com/office/powerpoint/2010/main" val="201662023"/>
+      </p:ext>
+    </p:extLst>
+  </p:cSld>
+  <p:clrMapOvr>
+    <a:masterClrMapping/>
+  </p:clrMapOvr>
+</p:sld>
+</file>
+
+<file path=ppt/slides/slide15.xml><?xml version="1.0" encoding="utf-8"?>
+<p:sld xmlns:a="http://schemas.openxmlformats.org/drawingml/2006/main" xmlns:r="http://schemas.openxmlformats.org/officeDocument/2006/relationships" xmlns:p="http://schemas.openxmlformats.org/presentationml/2006/main">
+  <p:cSld>
+    <p:spTree>
+      <p:nvGrpSpPr>
+        <p:cNvPr id="1" name=""/>
+        <p:cNvGrpSpPr/>
+        <p:nvPr/>
+      </p:nvGrpSpPr>
+      <p:grpSpPr>
+        <a:xfrm>
+          <a:off x="0" y="0"/>
+          <a:ext cx="0" cy="0"/>
+          <a:chOff x="0" y="0"/>
+          <a:chExt cx="0" cy="0"/>
+        </a:xfrm>
+      </p:grpSpPr>
+      <p:sp>
+        <p:nvSpPr>
+          <p:cNvPr id="2" name="标题 1">
+            <a:extLst>
+              <a:ext uri="{FF2B5EF4-FFF2-40B4-BE49-F238E27FC236}">
+                <a16:creationId xmlns:a16="http://schemas.microsoft.com/office/drawing/2014/main" id="{A245F930-A66F-4441-96E5-C721A98C0A05}"/>
+              </a:ext>
+            </a:extLst>
+          </p:cNvPr>
+          <p:cNvSpPr>
+            <a:spLocks noGrp="1"/>
+          </p:cNvSpPr>
+          <p:nvPr>
+            <p:ph type="title"/>
+          </p:nvPr>
+        </p:nvSpPr>
+        <p:spPr/>
+        <p:txBody>
+          <a:bodyPr/>
+          <a:lstStyle/>
+          <a:p>
+            <a:endParaRPr kumimoji="1" lang="zh-CN" altLang="en-US"/>
+          </a:p>
+        </p:txBody>
+      </p:sp>
+      <p:sp>
+        <p:nvSpPr>
+          <p:cNvPr id="3" name="内容占位符 2">
+            <a:extLst>
+              <a:ext uri="{FF2B5EF4-FFF2-40B4-BE49-F238E27FC236}">
+                <a16:creationId xmlns:a16="http://schemas.microsoft.com/office/drawing/2014/main" id="{85A6323B-07CB-734F-8E2A-99A5A005112E}"/>
+              </a:ext>
+            </a:extLst>
+          </p:cNvPr>
+          <p:cNvSpPr>
+            <a:spLocks noGrp="1"/>
+          </p:cNvSpPr>
+          <p:nvPr>
+            <p:ph idx="1"/>
+          </p:nvPr>
+        </p:nvSpPr>
+        <p:spPr/>
+        <p:txBody>
+          <a:bodyPr/>
+          <a:lstStyle/>
+          <a:p>
+            <a:endParaRPr kumimoji="1" lang="zh-CN" altLang="en-US"/>
+          </a:p>
+        </p:txBody>
+      </p:sp>
+    </p:spTree>
+    <p:extLst>
+      <p:ext uri="{BB962C8B-B14F-4D97-AF65-F5344CB8AC3E}">
+        <p14:creationId xmlns:p14="http://schemas.microsoft.com/office/powerpoint/2010/main" val="177756344"/>
+      </p:ext>
+    </p:extLst>
+  </p:cSld>
+  <p:clrMapOvr>
+    <a:masterClrMapping/>
+  </p:clrMapOvr>
+</p:sld>
+</file>
+
+<file path=ppt/slides/slide2.xml><?xml version="1.0" encoding="utf-8"?>
+<p:sld xmlns:a="http://schemas.openxmlformats.org/drawingml/2006/main" xmlns:r="http://schemas.openxmlformats.org/officeDocument/2006/relationships" xmlns:p="http://schemas.openxmlformats.org/presentationml/2006/main">
+  <p:cSld>
+    <p:spTree>
+      <p:nvGrpSpPr>
+        <p:cNvPr id="1" name=""/>
+        <p:cNvGrpSpPr/>
+        <p:nvPr/>
+      </p:nvGrpSpPr>
+      <p:grpSpPr>
+        <a:xfrm>
+          <a:off x="0" y="0"/>
+          <a:ext cx="0" cy="0"/>
+          <a:chOff x="0" y="0"/>
+          <a:chExt cx="0" cy="0"/>
+        </a:xfrm>
+      </p:grpSpPr>
+      <p:sp>
+        <p:nvSpPr>
+          <p:cNvPr id="2" name="标题 1">
+            <a:extLst>
+              <a:ext uri="{FF2B5EF4-FFF2-40B4-BE49-F238E27FC236}">
+                <a16:creationId xmlns:a16="http://schemas.microsoft.com/office/drawing/2014/main" id="{C2367983-B02D-F548-A533-B38C51E568FD}"/>
+              </a:ext>
+            </a:extLst>
+          </p:cNvPr>
+          <p:cNvSpPr>
+            <a:spLocks noGrp="1"/>
+          </p:cNvSpPr>
+          <p:nvPr>
+            <p:ph type="title"/>
+          </p:nvPr>
+        </p:nvSpPr>
+        <p:spPr/>
+        <p:txBody>
+          <a:bodyPr/>
+          <a:lstStyle/>
+          <a:p>
+            <a:r>
+              <a:rPr lang="en" altLang="zh-CN" b="1" dirty="0"/>
+              <a:t>HDR</a:t>
+            </a:r>
+            <a:r>
+              <a:rPr lang="zh-CN" altLang="en-US" b="1" dirty="0"/>
+              <a:t>算法的基本实现与效果优化</a:t>
+            </a:r>
+            <a:br>
+              <a:rPr lang="zh-CN" altLang="en-US" b="1" dirty="0"/>
+            </a:br>
+            <a:endParaRPr kumimoji="1" lang="zh-CN" altLang="en-US" dirty="0"/>
+          </a:p>
+        </p:txBody>
+      </p:sp>
+      <p:sp>
+        <p:nvSpPr>
+          <p:cNvPr id="3" name="内容占位符 2">
+            <a:extLst>
+              <a:ext uri="{FF2B5EF4-FFF2-40B4-BE49-F238E27FC236}">
+                <a16:creationId xmlns:a16="http://schemas.microsoft.com/office/drawing/2014/main" id="{76EB1CE9-1E49-834D-B229-86DDF685ED75}"/>
+              </a:ext>
+            </a:extLst>
+          </p:cNvPr>
+          <p:cNvSpPr>
+            <a:spLocks noGrp="1"/>
+          </p:cNvSpPr>
+          <p:nvPr>
+            <p:ph idx="1"/>
+          </p:nvPr>
+        </p:nvSpPr>
+        <p:spPr>
+          <a:xfrm>
+            <a:off x="1371600" y="2312481"/>
+            <a:ext cx="9601200" cy="3581400"/>
+          </a:xfrm>
+        </p:spPr>
+        <p:txBody>
+          <a:bodyPr/>
+          <a:lstStyle/>
+          <a:p>
+            <a:r>
+              <a:rPr lang="zh-CN" altLang="en-US" dirty="0"/>
+              <a:t>在</a:t>
+            </a:r>
+            <a:r>
+              <a:rPr lang="en" altLang="zh-CN" dirty="0"/>
+              <a:t>YUV</a:t>
+            </a:r>
+            <a:r>
+              <a:rPr lang="zh-CN" altLang="en-US" dirty="0"/>
+              <a:t>颜色空间内，对原始图像的亮度分量进行反色调映射</a:t>
+            </a:r>
+            <a:r>
+              <a:rPr lang="en" altLang="zh-CN" i="1" dirty="0"/>
+              <a:t>Inverse Tone-Mapping</a:t>
+            </a:r>
+            <a:r>
+              <a:rPr lang="zh-CN" altLang="en-US" dirty="0"/>
+              <a:t>对处理之后的图像进行阈值图像的求取，同时进行高斯滤波，保留高光部分细节</a:t>
+            </a:r>
+          </a:p>
+          <a:p>
+            <a:r>
+              <a:rPr lang="zh-CN" altLang="en-US" dirty="0"/>
+              <a:t>将前两部分处理得到的图像与色度分量图融合处理，在融合的同时对图像进行最后的色调调整和对比度优化</a:t>
+            </a:r>
+          </a:p>
+          <a:p>
+            <a:r>
+              <a:rPr lang="zh-CN" altLang="en-US" dirty="0"/>
+              <a:t>进行噪点去除，同时针对暗部进行特殊处理</a:t>
+            </a:r>
+          </a:p>
+        </p:txBody>
+      </p:sp>
+      <p:sp>
+        <p:nvSpPr>
+          <p:cNvPr id="4" name="矩形 3">
+            <a:extLst>
+              <a:ext uri="{FF2B5EF4-FFF2-40B4-BE49-F238E27FC236}">
+                <a16:creationId xmlns:a16="http://schemas.microsoft.com/office/drawing/2014/main" id="{CB50D868-2A3D-1C43-A6F2-E813208D1DA9}"/>
+              </a:ext>
+            </a:extLst>
+          </p:cNvPr>
+          <p:cNvSpPr/>
+          <p:nvPr/>
+        </p:nvSpPr>
+        <p:spPr>
+          <a:xfrm>
+            <a:off x="1371600" y="1546240"/>
+            <a:ext cx="6096000" cy="461665"/>
+          </a:xfrm>
+          <a:prstGeom prst="rect">
+            <a:avLst/>
+          </a:prstGeom>
+        </p:spPr>
+        <p:txBody>
+          <a:bodyPr>
+            <a:spAutoFit/>
+          </a:bodyPr>
+          <a:lstStyle/>
+          <a:p>
+            <a:r>
+              <a:rPr lang="zh-CN" altLang="en-US" sz="2400" dirty="0"/>
+              <a:t>基于单张输入图像的</a:t>
+            </a:r>
+            <a:r>
+              <a:rPr lang="en" altLang="zh-CN" sz="2400" dirty="0"/>
+              <a:t>HDR</a:t>
+            </a:r>
+            <a:r>
+              <a:rPr lang="zh-CN" altLang="en-US" sz="2400" dirty="0"/>
+              <a:t>算法实现</a:t>
+            </a:r>
+            <a:endParaRPr lang="zh-CN" altLang="en-US" sz="2400" dirty="0">
+              <a:effectLst/>
+            </a:endParaRPr>
+          </a:p>
+        </p:txBody>
+      </p:sp>
+    </p:spTree>
+    <p:extLst>
+      <p:ext uri="{BB962C8B-B14F-4D97-AF65-F5344CB8AC3E}">
+        <p14:creationId xmlns:p14="http://schemas.microsoft.com/office/powerpoint/2010/main" val="3075642016"/>
+      </p:ext>
+    </p:extLst>
+  </p:cSld>
+  <p:clrMapOvr>
+    <a:masterClrMapping/>
+  </p:clrMapOvr>
+</p:sld>
+</file>
+
+<file path=ppt/slides/slide3.xml><?xml version="1.0" encoding="utf-8"?>
+<p:sld xmlns:a="http://schemas.openxmlformats.org/drawingml/2006/main" xmlns:r="http://schemas.openxmlformats.org/officeDocument/2006/relationships" xmlns:p="http://schemas.openxmlformats.org/presentationml/2006/main">
+  <p:cSld>
+    <p:spTree>
+      <p:nvGrpSpPr>
+        <p:cNvPr id="1" name=""/>
+        <p:cNvGrpSpPr/>
+        <p:nvPr/>
+      </p:nvGrpSpPr>
+      <p:grpSpPr>
+        <a:xfrm>
+          <a:off x="0" y="0"/>
+          <a:ext cx="0" cy="0"/>
+          <a:chOff x="0" y="0"/>
+          <a:chExt cx="0" cy="0"/>
+        </a:xfrm>
+      </p:grpSpPr>
+      <p:sp>
+        <p:nvSpPr>
+          <p:cNvPr id="2" name="标题 1">
+            <a:extLst>
+              <a:ext uri="{FF2B5EF4-FFF2-40B4-BE49-F238E27FC236}">
+                <a16:creationId xmlns:a16="http://schemas.microsoft.com/office/drawing/2014/main" id="{D6C6DAE9-9490-2B41-95C2-70D1A78DA0BB}"/>
+              </a:ext>
+            </a:extLst>
+          </p:cNvPr>
+          <p:cNvSpPr>
+            <a:spLocks noGrp="1"/>
+          </p:cNvSpPr>
+          <p:nvPr>
+            <p:ph type="title"/>
+          </p:nvPr>
+        </p:nvSpPr>
+        <p:spPr/>
+        <p:txBody>
+          <a:bodyPr/>
+          <a:lstStyle/>
+          <a:p>
+            <a:endParaRPr kumimoji="1" lang="zh-CN" altLang="en-US"/>
+          </a:p>
+        </p:txBody>
+      </p:sp>
+      <p:sp>
+        <p:nvSpPr>
+          <p:cNvPr id="3" name="内容占位符 2">
+            <a:extLst>
+              <a:ext uri="{FF2B5EF4-FFF2-40B4-BE49-F238E27FC236}">
+                <a16:creationId xmlns:a16="http://schemas.microsoft.com/office/drawing/2014/main" id="{73F99FAF-D323-E748-B8BA-AEF2D01A1731}"/>
+              </a:ext>
+            </a:extLst>
+          </p:cNvPr>
+          <p:cNvSpPr>
+            <a:spLocks noGrp="1"/>
+          </p:cNvSpPr>
+          <p:nvPr>
+            <p:ph idx="1"/>
+          </p:nvPr>
+        </p:nvSpPr>
+        <p:spPr/>
+        <p:txBody>
+          <a:bodyPr/>
+          <a:lstStyle/>
+          <a:p>
+            <a:endParaRPr kumimoji="1" lang="zh-CN" altLang="en-US"/>
+          </a:p>
+        </p:txBody>
+      </p:sp>
+      <p:pic>
+        <p:nvPicPr>
+          <p:cNvPr id="4" name="图片 3">
+            <a:extLst>
+              <a:ext uri="{FF2B5EF4-FFF2-40B4-BE49-F238E27FC236}">
+                <a16:creationId xmlns:a16="http://schemas.microsoft.com/office/drawing/2014/main" id="{5C2B47A5-ED11-C441-992E-C8789431D6D8}"/>
+              </a:ext>
+            </a:extLst>
+          </p:cNvPr>
+          <p:cNvPicPr>
+            <a:picLocks noChangeAspect="1"/>
+          </p:cNvPicPr>
+          <p:nvPr/>
+        </p:nvPicPr>
+        <p:blipFill>
+          <a:blip r:embed="rId2">
+            <a:extLst>
+              <a:ext uri="{28A0092B-C50C-407E-A947-70E740481C1C}">
+                <a14:useLocalDpi xmlns:a14="http://schemas.microsoft.com/office/drawing/2010/main" val="0"/>
+              </a:ext>
+            </a:extLst>
+          </a:blip>
+          <a:stretch>
+            <a:fillRect/>
+          </a:stretch>
+        </p:blipFill>
+        <p:spPr>
+          <a:xfrm>
+            <a:off x="2044080" y="1209675"/>
+            <a:ext cx="8589295" cy="4438650"/>
+          </a:xfrm>
+          <a:prstGeom prst="rect">
+            <a:avLst/>
+          </a:prstGeom>
+        </p:spPr>
+      </p:pic>
+    </p:spTree>
+    <p:extLst>
+      <p:ext uri="{BB962C8B-B14F-4D97-AF65-F5344CB8AC3E}">
+        <p14:creationId xmlns:p14="http://schemas.microsoft.com/office/powerpoint/2010/main" val="641890075"/>
+      </p:ext>
+    </p:extLst>
+  </p:cSld>
+  <p:clrMapOvr>
+    <a:masterClrMapping/>
+  </p:clrMapOvr>
+</p:sld>
+</file>
+
+<file path=ppt/slides/slide4.xml><?xml version="1.0" encoding="utf-8"?>
+<p:sld xmlns:a="http://schemas.openxmlformats.org/drawingml/2006/main" xmlns:r="http://schemas.openxmlformats.org/officeDocument/2006/relationships" xmlns:p="http://schemas.openxmlformats.org/presentationml/2006/main">
+  <p:cSld>
+    <p:spTree>
+      <p:nvGrpSpPr>
+        <p:cNvPr id="1" name=""/>
+        <p:cNvGrpSpPr/>
+        <p:nvPr/>
+      </p:nvGrpSpPr>
+      <p:grpSpPr>
+        <a:xfrm>
+          <a:off x="0" y="0"/>
+          <a:ext cx="0" cy="0"/>
+          <a:chOff x="0" y="0"/>
+          <a:chExt cx="0" cy="0"/>
+        </a:xfrm>
+      </p:grpSpPr>
+      <mc:AlternateContent xmlns:mc="http://schemas.openxmlformats.org/markup-compatibility/2006">
+        <mc:Choice xmlns:a14="http://schemas.microsoft.com/office/drawing/2010/main" Requires="a14">
+          <p:sp>
+            <p:nvSpPr>
+              <p:cNvPr id="3" name="内容占位符 2">
+                <a:extLst>
+                  <a:ext uri="{FF2B5EF4-FFF2-40B4-BE49-F238E27FC236}">
+                    <a16:creationId xmlns:a16="http://schemas.microsoft.com/office/drawing/2014/main" id="{CF206185-D015-C24C-B039-3403BC9C5310}"/>
+                  </a:ext>
+                </a:extLst>
+              </p:cNvPr>
+              <p:cNvSpPr>
+                <a:spLocks noGrp="1"/>
+              </p:cNvSpPr>
+              <p:nvPr>
+                <p:ph idx="1"/>
+              </p:nvPr>
+            </p:nvSpPr>
+            <p:spPr>
+              <a:xfrm>
+                <a:off x="1371600" y="2019300"/>
+                <a:ext cx="9601200" cy="3937000"/>
+              </a:xfrm>
+            </p:spPr>
+            <p:txBody>
+              <a:bodyPr>
+                <a:normAutofit lnSpcReduction="10000"/>
+              </a:bodyPr>
+              <a:lstStyle/>
+              <a:p>
+                <a:r>
+                  <a:rPr lang="zh-CN" altLang="en-US" dirty="0"/>
+                  <a:t>色调映射是将 </a:t>
+                </a:r>
+                <a:r>
+                  <a:rPr lang="en" altLang="zh-CN" dirty="0"/>
+                  <a:t>HDR </a:t>
+                </a:r>
+                <a:r>
+                  <a:rPr lang="zh-CN" altLang="en-US" dirty="0"/>
+                  <a:t>图像数据映射成 </a:t>
+                </a:r>
+                <a:r>
+                  <a:rPr lang="en" altLang="zh-CN" dirty="0"/>
+                  <a:t>LDR </a:t>
+                </a:r>
+                <a:r>
+                  <a:rPr lang="zh-CN" altLang="en-US" dirty="0"/>
+                  <a:t>图像数据</a:t>
+                </a:r>
+                <a:r>
+                  <a:rPr lang="en-US" altLang="zh-CN" dirty="0"/>
+                  <a:t>, </a:t>
+                </a:r>
+                <a:r>
+                  <a:rPr lang="zh-CN" altLang="en-US" dirty="0"/>
+                  <a:t>并尽可能地在视觉上保留原来的视觉效果</a:t>
+                </a:r>
+                <a:r>
+                  <a:rPr lang="en-US" altLang="zh-CN" dirty="0"/>
+                  <a:t>. </a:t>
+                </a:r>
+                <a:r>
+                  <a:rPr lang="zh-CN" altLang="en-US" dirty="0"/>
+                  <a:t>反色调映射则是色调映射的反变换</a:t>
+                </a:r>
+                <a:r>
+                  <a:rPr lang="en-US" altLang="zh-CN" dirty="0"/>
+                  <a:t>, </a:t>
+                </a:r>
+                <a:r>
+                  <a:rPr lang="zh-CN" altLang="en-US" dirty="0"/>
+                  <a:t>用于增大图像的动态范围</a:t>
+                </a:r>
+                <a:r>
+                  <a:rPr lang="en-US" altLang="zh-CN" dirty="0"/>
+                  <a:t>, </a:t>
+                </a:r>
+                <a:r>
+                  <a:rPr lang="zh-CN" altLang="en-US" dirty="0"/>
+                  <a:t>其对于 </a:t>
+                </a:r>
+                <a:r>
+                  <a:rPr lang="en" altLang="zh-CN" dirty="0"/>
+                  <a:t>LDR </a:t>
+                </a:r>
+                <a:r>
+                  <a:rPr lang="zh-CN" altLang="en-US" dirty="0"/>
+                  <a:t>图像到 </a:t>
+                </a:r>
+                <a:r>
+                  <a:rPr lang="en" altLang="zh-CN" dirty="0"/>
+                  <a:t>HDR </a:t>
+                </a:r>
+                <a:r>
+                  <a:rPr lang="zh-CN" altLang="en-US" dirty="0"/>
+                  <a:t>图像的转换同样非常关键</a:t>
+                </a:r>
+                <a:r>
+                  <a:rPr lang="en-US" altLang="zh-CN" dirty="0"/>
+                  <a:t>. </a:t>
+                </a:r>
+              </a:p>
+              <a:p>
+                <a:pPr marL="0" indent="0">
+                  <a:buNone/>
+                </a:pPr>
+                <a14:m>
+                  <m:oMathPara xmlns:m="http://schemas.openxmlformats.org/officeDocument/2006/math">
+                    <m:oMathParaPr>
+                      <m:jc m:val="centerGroup"/>
+                    </m:oMathParaPr>
+                    <m:oMath xmlns:m="http://schemas.openxmlformats.org/officeDocument/2006/math">
+                      <m:sSub>
+                        <m:sSubPr>
+                          <m:ctrlPr>
+                            <a:rPr kumimoji="1" lang="en-US" altLang="zh-CN" b="0" i="1" smtClean="0">
+                              <a:latin typeface="Cambria Math" panose="02040503050406030204" pitchFamily="18" charset="0"/>
+                            </a:rPr>
+                          </m:ctrlPr>
+                        </m:sSubPr>
+                        <m:e>
+                          <m:r>
+                            <a:rPr kumimoji="1" lang="en-US" altLang="zh-CN" b="0" i="1" smtClean="0">
+                              <a:latin typeface="Cambria Math" panose="02040503050406030204" pitchFamily="18" charset="0"/>
+                            </a:rPr>
+                            <m:t>𝐿</m:t>
+                          </m:r>
+                        </m:e>
+                        <m:sub>
+                          <m:r>
+                            <a:rPr kumimoji="1" lang="en-US" altLang="zh-CN" b="0" i="1" smtClean="0">
+                              <a:latin typeface="Cambria Math" panose="02040503050406030204" pitchFamily="18" charset="0"/>
+                            </a:rPr>
+                            <m:t>𝑤</m:t>
+                          </m:r>
+                        </m:sub>
+                      </m:sSub>
+                      <m:d>
+                        <m:dPr>
+                          <m:ctrlPr>
+                            <a:rPr kumimoji="1" lang="en-US" altLang="zh-CN" b="0" i="1" smtClean="0">
+                              <a:latin typeface="Cambria Math" panose="02040503050406030204" pitchFamily="18" charset="0"/>
+                            </a:rPr>
+                          </m:ctrlPr>
+                        </m:dPr>
+                        <m:e>
+                          <m:r>
+                            <a:rPr kumimoji="1" lang="en-US" altLang="zh-CN" b="0" i="1" smtClean="0">
+                              <a:latin typeface="Cambria Math" panose="02040503050406030204" pitchFamily="18" charset="0"/>
+                            </a:rPr>
+                            <m:t>𝑥</m:t>
+                          </m:r>
+                          <m:r>
+                            <a:rPr kumimoji="1" lang="en-US" altLang="zh-CN" b="0" i="1" smtClean="0">
+                              <a:latin typeface="Cambria Math" panose="02040503050406030204" pitchFamily="18" charset="0"/>
+                            </a:rPr>
+                            <m:t>,</m:t>
+                          </m:r>
+                          <m:r>
+                            <a:rPr kumimoji="1" lang="en-US" altLang="zh-CN" b="0" i="1" smtClean="0">
+                              <a:latin typeface="Cambria Math" panose="02040503050406030204" pitchFamily="18" charset="0"/>
+                            </a:rPr>
+                            <m:t>𝑦</m:t>
+                          </m:r>
+                        </m:e>
+                      </m:d>
+                      <m:r>
+                        <a:rPr kumimoji="1" lang="en-US" altLang="zh-CN" b="0" i="1" smtClean="0">
+                          <a:latin typeface="Cambria Math" panose="02040503050406030204" pitchFamily="18" charset="0"/>
+                        </a:rPr>
+                        <m:t>=</m:t>
+                      </m:r>
+                      <m:f>
+                        <m:fPr>
+                          <m:ctrlPr>
+                            <a:rPr kumimoji="1" lang="en-US" altLang="zh-CN" b="0" i="1" smtClean="0">
+                              <a:latin typeface="Cambria Math" panose="02040503050406030204" pitchFamily="18" charset="0"/>
+                            </a:rPr>
+                          </m:ctrlPr>
+                        </m:fPr>
+                        <m:num>
+                          <m:r>
+                            <a:rPr kumimoji="1" lang="en-US" altLang="zh-CN" b="0" i="1" smtClean="0">
+                              <a:latin typeface="Cambria Math" panose="02040503050406030204" pitchFamily="18" charset="0"/>
+                            </a:rPr>
+                            <m:t>1</m:t>
+                          </m:r>
+                        </m:num>
+                        <m:den>
+                          <m:r>
+                            <a:rPr kumimoji="1" lang="en-US" altLang="zh-CN" b="0" i="1" smtClean="0">
+                              <a:latin typeface="Cambria Math" panose="02040503050406030204" pitchFamily="18" charset="0"/>
+                            </a:rPr>
+                            <m:t>2</m:t>
+                          </m:r>
+                        </m:den>
+                      </m:f>
+                      <m:sSub>
+                        <m:sSubPr>
+                          <m:ctrlPr>
+                            <a:rPr kumimoji="1" lang="en-US" altLang="zh-CN" b="0" i="1" smtClean="0">
+                              <a:latin typeface="Cambria Math" panose="02040503050406030204" pitchFamily="18" charset="0"/>
+                            </a:rPr>
+                          </m:ctrlPr>
+                        </m:sSubPr>
+                        <m:e>
+                          <m:r>
+                            <a:rPr kumimoji="1" lang="en-US" altLang="zh-CN" b="0" i="1" smtClean="0">
+                              <a:latin typeface="Cambria Math" panose="02040503050406030204" pitchFamily="18" charset="0"/>
+                            </a:rPr>
+                            <m:t>𝐿</m:t>
+                          </m:r>
+                        </m:e>
+                        <m:sub>
+                          <m:r>
+                            <a:rPr kumimoji="1" lang="en-US" altLang="zh-CN" b="0" i="1" smtClean="0">
+                              <a:latin typeface="Cambria Math" panose="02040503050406030204" pitchFamily="18" charset="0"/>
+                            </a:rPr>
+                            <m:t>𝑚𝑎𝑥</m:t>
+                          </m:r>
+                        </m:sub>
+                      </m:sSub>
+                      <m:r>
+                        <a:rPr kumimoji="1" lang="en-US" altLang="zh-CN" b="0" i="1" smtClean="0">
+                          <a:latin typeface="Cambria Math" panose="02040503050406030204" pitchFamily="18" charset="0"/>
+                        </a:rPr>
+                        <m:t> </m:t>
+                      </m:r>
+                      <m:r>
+                        <a:rPr kumimoji="1" lang="en-US" altLang="zh-CN" b="0" i="1" smtClean="0">
+                          <a:latin typeface="Cambria Math" panose="02040503050406030204" pitchFamily="18" charset="0"/>
+                          <a:ea typeface="Cambria Math" panose="02040503050406030204" pitchFamily="18" charset="0"/>
+                        </a:rPr>
+                        <m:t>∙</m:t>
+                      </m:r>
+                      <m:sSub>
+                        <m:sSubPr>
+                          <m:ctrlPr>
+                            <a:rPr kumimoji="1" lang="en-US" altLang="zh-CN" b="0" i="1" smtClean="0">
+                              <a:latin typeface="Cambria Math" panose="02040503050406030204" pitchFamily="18" charset="0"/>
+                              <a:ea typeface="Cambria Math" panose="02040503050406030204" pitchFamily="18" charset="0"/>
+                            </a:rPr>
+                          </m:ctrlPr>
+                        </m:sSubPr>
+                        <m:e>
+                          <m:r>
+                            <a:rPr kumimoji="1" lang="en-US" altLang="zh-CN" b="0" i="1" smtClean="0">
+                              <a:latin typeface="Cambria Math" panose="02040503050406030204" pitchFamily="18" charset="0"/>
+                              <a:ea typeface="Cambria Math" panose="02040503050406030204" pitchFamily="18" charset="0"/>
+                            </a:rPr>
+                            <m:t>𝐿</m:t>
+                          </m:r>
+                        </m:e>
+                        <m:sub>
+                          <m:r>
+                            <a:rPr kumimoji="1" lang="en-US" altLang="zh-CN" b="0" i="1" smtClean="0">
+                              <a:latin typeface="Cambria Math" panose="02040503050406030204" pitchFamily="18" charset="0"/>
+                              <a:ea typeface="Cambria Math" panose="02040503050406030204" pitchFamily="18" charset="0"/>
+                            </a:rPr>
+                            <m:t>𝑤h𝑖𝑡𝑒</m:t>
+                          </m:r>
+                        </m:sub>
+                      </m:sSub>
+                      <m:r>
+                        <a:rPr kumimoji="1" lang="en-US" altLang="zh-CN" b="0" i="1" smtClean="0">
+                          <a:latin typeface="Cambria Math" panose="02040503050406030204" pitchFamily="18" charset="0"/>
+                          <a:ea typeface="Cambria Math" panose="02040503050406030204" pitchFamily="18" charset="0"/>
+                        </a:rPr>
+                        <m:t>(</m:t>
+                      </m:r>
+                      <m:d>
+                        <m:dPr>
+                          <m:ctrlPr>
+                            <a:rPr kumimoji="1" lang="en-US" altLang="zh-CN" b="0" i="1" smtClean="0">
+                              <a:latin typeface="Cambria Math" panose="02040503050406030204" pitchFamily="18" charset="0"/>
+                              <a:ea typeface="Cambria Math" panose="02040503050406030204" pitchFamily="18" charset="0"/>
+                            </a:rPr>
+                          </m:ctrlPr>
+                        </m:dPr>
+                        <m:e>
+                          <m:sSub>
+                            <m:sSubPr>
+                              <m:ctrlPr>
+                                <a:rPr kumimoji="1" lang="en-US" altLang="zh-CN" b="0" i="1" smtClean="0">
+                                  <a:latin typeface="Cambria Math" panose="02040503050406030204" pitchFamily="18" charset="0"/>
+                                  <a:ea typeface="Cambria Math" panose="02040503050406030204" pitchFamily="18" charset="0"/>
+                                </a:rPr>
+                              </m:ctrlPr>
+                            </m:sSubPr>
+                            <m:e>
+                              <m:r>
+                                <a:rPr kumimoji="1" lang="en-US" altLang="zh-CN" b="0" i="1" smtClean="0">
+                                  <a:latin typeface="Cambria Math" panose="02040503050406030204" pitchFamily="18" charset="0"/>
+                                  <a:ea typeface="Cambria Math" panose="02040503050406030204" pitchFamily="18" charset="0"/>
+                                </a:rPr>
+                                <m:t>𝐿</m:t>
+                              </m:r>
+                            </m:e>
+                            <m:sub>
+                              <m:r>
+                                <a:rPr kumimoji="1" lang="en-US" altLang="zh-CN" b="0" i="1" smtClean="0">
+                                  <a:latin typeface="Cambria Math" panose="02040503050406030204" pitchFamily="18" charset="0"/>
+                                  <a:ea typeface="Cambria Math" panose="02040503050406030204" pitchFamily="18" charset="0"/>
+                                </a:rPr>
+                                <m:t>𝑑</m:t>
+                              </m:r>
+                            </m:sub>
+                          </m:sSub>
+                          <m:d>
+                            <m:dPr>
+                              <m:ctrlPr>
+                                <a:rPr kumimoji="1" lang="en-US" altLang="zh-CN" b="0" i="1" smtClean="0">
+                                  <a:latin typeface="Cambria Math" panose="02040503050406030204" pitchFamily="18" charset="0"/>
+                                  <a:ea typeface="Cambria Math" panose="02040503050406030204" pitchFamily="18" charset="0"/>
+                                </a:rPr>
+                              </m:ctrlPr>
+                            </m:dPr>
+                            <m:e>
+                              <m:r>
+                                <a:rPr kumimoji="1" lang="en-US" altLang="zh-CN" b="0" i="1" smtClean="0">
+                                  <a:latin typeface="Cambria Math" panose="02040503050406030204" pitchFamily="18" charset="0"/>
+                                  <a:ea typeface="Cambria Math" panose="02040503050406030204" pitchFamily="18" charset="0"/>
+                                </a:rPr>
+                                <m:t>𝑥</m:t>
+                              </m:r>
+                              <m:r>
+                                <a:rPr kumimoji="1" lang="en-US" altLang="zh-CN" b="0" i="1" smtClean="0">
+                                  <a:latin typeface="Cambria Math" panose="02040503050406030204" pitchFamily="18" charset="0"/>
+                                  <a:ea typeface="Cambria Math" panose="02040503050406030204" pitchFamily="18" charset="0"/>
+                                </a:rPr>
+                                <m:t>,</m:t>
+                              </m:r>
+                              <m:r>
+                                <a:rPr kumimoji="1" lang="zh-CN" altLang="en-US" b="0" i="1" smtClean="0">
+                                  <a:latin typeface="Cambria Math" panose="02040503050406030204" pitchFamily="18" charset="0"/>
+                                  <a:ea typeface="Cambria Math" panose="02040503050406030204" pitchFamily="18" charset="0"/>
+                                </a:rPr>
+                                <m:t> </m:t>
+                              </m:r>
+                              <m:r>
+                                <a:rPr kumimoji="1" lang="en-US" altLang="zh-CN" b="0" i="1" smtClean="0">
+                                  <a:latin typeface="Cambria Math" panose="02040503050406030204" pitchFamily="18" charset="0"/>
+                                  <a:ea typeface="Cambria Math" panose="02040503050406030204" pitchFamily="18" charset="0"/>
+                                </a:rPr>
+                                <m:t>𝑦</m:t>
+                              </m:r>
+                            </m:e>
+                          </m:d>
+                          <m:r>
+                            <a:rPr kumimoji="1" lang="en-US" altLang="zh-CN" b="0" i="1" smtClean="0">
+                              <a:latin typeface="Cambria Math" panose="02040503050406030204" pitchFamily="18" charset="0"/>
+                              <a:ea typeface="Cambria Math" panose="02040503050406030204" pitchFamily="18" charset="0"/>
+                            </a:rPr>
+                            <m:t>−1</m:t>
+                          </m:r>
+                        </m:e>
+                      </m:d>
+                      <m:r>
+                        <a:rPr kumimoji="1" lang="en-US" altLang="zh-CN" b="0" i="1" smtClean="0">
+                          <a:latin typeface="Cambria Math" panose="02040503050406030204" pitchFamily="18" charset="0"/>
+                          <a:ea typeface="Cambria Math" panose="02040503050406030204" pitchFamily="18" charset="0"/>
+                        </a:rPr>
+                        <m:t>+</m:t>
+                      </m:r>
+                      <m:rad>
+                        <m:radPr>
+                          <m:degHide m:val="on"/>
+                          <m:ctrlPr>
+                            <a:rPr kumimoji="1" lang="en-US" altLang="zh-CN" b="0" i="1" smtClean="0">
+                              <a:latin typeface="Cambria Math" panose="02040503050406030204" pitchFamily="18" charset="0"/>
+                              <a:ea typeface="Cambria Math" panose="02040503050406030204" pitchFamily="18" charset="0"/>
+                            </a:rPr>
+                          </m:ctrlPr>
+                        </m:radPr>
+                        <m:deg/>
+                        <m:e>
+                          <m:sSup>
+                            <m:sSupPr>
+                              <m:ctrlPr>
+                                <a:rPr kumimoji="1" lang="en-US" altLang="zh-CN" b="0" i="1" smtClean="0">
+                                  <a:latin typeface="Cambria Math" panose="02040503050406030204" pitchFamily="18" charset="0"/>
+                                  <a:ea typeface="Cambria Math" panose="02040503050406030204" pitchFamily="18" charset="0"/>
+                                </a:rPr>
+                              </m:ctrlPr>
+                            </m:sSupPr>
+                            <m:e>
+                              <m:d>
+                                <m:dPr>
+                                  <m:ctrlPr>
+                                    <a:rPr kumimoji="1" lang="en-US" altLang="zh-CN" b="0" i="1" smtClean="0">
+                                      <a:latin typeface="Cambria Math" panose="02040503050406030204" pitchFamily="18" charset="0"/>
+                                      <a:ea typeface="Cambria Math" panose="02040503050406030204" pitchFamily="18" charset="0"/>
+                                    </a:rPr>
+                                  </m:ctrlPr>
+                                </m:dPr>
+                                <m:e>
+                                  <m:r>
+                                    <a:rPr kumimoji="1" lang="en-US" altLang="zh-CN" b="0" i="1" smtClean="0">
+                                      <a:latin typeface="Cambria Math" panose="02040503050406030204" pitchFamily="18" charset="0"/>
+                                      <a:ea typeface="Cambria Math" panose="02040503050406030204" pitchFamily="18" charset="0"/>
+                                    </a:rPr>
+                                    <m:t>1−</m:t>
+                                  </m:r>
+                                  <m:sSub>
+                                    <m:sSubPr>
+                                      <m:ctrlPr>
+                                        <a:rPr kumimoji="1" lang="en-US" altLang="zh-CN" b="0" i="1" smtClean="0">
+                                          <a:latin typeface="Cambria Math" panose="02040503050406030204" pitchFamily="18" charset="0"/>
+                                          <a:ea typeface="Cambria Math" panose="02040503050406030204" pitchFamily="18" charset="0"/>
+                                        </a:rPr>
+                                      </m:ctrlPr>
+                                    </m:sSubPr>
+                                    <m:e>
+                                      <m:r>
+                                        <a:rPr kumimoji="1" lang="en-US" altLang="zh-CN" b="0" i="1" smtClean="0">
+                                          <a:latin typeface="Cambria Math" panose="02040503050406030204" pitchFamily="18" charset="0"/>
+                                          <a:ea typeface="Cambria Math" panose="02040503050406030204" pitchFamily="18" charset="0"/>
+                                        </a:rPr>
+                                        <m:t>𝐿</m:t>
+                                      </m:r>
+                                    </m:e>
+                                    <m:sub>
+                                      <m:r>
+                                        <a:rPr kumimoji="1" lang="en-US" altLang="zh-CN" b="0" i="1" smtClean="0">
+                                          <a:latin typeface="Cambria Math" panose="02040503050406030204" pitchFamily="18" charset="0"/>
+                                          <a:ea typeface="Cambria Math" panose="02040503050406030204" pitchFamily="18" charset="0"/>
+                                        </a:rPr>
+                                        <m:t>𝑑</m:t>
+                                      </m:r>
+                                    </m:sub>
+                                  </m:sSub>
+                                  <m:d>
+                                    <m:dPr>
+                                      <m:ctrlPr>
+                                        <a:rPr kumimoji="1" lang="en-US" altLang="zh-CN" b="0" i="1" smtClean="0">
+                                          <a:latin typeface="Cambria Math" panose="02040503050406030204" pitchFamily="18" charset="0"/>
+                                          <a:ea typeface="Cambria Math" panose="02040503050406030204" pitchFamily="18" charset="0"/>
+                                        </a:rPr>
+                                      </m:ctrlPr>
+                                    </m:dPr>
+                                    <m:e>
+                                      <m:r>
+                                        <a:rPr kumimoji="1" lang="en-US" altLang="zh-CN" b="0" i="1" smtClean="0">
+                                          <a:latin typeface="Cambria Math" panose="02040503050406030204" pitchFamily="18" charset="0"/>
+                                          <a:ea typeface="Cambria Math" panose="02040503050406030204" pitchFamily="18" charset="0"/>
+                                        </a:rPr>
+                                        <m:t>𝑥</m:t>
+                                      </m:r>
+                                      <m:r>
+                                        <a:rPr kumimoji="1" lang="en-US" altLang="zh-CN" b="0" i="1" smtClean="0">
+                                          <a:latin typeface="Cambria Math" panose="02040503050406030204" pitchFamily="18" charset="0"/>
+                                          <a:ea typeface="Cambria Math" panose="02040503050406030204" pitchFamily="18" charset="0"/>
+                                        </a:rPr>
+                                        <m:t>,</m:t>
+                                      </m:r>
+                                      <m:r>
+                                        <a:rPr kumimoji="1" lang="en-US" altLang="zh-CN" b="0" i="1" smtClean="0">
+                                          <a:latin typeface="Cambria Math" panose="02040503050406030204" pitchFamily="18" charset="0"/>
+                                          <a:ea typeface="Cambria Math" panose="02040503050406030204" pitchFamily="18" charset="0"/>
+                                        </a:rPr>
+                                        <m:t>𝑦</m:t>
+                                      </m:r>
+                                    </m:e>
+                                  </m:d>
+                                </m:e>
+                              </m:d>
+                            </m:e>
+                            <m:sup>
+                              <m:r>
+                                <a:rPr kumimoji="1" lang="en-US" altLang="zh-CN" b="0" i="1" smtClean="0">
+                                  <a:latin typeface="Cambria Math" panose="02040503050406030204" pitchFamily="18" charset="0"/>
+                                  <a:ea typeface="Cambria Math" panose="02040503050406030204" pitchFamily="18" charset="0"/>
+                                </a:rPr>
+                                <m:t>2</m:t>
+                              </m:r>
+                            </m:sup>
+                          </m:sSup>
+                          <m:r>
+                            <a:rPr kumimoji="1" lang="en-US" altLang="zh-CN" b="0" i="1" smtClean="0">
+                              <a:latin typeface="Cambria Math" panose="02040503050406030204" pitchFamily="18" charset="0"/>
+                              <a:ea typeface="Cambria Math" panose="02040503050406030204" pitchFamily="18" charset="0"/>
+                            </a:rPr>
+                            <m:t>+</m:t>
+                          </m:r>
+                          <m:f>
+                            <m:fPr>
+                              <m:ctrlPr>
+                                <a:rPr kumimoji="1" lang="en-US" altLang="zh-CN" b="0" i="1" smtClean="0">
+                                  <a:latin typeface="Cambria Math" panose="02040503050406030204" pitchFamily="18" charset="0"/>
+                                  <a:ea typeface="Cambria Math" panose="02040503050406030204" pitchFamily="18" charset="0"/>
+                                </a:rPr>
+                              </m:ctrlPr>
+                            </m:fPr>
+                            <m:num>
+                              <m:r>
+                                <a:rPr kumimoji="1" lang="en-US" altLang="zh-CN" b="0" i="1" smtClean="0">
+                                  <a:latin typeface="Cambria Math" panose="02040503050406030204" pitchFamily="18" charset="0"/>
+                                  <a:ea typeface="Cambria Math" panose="02040503050406030204" pitchFamily="18" charset="0"/>
+                                </a:rPr>
+                                <m:t>4</m:t>
+                              </m:r>
+                              <m:sSub>
+                                <m:sSubPr>
+                                  <m:ctrlPr>
+                                    <a:rPr kumimoji="1" lang="en-US" altLang="zh-CN" b="0" i="1" smtClean="0">
+                                      <a:latin typeface="Cambria Math" panose="02040503050406030204" pitchFamily="18" charset="0"/>
+                                      <a:ea typeface="Cambria Math" panose="02040503050406030204" pitchFamily="18" charset="0"/>
+                                    </a:rPr>
+                                  </m:ctrlPr>
+                                </m:sSubPr>
+                                <m:e>
+                                  <m:r>
+                                    <a:rPr kumimoji="1" lang="en-US" altLang="zh-CN" b="0" i="1" smtClean="0">
+                                      <a:latin typeface="Cambria Math" panose="02040503050406030204" pitchFamily="18" charset="0"/>
+                                      <a:ea typeface="Cambria Math" panose="02040503050406030204" pitchFamily="18" charset="0"/>
+                                    </a:rPr>
+                                    <m:t>𝐿</m:t>
+                                  </m:r>
+                                </m:e>
+                                <m:sub>
+                                  <m:r>
+                                    <a:rPr kumimoji="1" lang="en-US" altLang="zh-CN" b="0" i="1" smtClean="0">
+                                      <a:latin typeface="Cambria Math" panose="02040503050406030204" pitchFamily="18" charset="0"/>
+                                      <a:ea typeface="Cambria Math" panose="02040503050406030204" pitchFamily="18" charset="0"/>
+                                    </a:rPr>
+                                    <m:t>𝑑</m:t>
+                                  </m:r>
+                                </m:sub>
+                              </m:sSub>
+                              <m:d>
+                                <m:dPr>
+                                  <m:ctrlPr>
+                                    <a:rPr kumimoji="1" lang="en-US" altLang="zh-CN" b="0" i="1" smtClean="0">
+                                      <a:latin typeface="Cambria Math" panose="02040503050406030204" pitchFamily="18" charset="0"/>
+                                      <a:ea typeface="Cambria Math" panose="02040503050406030204" pitchFamily="18" charset="0"/>
+                                    </a:rPr>
+                                  </m:ctrlPr>
+                                </m:dPr>
+                                <m:e>
+                                  <m:r>
+                                    <a:rPr kumimoji="1" lang="en-US" altLang="zh-CN" b="0" i="1" smtClean="0">
+                                      <a:latin typeface="Cambria Math" panose="02040503050406030204" pitchFamily="18" charset="0"/>
+                                      <a:ea typeface="Cambria Math" panose="02040503050406030204" pitchFamily="18" charset="0"/>
+                                    </a:rPr>
+                                    <m:t>𝑥</m:t>
+                                  </m:r>
+                                  <m:r>
+                                    <a:rPr kumimoji="1" lang="en-US" altLang="zh-CN" b="0" i="1" smtClean="0">
+                                      <a:latin typeface="Cambria Math" panose="02040503050406030204" pitchFamily="18" charset="0"/>
+                                      <a:ea typeface="Cambria Math" panose="02040503050406030204" pitchFamily="18" charset="0"/>
+                                    </a:rPr>
+                                    <m:t>,</m:t>
+                                  </m:r>
+                                  <m:r>
+                                    <a:rPr kumimoji="1" lang="en-US" altLang="zh-CN" b="0" i="1" smtClean="0">
+                                      <a:latin typeface="Cambria Math" panose="02040503050406030204" pitchFamily="18" charset="0"/>
+                                      <a:ea typeface="Cambria Math" panose="02040503050406030204" pitchFamily="18" charset="0"/>
+                                    </a:rPr>
+                                    <m:t>𝑦</m:t>
+                                  </m:r>
+                                </m:e>
+                              </m:d>
+                            </m:num>
+                            <m:den>
+                              <m:sSubSup>
+                                <m:sSubSupPr>
+                                  <m:ctrlPr>
+                                    <a:rPr kumimoji="1" lang="en-US" altLang="zh-CN" b="0" i="1" smtClean="0">
+                                      <a:latin typeface="Cambria Math" panose="02040503050406030204" pitchFamily="18" charset="0"/>
+                                      <a:ea typeface="Cambria Math" panose="02040503050406030204" pitchFamily="18" charset="0"/>
+                                    </a:rPr>
+                                  </m:ctrlPr>
+                                </m:sSubSupPr>
+                                <m:e>
+                                  <m:r>
+                                    <a:rPr kumimoji="1" lang="en-US" altLang="zh-CN" b="0" i="1" smtClean="0">
+                                      <a:latin typeface="Cambria Math" panose="02040503050406030204" pitchFamily="18" charset="0"/>
+                                      <a:ea typeface="Cambria Math" panose="02040503050406030204" pitchFamily="18" charset="0"/>
+                                    </a:rPr>
+                                    <m:t>𝐿</m:t>
+                                  </m:r>
+                                </m:e>
+                                <m:sub>
+                                  <m:r>
+                                    <a:rPr kumimoji="1" lang="en-US" altLang="zh-CN" b="0" i="1" smtClean="0">
+                                      <a:latin typeface="Cambria Math" panose="02040503050406030204" pitchFamily="18" charset="0"/>
+                                      <a:ea typeface="Cambria Math" panose="02040503050406030204" pitchFamily="18" charset="0"/>
+                                    </a:rPr>
+                                    <m:t>𝑤h𝑖𝑡𝑒</m:t>
+                                  </m:r>
+                                </m:sub>
+                                <m:sup>
+                                  <m:r>
+                                    <a:rPr kumimoji="1" lang="en-US" altLang="zh-CN" b="0" i="1" smtClean="0">
+                                      <a:latin typeface="Cambria Math" panose="02040503050406030204" pitchFamily="18" charset="0"/>
+                                      <a:ea typeface="Cambria Math" panose="02040503050406030204" pitchFamily="18" charset="0"/>
+                                    </a:rPr>
+                                    <m:t>2</m:t>
+                                  </m:r>
+                                </m:sup>
+                              </m:sSubSup>
+                            </m:den>
+                          </m:f>
+                        </m:e>
+                      </m:rad>
+                      <m:r>
+                        <a:rPr kumimoji="1" lang="en-US" altLang="zh-CN" b="0" i="1" smtClean="0">
+                          <a:latin typeface="Cambria Math" panose="02040503050406030204" pitchFamily="18" charset="0"/>
+                          <a:ea typeface="Cambria Math" panose="02040503050406030204" pitchFamily="18" charset="0"/>
+                        </a:rPr>
+                        <m:t>)</m:t>
+                      </m:r>
+                    </m:oMath>
+                  </m:oMathPara>
+                </a14:m>
+                <a:endParaRPr kumimoji="1" lang="en-US" altLang="zh-CN" dirty="0"/>
+              </a:p>
+              <a:p>
+                <a:r>
+                  <a:rPr lang="zh-CN" altLang="en-US" dirty="0"/>
+                  <a:t>其中，</a:t>
+                </a:r>
+                <a14:m>
+                  <m:oMath xmlns:m="http://schemas.openxmlformats.org/officeDocument/2006/math">
+                    <m:sSub>
+                      <m:sSubPr>
+                        <m:ctrlPr>
+                          <a:rPr lang="en-US" altLang="zh-CN" b="0" i="1" smtClean="0">
+                            <a:latin typeface="Cambria Math" panose="02040503050406030204" pitchFamily="18" charset="0"/>
+                          </a:rPr>
+                        </m:ctrlPr>
+                      </m:sSubPr>
+                      <m:e>
+                        <m:r>
+                          <a:rPr lang="en-US" altLang="zh-CN" b="0" i="1" smtClean="0">
+                            <a:latin typeface="Cambria Math" panose="02040503050406030204" pitchFamily="18" charset="0"/>
+                          </a:rPr>
+                          <m:t>𝐿</m:t>
+                        </m:r>
+                      </m:e>
+                      <m:sub>
+                        <m:r>
+                          <a:rPr lang="en-US" altLang="zh-CN" b="0" i="1" smtClean="0">
+                            <a:latin typeface="Cambria Math" panose="02040503050406030204" pitchFamily="18" charset="0"/>
+                          </a:rPr>
+                          <m:t>𝑑</m:t>
+                        </m:r>
+                      </m:sub>
+                    </m:sSub>
+                    <m:r>
+                      <a:rPr lang="en-US" altLang="zh-CN" b="0" i="1" smtClean="0">
+                        <a:latin typeface="Cambria Math" panose="02040503050406030204" pitchFamily="18" charset="0"/>
+                      </a:rPr>
+                      <m:t>(</m:t>
+                    </m:r>
+                    <m:r>
+                      <a:rPr lang="en-US" altLang="zh-CN" b="0" i="1" smtClean="0">
+                        <a:latin typeface="Cambria Math" panose="02040503050406030204" pitchFamily="18" charset="0"/>
+                      </a:rPr>
+                      <m:t>𝑥</m:t>
+                    </m:r>
+                    <m:r>
+                      <a:rPr lang="en-US" altLang="zh-CN" b="0" i="1" smtClean="0">
+                        <a:latin typeface="Cambria Math" panose="02040503050406030204" pitchFamily="18" charset="0"/>
+                      </a:rPr>
+                      <m:t>,</m:t>
+                    </m:r>
+                    <m:r>
+                      <a:rPr lang="en-US" altLang="zh-CN" b="0" i="1" smtClean="0">
+                        <a:latin typeface="Cambria Math" panose="02040503050406030204" pitchFamily="18" charset="0"/>
+                      </a:rPr>
+                      <m:t>𝑦</m:t>
+                    </m:r>
+                    <m:r>
+                      <a:rPr lang="en-US" altLang="zh-CN" b="0" i="1" smtClean="0">
+                        <a:latin typeface="Cambria Math" panose="02040503050406030204" pitchFamily="18" charset="0"/>
+                      </a:rPr>
+                      <m:t>)</m:t>
+                    </m:r>
+                  </m:oMath>
+                </a14:m>
+                <a:r>
+                  <a:rPr lang="zh-CN" altLang="en-US" dirty="0"/>
+                  <a:t>代表经过色调映射后 </a:t>
+                </a:r>
+                <a:r>
+                  <a:rPr lang="en" altLang="zh-CN" dirty="0"/>
+                  <a:t>LDR </a:t>
+                </a:r>
+                <a:r>
+                  <a:rPr lang="zh-CN" altLang="en-US" dirty="0"/>
+                  <a:t>图像的像素点的值</a:t>
+                </a:r>
+                <a:r>
+                  <a:rPr lang="en-US" altLang="zh-CN" dirty="0"/>
+                  <a:t>. </a:t>
+                </a:r>
+                <a:r>
+                  <a:rPr lang="zh-CN" altLang="en-US" dirty="0"/>
+                  <a:t>在映射过程中</a:t>
+                </a:r>
+                <a:r>
+                  <a:rPr lang="en-US" altLang="zh-CN" dirty="0"/>
+                  <a:t>, </a:t>
+                </a:r>
+                <a:r>
+                  <a:rPr lang="zh-CN" altLang="en-US" dirty="0"/>
+                  <a:t>高亮度值的像素点可以近似地看作被 </a:t>
+                </a:r>
+                <a:r>
+                  <a:rPr lang="en-US" altLang="zh-CN" dirty="0"/>
+                  <a:t>1/</a:t>
+                </a:r>
+                <a:r>
+                  <a:rPr lang="en" altLang="zh-CN" dirty="0"/>
+                  <a:t>L </a:t>
+                </a:r>
+                <a:r>
+                  <a:rPr lang="zh-CN" altLang="en-US" dirty="0"/>
+                  <a:t>所量化压缩</a:t>
+                </a:r>
+                <a:r>
+                  <a:rPr lang="en-US" altLang="zh-CN" dirty="0"/>
+                  <a:t>. </a:t>
+                </a:r>
+                <a:r>
+                  <a:rPr lang="zh-CN" altLang="en-US" dirty="0"/>
+                  <a:t>与此同时</a:t>
+                </a:r>
+                <a:r>
+                  <a:rPr lang="en-US" altLang="zh-CN" dirty="0"/>
+                  <a:t>, </a:t>
+                </a:r>
+                <a:r>
+                  <a:rPr lang="zh-CN" altLang="en-US" dirty="0"/>
+                  <a:t>低亮度值的像素点可以看作被 </a:t>
+                </a:r>
+                <a:r>
+                  <a:rPr lang="en-US" altLang="zh-CN" dirty="0"/>
+                  <a:t>1 </a:t>
+                </a:r>
+                <a:r>
+                  <a:rPr lang="zh-CN" altLang="en-US" dirty="0"/>
+                  <a:t>量化压缩</a:t>
+                </a:r>
+                <a:r>
+                  <a:rPr lang="en-US" altLang="zh-CN" dirty="0"/>
+                  <a:t>. </a:t>
+                </a:r>
+                <a:r>
+                  <a:rPr lang="zh-CN" altLang="en-US" dirty="0"/>
+                  <a:t>这使得高亮度值像素点在被压缩的同时</a:t>
+                </a:r>
+                <a:r>
+                  <a:rPr lang="en-US" altLang="zh-CN" dirty="0"/>
+                  <a:t>, </a:t>
+                </a:r>
+                <a:r>
+                  <a:rPr lang="zh-CN" altLang="en-US" dirty="0"/>
+                  <a:t>低亮度值像素点的对比度得以保留</a:t>
+                </a:r>
+                <a:r>
+                  <a:rPr lang="en-US" altLang="zh-CN" dirty="0"/>
+                  <a:t>.</a:t>
+                </a:r>
+              </a:p>
+              <a:p>
+                <a14:m>
+                  <m:oMath xmlns:m="http://schemas.openxmlformats.org/officeDocument/2006/math">
+                    <m:sSub>
+                      <m:sSubPr>
+                        <m:ctrlPr>
+                          <a:rPr lang="en" altLang="zh-CN" i="1" dirty="0" smtClean="0">
+                            <a:latin typeface="Cambria Math" panose="02040503050406030204" pitchFamily="18" charset="0"/>
+                          </a:rPr>
+                        </m:ctrlPr>
+                      </m:sSubPr>
+                      <m:e>
+                        <m:r>
+                          <a:rPr lang="en" altLang="zh-CN" i="1" dirty="0" smtClean="0">
+                            <a:latin typeface="Cambria Math" panose="02040503050406030204" pitchFamily="18" charset="0"/>
+                          </a:rPr>
+                          <m:t>𝐿</m:t>
+                        </m:r>
+                      </m:e>
+                      <m:sub>
+                        <m:r>
+                          <a:rPr lang="en-US" altLang="zh-CN" b="0" i="1" dirty="0" smtClean="0">
+                            <a:latin typeface="Cambria Math" panose="02040503050406030204" pitchFamily="18" charset="0"/>
+                          </a:rPr>
+                          <m:t>𝑤h𝑖𝑡𝑒</m:t>
+                        </m:r>
+                      </m:sub>
+                    </m:sSub>
+                    <m:r>
+                      <a:rPr lang="en" altLang="zh-CN" i="1" dirty="0" smtClean="0">
+                        <a:latin typeface="Cambria Math" panose="02040503050406030204" pitchFamily="18" charset="0"/>
+                      </a:rPr>
+                      <m:t> </m:t>
+                    </m:r>
+                  </m:oMath>
+                </a14:m>
+                <a:r>
+                  <a:rPr lang="zh-CN" altLang="en-US" dirty="0"/>
+                  <a:t>决定了扩展函数的扩展曲线形状</a:t>
+                </a:r>
+                <a:r>
+                  <a:rPr lang="en-US" altLang="zh-CN" dirty="0"/>
+                  <a:t>, </a:t>
+                </a:r>
+                <a:r>
+                  <a:rPr lang="zh-CN" altLang="en-US" dirty="0"/>
+                  <a:t>与映射后图像的对比度相关</a:t>
+                </a:r>
+                <a:r>
+                  <a:rPr lang="en-US" altLang="zh-CN" dirty="0"/>
+                  <a:t>, </a:t>
+                </a:r>
+                <a:r>
+                  <a:rPr lang="zh-CN" altLang="en-US" dirty="0"/>
+                  <a:t>经过实验表明</a:t>
+                </a:r>
+                <a:r>
+                  <a:rPr lang="en-US" altLang="zh-CN" dirty="0"/>
+                  <a:t>, </a:t>
+                </a:r>
+                <a:r>
+                  <a:rPr lang="zh-CN" altLang="en-US" dirty="0"/>
+                  <a:t>当取值较大时效果较好</a:t>
+                </a:r>
+                <a:r>
+                  <a:rPr lang="en-US" altLang="zh-CN" dirty="0"/>
+                  <a:t>, </a:t>
+                </a:r>
+                <a:r>
+                  <a:rPr lang="zh-CN" altLang="en-US" dirty="0"/>
+                  <a:t>推荐采用</a:t>
+                </a:r>
+                <a14:m>
+                  <m:oMath xmlns:m="http://schemas.openxmlformats.org/officeDocument/2006/math">
+                    <m:sSub>
+                      <m:sSubPr>
+                        <m:ctrlPr>
+                          <a:rPr lang="en-US" altLang="zh-CN" b="0" i="1" smtClean="0">
+                            <a:latin typeface="Cambria Math" panose="02040503050406030204" pitchFamily="18" charset="0"/>
+                          </a:rPr>
+                        </m:ctrlPr>
+                      </m:sSubPr>
+                      <m:e>
+                        <m:r>
+                          <a:rPr lang="en-US" altLang="zh-CN" b="0" i="1" smtClean="0">
+                            <a:latin typeface="Cambria Math" panose="02040503050406030204" pitchFamily="18" charset="0"/>
+                          </a:rPr>
+                          <m:t>𝐿</m:t>
+                        </m:r>
+                      </m:e>
+                      <m:sub>
+                        <m:r>
+                          <a:rPr lang="en-US" altLang="zh-CN" b="0" i="1" smtClean="0">
+                            <a:latin typeface="Cambria Math" panose="02040503050406030204" pitchFamily="18" charset="0"/>
+                          </a:rPr>
+                          <m:t>𝑤h𝑖𝑡𝑒</m:t>
+                        </m:r>
+                      </m:sub>
+                    </m:sSub>
+                    <m:r>
+                      <a:rPr lang="en-US" altLang="zh-CN" b="0" i="1" smtClean="0">
+                        <a:latin typeface="Cambria Math" panose="02040503050406030204" pitchFamily="18" charset="0"/>
+                      </a:rPr>
+                      <m:t>=</m:t>
+                    </m:r>
+                    <m:sSub>
+                      <m:sSubPr>
+                        <m:ctrlPr>
+                          <a:rPr lang="en-US" altLang="zh-CN" b="0" i="1" smtClean="0">
+                            <a:latin typeface="Cambria Math" panose="02040503050406030204" pitchFamily="18" charset="0"/>
+                          </a:rPr>
+                        </m:ctrlPr>
+                      </m:sSubPr>
+                      <m:e>
+                        <m:r>
+                          <a:rPr lang="en-US" altLang="zh-CN" b="0" i="1" smtClean="0">
+                            <a:latin typeface="Cambria Math" panose="02040503050406030204" pitchFamily="18" charset="0"/>
+                          </a:rPr>
+                          <m:t>𝐿</m:t>
+                        </m:r>
+                      </m:e>
+                      <m:sub>
+                        <m:r>
+                          <a:rPr lang="en-US" altLang="zh-CN" b="0" i="1" smtClean="0">
+                            <a:latin typeface="Cambria Math" panose="02040503050406030204" pitchFamily="18" charset="0"/>
+                          </a:rPr>
+                          <m:t>𝑚𝑎𝑥</m:t>
+                        </m:r>
+                      </m:sub>
+                    </m:sSub>
+                  </m:oMath>
+                </a14:m>
+                <a:r>
+                  <a:rPr lang="zh-CN" altLang="en-US" dirty="0"/>
+                  <a:t> ​</a:t>
+                </a:r>
+                <a:r>
+                  <a:rPr lang="en-US" altLang="zh-CN" dirty="0"/>
+                  <a:t>, </a:t>
+                </a:r>
+                <a:r>
+                  <a:rPr lang="zh-CN" altLang="en-US" dirty="0"/>
+                  <a:t>在限制伪像的同时提高对比度</a:t>
+                </a:r>
+                <a:r>
+                  <a:rPr lang="en-US" altLang="zh-CN" dirty="0"/>
+                  <a:t>. </a:t>
+                </a:r>
+              </a:p>
+              <a:p>
+                <a:endParaRPr kumimoji="1" lang="zh-CN" altLang="en-US" dirty="0"/>
+              </a:p>
+            </p:txBody>
+          </p:sp>
+        </mc:Choice>
+        <mc:Fallback>
+          <p:sp>
+            <p:nvSpPr>
+              <p:cNvPr id="3" name="内容占位符 2">
+                <a:extLst>
+                  <a:ext uri="{FF2B5EF4-FFF2-40B4-BE49-F238E27FC236}">
+                    <a16:creationId xmlns:a16="http://schemas.microsoft.com/office/drawing/2014/main" id="{CF206185-D015-C24C-B039-3403BC9C5310}"/>
+                  </a:ext>
+                </a:extLst>
+              </p:cNvPr>
+              <p:cNvSpPr>
+                <a:spLocks noGrp="1" noRot="1" noChangeAspect="1" noMove="1" noResize="1" noEditPoints="1" noAdjustHandles="1" noChangeArrowheads="1" noChangeShapeType="1" noTextEdit="1"/>
+              </p:cNvSpPr>
+              <p:nvPr>
+                <p:ph idx="1"/>
+              </p:nvPr>
+            </p:nvSpPr>
+            <p:spPr>
+              <a:xfrm>
+                <a:off x="1371600" y="2019300"/>
+                <a:ext cx="9601200" cy="3937000"/>
+              </a:xfrm>
+              <a:blipFill>
+                <a:blip r:embed="rId2"/>
+                <a:stretch>
+                  <a:fillRect l="-661" t="-2251" r="-397"/>
+                </a:stretch>
+              </a:blipFill>
+            </p:spPr>
+            <p:txBody>
+              <a:bodyPr/>
+              <a:lstStyle/>
+              <a:p>
+                <a:r>
+                  <a:rPr lang="zh-CN" altLang="en-US">
+                    <a:noFill/>
+                  </a:rPr>
+                  <a:t> </a:t>
+                </a:r>
+              </a:p>
+            </p:txBody>
+          </p:sp>
+        </mc:Fallback>
+      </mc:AlternateContent>
+      <p:sp>
+        <p:nvSpPr>
+          <p:cNvPr id="4" name="标题 1">
+            <a:extLst>
+              <a:ext uri="{FF2B5EF4-FFF2-40B4-BE49-F238E27FC236}">
+                <a16:creationId xmlns:a16="http://schemas.microsoft.com/office/drawing/2014/main" id="{8C992306-7B18-CC44-B118-FDA8B99D4554}"/>
+              </a:ext>
+            </a:extLst>
+          </p:cNvPr>
+          <p:cNvSpPr txBox="1">
+            <a:spLocks/>
+          </p:cNvSpPr>
+          <p:nvPr/>
+        </p:nvSpPr>
+        <p:spPr>
+          <a:xfrm>
+            <a:off x="1371600" y="685800"/>
+            <a:ext cx="9601200" cy="1485900"/>
+          </a:xfrm>
+          <a:prstGeom prst="rect">
+            <a:avLst/>
+          </a:prstGeom>
+        </p:spPr>
+        <p:txBody>
+          <a:bodyPr vert="horz" lIns="91440" tIns="45720" rIns="91440" bIns="45720" rtlCol="0" anchor="t">
+            <a:normAutofit/>
+          </a:bodyPr>
+          <a:lstStyle>
+            <a:lvl1pPr algn="l" defTabSz="914400" rtl="0" eaLnBrk="1" latinLnBrk="0" hangingPunct="1">
+              <a:lnSpc>
+                <a:spcPct val="89000"/>
+              </a:lnSpc>
+              <a:spcBef>
+                <a:spcPct val="0"/>
+              </a:spcBef>
+              <a:buNone/>
+              <a:defRPr sz="4400" kern="1200" baseline="0">
+                <a:solidFill>
+                  <a:schemeClr val="tx2"/>
+                </a:solidFill>
+                <a:latin typeface="+mj-lt"/>
+                <a:ea typeface="+mj-ea"/>
+                <a:cs typeface="+mj-cs"/>
+              </a:defRPr>
+            </a:lvl1pPr>
+          </a:lstStyle>
+          <a:p>
+            <a:r>
+              <a:rPr lang="en" altLang="zh-CN" b="1" dirty="0"/>
+              <a:t>HDR</a:t>
+            </a:r>
+            <a:r>
+              <a:rPr lang="zh-CN" altLang="en-US" b="1" dirty="0"/>
+              <a:t>算法的基本实现与效果优化</a:t>
+            </a:r>
+            <a:br>
+              <a:rPr lang="zh-CN" altLang="en-US" b="1" dirty="0"/>
+            </a:br>
+            <a:endParaRPr kumimoji="1" lang="zh-CN" altLang="en-US" dirty="0"/>
+          </a:p>
+        </p:txBody>
+      </p:sp>
+      <p:sp>
+        <p:nvSpPr>
+          <p:cNvPr id="5" name="矩形 4">
+            <a:extLst>
+              <a:ext uri="{FF2B5EF4-FFF2-40B4-BE49-F238E27FC236}">
+                <a16:creationId xmlns:a16="http://schemas.microsoft.com/office/drawing/2014/main" id="{6D758B66-0B08-B946-8B5A-A14835E7A1DB}"/>
+              </a:ext>
+            </a:extLst>
+          </p:cNvPr>
+          <p:cNvSpPr/>
+          <p:nvPr/>
+        </p:nvSpPr>
+        <p:spPr>
+          <a:xfrm>
+            <a:off x="1371600" y="1428750"/>
+            <a:ext cx="6096000" cy="461665"/>
+          </a:xfrm>
+          <a:prstGeom prst="rect">
+            <a:avLst/>
+          </a:prstGeom>
+        </p:spPr>
+        <p:txBody>
+          <a:bodyPr>
+            <a:spAutoFit/>
+          </a:bodyPr>
+          <a:lstStyle/>
+          <a:p>
+            <a:r>
+              <a:rPr lang="zh-CN" altLang="en-US" sz="2400" dirty="0"/>
+              <a:t>反色调映射</a:t>
+            </a:r>
+            <a:endParaRPr lang="zh-CN" altLang="en-US" sz="2400" dirty="0">
+              <a:effectLst/>
+            </a:endParaRPr>
+          </a:p>
+        </p:txBody>
+      </p:sp>
+    </p:spTree>
+    <p:extLst>
+      <p:ext uri="{BB962C8B-B14F-4D97-AF65-F5344CB8AC3E}">
+        <p14:creationId xmlns:p14="http://schemas.microsoft.com/office/powerpoint/2010/main" val="1879065196"/>
+      </p:ext>
+    </p:extLst>
+  </p:cSld>
+  <p:clrMapOvr>
+    <a:masterClrMapping/>
+  </p:clrMapOvr>
+</p:sld>
+</file>
+
+<file path=ppt/slides/slide5.xml><?xml version="1.0" encoding="utf-8"?>
+<p:sld xmlns:a="http://schemas.openxmlformats.org/drawingml/2006/main" xmlns:r="http://schemas.openxmlformats.org/officeDocument/2006/relationships" xmlns:p="http://schemas.openxmlformats.org/presentationml/2006/main">
+  <p:cSld>
+    <p:spTree>
+      <p:nvGrpSpPr>
+        <p:cNvPr id="1" name=""/>
+        <p:cNvGrpSpPr/>
+        <p:nvPr/>
+      </p:nvGrpSpPr>
+      <p:grpSpPr>
+        <a:xfrm>
+          <a:off x="0" y="0"/>
+          <a:ext cx="0" cy="0"/>
+          <a:chOff x="0" y="0"/>
+          <a:chExt cx="0" cy="0"/>
+        </a:xfrm>
+      </p:grpSpPr>
+      <p:sp>
+        <p:nvSpPr>
+          <p:cNvPr id="2" name="标题 1">
+            <a:extLst>
+              <a:ext uri="{FF2B5EF4-FFF2-40B4-BE49-F238E27FC236}">
+                <a16:creationId xmlns:a16="http://schemas.microsoft.com/office/drawing/2014/main" id="{5A69B6DD-0A44-5A4E-9B63-BA310537832E}"/>
+              </a:ext>
+            </a:extLst>
+          </p:cNvPr>
+          <p:cNvSpPr>
+            <a:spLocks noGrp="1"/>
+          </p:cNvSpPr>
+          <p:nvPr>
+            <p:ph type="title"/>
+          </p:nvPr>
+        </p:nvSpPr>
+        <p:spPr/>
+        <p:txBody>
+          <a:bodyPr/>
+          <a:lstStyle/>
+          <a:p>
+            <a:endParaRPr kumimoji="1" lang="zh-CN" altLang="en-US"/>
+          </a:p>
+        </p:txBody>
+      </p:sp>
+      <p:pic>
+        <p:nvPicPr>
+          <p:cNvPr id="5" name="内容占位符 4">
+            <a:extLst>
+              <a:ext uri="{FF2B5EF4-FFF2-40B4-BE49-F238E27FC236}">
+                <a16:creationId xmlns:a16="http://schemas.microsoft.com/office/drawing/2014/main" id="{C9A7485F-DD42-F949-99DB-1ABA59CB1162}"/>
+              </a:ext>
+            </a:extLst>
+          </p:cNvPr>
+          <p:cNvPicPr>
+            <a:picLocks noGrp="1" noChangeAspect="1"/>
+          </p:cNvPicPr>
+          <p:nvPr>
+            <p:ph idx="1"/>
+          </p:nvPr>
+        </p:nvPicPr>
+        <p:blipFill>
+          <a:blip r:embed="rId2">
+            <a:extLst>
+              <a:ext uri="{28A0092B-C50C-407E-A947-70E740481C1C}">
+                <a14:useLocalDpi xmlns:a14="http://schemas.microsoft.com/office/drawing/2010/main" val="0"/>
+              </a:ext>
+            </a:extLst>
+          </a:blip>
+          <a:stretch>
+            <a:fillRect/>
+          </a:stretch>
+        </p:blipFill>
+        <p:spPr>
+          <a:xfrm>
+            <a:off x="2927350" y="835025"/>
+            <a:ext cx="6773786" cy="5187950"/>
+          </a:xfrm>
+        </p:spPr>
+      </p:pic>
+    </p:spTree>
+    <p:extLst>
+      <p:ext uri="{BB962C8B-B14F-4D97-AF65-F5344CB8AC3E}">
+        <p14:creationId xmlns:p14="http://schemas.microsoft.com/office/powerpoint/2010/main" val="4077727877"/>
+      </p:ext>
+    </p:extLst>
+  </p:cSld>
+  <p:clrMapOvr>
+    <a:masterClrMapping/>
+  </p:clrMapOvr>
+</p:sld>
+</file>
+
+<file path=ppt/slides/slide6.xml><?xml version="1.0" encoding="utf-8"?>
+<p:sld xmlns:a="http://schemas.openxmlformats.org/drawingml/2006/main" xmlns:r="http://schemas.openxmlformats.org/officeDocument/2006/relationships" xmlns:p="http://schemas.openxmlformats.org/presentationml/2006/main">
+  <p:cSld>
+    <p:spTree>
+      <p:nvGrpSpPr>
+        <p:cNvPr id="1" name=""/>
+        <p:cNvGrpSpPr/>
+        <p:nvPr/>
+      </p:nvGrpSpPr>
+      <p:grpSpPr>
+        <a:xfrm>
+          <a:off x="0" y="0"/>
+          <a:ext cx="0" cy="0"/>
+          <a:chOff x="0" y="0"/>
+          <a:chExt cx="0" cy="0"/>
+        </a:xfrm>
+      </p:grpSpPr>
+      <mc:AlternateContent xmlns:mc="http://schemas.openxmlformats.org/markup-compatibility/2006">
+        <mc:Choice xmlns:a14="http://schemas.microsoft.com/office/drawing/2010/main" Requires="a14">
+          <p:sp>
+            <p:nvSpPr>
+              <p:cNvPr id="3" name="内容占位符 2">
+                <a:extLst>
+                  <a:ext uri="{FF2B5EF4-FFF2-40B4-BE49-F238E27FC236}">
+                    <a16:creationId xmlns:a16="http://schemas.microsoft.com/office/drawing/2014/main" id="{F0918191-985B-804C-9641-101D01117371}"/>
+                  </a:ext>
+                </a:extLst>
+              </p:cNvPr>
+              <p:cNvSpPr>
+                <a:spLocks noGrp="1"/>
+              </p:cNvSpPr>
+              <p:nvPr>
+                <p:ph idx="1"/>
+              </p:nvPr>
+            </p:nvSpPr>
+            <p:spPr/>
+            <p:txBody>
+              <a:bodyPr/>
+              <a:lstStyle/>
+              <a:p>
+                <a:r>
+                  <a:rPr lang="zh-CN" altLang="en-US" dirty="0"/>
+                  <a:t>像在高光区域或暗区域往往存在着细节丢失、噪声加大等情况</a:t>
+                </a:r>
+                <a:r>
+                  <a:rPr lang="en-US" altLang="zh-CN" dirty="0"/>
+                  <a:t>, </a:t>
+                </a:r>
+                <a:r>
+                  <a:rPr lang="zh-CN" altLang="en-US" dirty="0"/>
+                  <a:t>可以通过一些方法来尽可能地对丢失的信息进行弥补。</a:t>
+                </a:r>
+                <a:endParaRPr lang="en-US" altLang="zh-CN" dirty="0"/>
+              </a:p>
+              <a:p>
+                <a:r>
+                  <a:rPr lang="zh-CN" altLang="en-US" dirty="0"/>
+                  <a:t>高通滤波器</a:t>
+                </a:r>
+                <a14:m>
+                  <m:oMath xmlns:m="http://schemas.openxmlformats.org/officeDocument/2006/math">
+                    <m:r>
+                      <a:rPr lang="zh-CN" altLang="en-US" b="0" i="0" smtClean="0">
+                        <a:latin typeface="Cambria Math" panose="02040503050406030204" pitchFamily="18" charset="0"/>
+                      </a:rPr>
+                      <m:t>：</m:t>
+                    </m:r>
+                    <m:r>
+                      <a:rPr lang="en-US" altLang="zh-CN" b="0" i="1" smtClean="0">
+                        <a:latin typeface="Cambria Math" panose="02040503050406030204" pitchFamily="18" charset="0"/>
+                      </a:rPr>
+                      <m:t>𝑀</m:t>
+                    </m:r>
+                    <m:d>
+                      <m:dPr>
+                        <m:ctrlPr>
+                          <a:rPr lang="en-US" altLang="zh-CN" b="0" i="1" smtClean="0">
+                            <a:latin typeface="Cambria Math" panose="02040503050406030204" pitchFamily="18" charset="0"/>
+                          </a:rPr>
+                        </m:ctrlPr>
+                      </m:dPr>
+                      <m:e>
+                        <m:r>
+                          <a:rPr lang="en-US" altLang="zh-CN" b="0" i="1" smtClean="0">
+                            <a:latin typeface="Cambria Math" panose="02040503050406030204" pitchFamily="18" charset="0"/>
+                          </a:rPr>
+                          <m:t>𝑝</m:t>
+                        </m:r>
+                      </m:e>
+                    </m:d>
+                    <m:r>
+                      <a:rPr lang="en-US" altLang="zh-CN" b="0" i="1" smtClean="0">
+                        <a:latin typeface="Cambria Math" panose="02040503050406030204" pitchFamily="18" charset="0"/>
+                      </a:rPr>
+                      <m:t>=</m:t>
+                    </m:r>
+                    <m:d>
+                      <m:dPr>
+                        <m:begChr m:val="{"/>
+                        <m:endChr m:val=""/>
+                        <m:ctrlPr>
+                          <a:rPr lang="en-US" altLang="zh-CN" i="1" smtClean="0">
+                            <a:latin typeface="Cambria Math" panose="02040503050406030204" pitchFamily="18" charset="0"/>
+                          </a:rPr>
+                        </m:ctrlPr>
+                      </m:dPr>
+                      <m:e>
+                        <m:eqArr>
+                          <m:eqArrPr>
+                            <m:ctrlPr>
+                              <a:rPr lang="en-US" altLang="zh-CN" i="1" smtClean="0">
+                                <a:latin typeface="Cambria Math" panose="02040503050406030204" pitchFamily="18" charset="0"/>
+                              </a:rPr>
+                            </m:ctrlPr>
+                          </m:eqArrPr>
+                          <m:e>
+                            <m:sSub>
+                              <m:sSubPr>
+                                <m:ctrlPr>
+                                  <a:rPr lang="en-US" altLang="zh-CN" b="0" i="1" smtClean="0">
+                                    <a:latin typeface="Cambria Math" panose="02040503050406030204" pitchFamily="18" charset="0"/>
+                                  </a:rPr>
+                                </m:ctrlPr>
+                              </m:sSubPr>
+                              <m:e>
+                                <m:r>
+                                  <a:rPr lang="en-US" altLang="zh-CN" b="0" i="1" smtClean="0">
+                                    <a:latin typeface="Cambria Math" panose="02040503050406030204" pitchFamily="18" charset="0"/>
+                                  </a:rPr>
+                                  <m:t>𝐼</m:t>
+                                </m:r>
+                              </m:e>
+                              <m:sub>
+                                <m:r>
+                                  <a:rPr lang="en-US" altLang="zh-CN" b="0" i="1" smtClean="0">
+                                    <a:latin typeface="Cambria Math" panose="02040503050406030204" pitchFamily="18" charset="0"/>
+                                  </a:rPr>
+                                  <m:t>𝑑𝑚𝑎𝑥</m:t>
+                                </m:r>
+                              </m:sub>
+                            </m:sSub>
+                            <m:r>
+                              <a:rPr lang="en-US" altLang="zh-CN" b="0" i="1" smtClean="0">
+                                <a:latin typeface="Cambria Math" panose="02040503050406030204" pitchFamily="18" charset="0"/>
+                              </a:rPr>
+                              <m:t>,</m:t>
+                            </m:r>
+                            <m:r>
+                              <a:rPr lang="zh-CN" altLang="en-US" b="0" i="1" smtClean="0">
+                                <a:latin typeface="Cambria Math" panose="02040503050406030204" pitchFamily="18" charset="0"/>
+                              </a:rPr>
+                              <m:t>    </m:t>
+                            </m:r>
+                            <m:r>
+                              <a:rPr lang="en-US" altLang="zh-CN" b="0" i="1" smtClean="0">
+                                <a:latin typeface="Cambria Math" panose="02040503050406030204" pitchFamily="18" charset="0"/>
+                              </a:rPr>
+                              <m:t>𝐼</m:t>
+                            </m:r>
+                            <m:d>
+                              <m:dPr>
+                                <m:ctrlPr>
+                                  <a:rPr lang="en-US" altLang="zh-CN" b="0" i="1" smtClean="0">
+                                    <a:latin typeface="Cambria Math" panose="02040503050406030204" pitchFamily="18" charset="0"/>
+                                  </a:rPr>
+                                </m:ctrlPr>
+                              </m:dPr>
+                              <m:e>
+                                <m:r>
+                                  <a:rPr lang="en-US" altLang="zh-CN" b="0" i="1" smtClean="0">
+                                    <a:latin typeface="Cambria Math" panose="02040503050406030204" pitchFamily="18" charset="0"/>
+                                  </a:rPr>
+                                  <m:t>𝑝</m:t>
+                                </m:r>
+                              </m:e>
+                            </m:d>
+                            <m:r>
+                              <a:rPr lang="en-US" altLang="zh-CN" b="0" i="1" smtClean="0">
+                                <a:latin typeface="Cambria Math" panose="02040503050406030204" pitchFamily="18" charset="0"/>
+                              </a:rPr>
+                              <m:t>&gt;</m:t>
+                            </m:r>
+                            <m:r>
+                              <a:rPr lang="en-US" altLang="zh-CN" b="0" i="1" smtClean="0">
+                                <a:latin typeface="Cambria Math" panose="02040503050406030204" pitchFamily="18" charset="0"/>
+                              </a:rPr>
+                              <m:t>𝜖</m:t>
+                            </m:r>
+                          </m:e>
+                          <m:e>
+                            <m:r>
+                              <a:rPr lang="en-US" altLang="zh-CN" b="0" i="1" smtClean="0">
+                                <a:latin typeface="Cambria Math" panose="02040503050406030204" pitchFamily="18" charset="0"/>
+                              </a:rPr>
+                              <m:t>0,</m:t>
+                            </m:r>
+                            <m:r>
+                              <a:rPr lang="zh-CN" altLang="en-US" b="0" i="1" smtClean="0">
+                                <a:latin typeface="Cambria Math" panose="02040503050406030204" pitchFamily="18" charset="0"/>
+                              </a:rPr>
+                              <m:t>         </m:t>
+                            </m:r>
+                            <m:r>
+                              <a:rPr lang="en-US" altLang="zh-CN" b="0" i="1" smtClean="0">
+                                <a:latin typeface="Cambria Math" panose="02040503050406030204" pitchFamily="18" charset="0"/>
+                              </a:rPr>
+                              <m:t>𝑜𝑡h𝑒𝑟𝑠</m:t>
+                            </m:r>
+                            <m:r>
+                              <a:rPr lang="zh-CN" altLang="en-US" b="0" i="1" smtClean="0">
+                                <a:latin typeface="Cambria Math" panose="02040503050406030204" pitchFamily="18" charset="0"/>
+                              </a:rPr>
+                              <m:t> </m:t>
+                            </m:r>
+                          </m:e>
+                        </m:eqArr>
+                      </m:e>
+                    </m:d>
+                  </m:oMath>
+                </a14:m>
+                <a:endParaRPr lang="en-US" altLang="zh-CN" dirty="0"/>
+              </a:p>
+              <a:p>
+                <a:endParaRPr kumimoji="1" lang="zh-CN" altLang="en-US" dirty="0"/>
+              </a:p>
+            </p:txBody>
+          </p:sp>
+        </mc:Choice>
+        <mc:Fallback>
+          <p:sp>
+            <p:nvSpPr>
+              <p:cNvPr id="3" name="内容占位符 2">
+                <a:extLst>
+                  <a:ext uri="{FF2B5EF4-FFF2-40B4-BE49-F238E27FC236}">
+                    <a16:creationId xmlns:a16="http://schemas.microsoft.com/office/drawing/2014/main" id="{F0918191-985B-804C-9641-101D01117371}"/>
+                  </a:ext>
+                </a:extLst>
+              </p:cNvPr>
+              <p:cNvSpPr>
+                <a:spLocks noGrp="1" noRot="1" noChangeAspect="1" noMove="1" noResize="1" noEditPoints="1" noAdjustHandles="1" noChangeArrowheads="1" noChangeShapeType="1" noTextEdit="1"/>
+              </p:cNvSpPr>
+              <p:nvPr>
+                <p:ph idx="1"/>
+              </p:nvPr>
+            </p:nvSpPr>
+            <p:spPr>
+              <a:blipFill>
+                <a:blip r:embed="rId2"/>
+                <a:stretch>
+                  <a:fillRect l="-661" t="-23404" r="-397" b="-3191"/>
+                </a:stretch>
+              </a:blipFill>
+            </p:spPr>
+            <p:txBody>
+              <a:bodyPr/>
+              <a:lstStyle/>
+              <a:p>
+                <a:r>
+                  <a:rPr lang="zh-CN" altLang="en-US">
+                    <a:noFill/>
+                  </a:rPr>
+                  <a:t> </a:t>
+                </a:r>
+              </a:p>
+            </p:txBody>
+          </p:sp>
+        </mc:Fallback>
+      </mc:AlternateContent>
+      <p:sp>
+        <p:nvSpPr>
+          <p:cNvPr id="4" name="标题 1">
+            <a:extLst>
+              <a:ext uri="{FF2B5EF4-FFF2-40B4-BE49-F238E27FC236}">
+                <a16:creationId xmlns:a16="http://schemas.microsoft.com/office/drawing/2014/main" id="{9BBE9C54-4E9D-064F-B0C4-578BFB4A9258}"/>
+              </a:ext>
+            </a:extLst>
+          </p:cNvPr>
+          <p:cNvSpPr txBox="1">
+            <a:spLocks/>
+          </p:cNvSpPr>
+          <p:nvPr/>
+        </p:nvSpPr>
+        <p:spPr>
+          <a:xfrm>
+            <a:off x="1371600" y="685800"/>
+            <a:ext cx="9601200" cy="1485900"/>
+          </a:xfrm>
+          <a:prstGeom prst="rect">
+            <a:avLst/>
+          </a:prstGeom>
+        </p:spPr>
+        <p:txBody>
+          <a:bodyPr vert="horz" lIns="91440" tIns="45720" rIns="91440" bIns="45720" rtlCol="0" anchor="t">
+            <a:normAutofit/>
+          </a:bodyPr>
+          <a:lstStyle>
+            <a:lvl1pPr algn="l" defTabSz="914400" rtl="0" eaLnBrk="1" latinLnBrk="0" hangingPunct="1">
+              <a:lnSpc>
+                <a:spcPct val="89000"/>
+              </a:lnSpc>
+              <a:spcBef>
+                <a:spcPct val="0"/>
+              </a:spcBef>
+              <a:buNone/>
+              <a:defRPr sz="4400" kern="1200" baseline="0">
+                <a:solidFill>
+                  <a:schemeClr val="tx2"/>
+                </a:solidFill>
+                <a:latin typeface="+mj-lt"/>
+                <a:ea typeface="+mj-ea"/>
+                <a:cs typeface="+mj-cs"/>
+              </a:defRPr>
+            </a:lvl1pPr>
+          </a:lstStyle>
+          <a:p>
+            <a:r>
+              <a:rPr lang="en" altLang="zh-CN" b="1" dirty="0"/>
+              <a:t>HDR</a:t>
+            </a:r>
+            <a:r>
+              <a:rPr lang="zh-CN" altLang="en-US" b="1" dirty="0"/>
+              <a:t>算法的基本实现与效果优化</a:t>
+            </a:r>
+            <a:br>
+              <a:rPr lang="zh-CN" altLang="en-US" b="1" dirty="0"/>
+            </a:br>
+            <a:endParaRPr kumimoji="1" lang="zh-CN" altLang="en-US" dirty="0"/>
+          </a:p>
+        </p:txBody>
+      </p:sp>
+      <p:sp>
+        <p:nvSpPr>
+          <p:cNvPr id="5" name="矩形 4">
+            <a:extLst>
+              <a:ext uri="{FF2B5EF4-FFF2-40B4-BE49-F238E27FC236}">
+                <a16:creationId xmlns:a16="http://schemas.microsoft.com/office/drawing/2014/main" id="{B0B41615-D471-3C43-B8BE-26B6DF760910}"/>
+              </a:ext>
+            </a:extLst>
+          </p:cNvPr>
+          <p:cNvSpPr/>
+          <p:nvPr/>
+        </p:nvSpPr>
+        <p:spPr>
+          <a:xfrm>
+            <a:off x="1371600" y="1428750"/>
+            <a:ext cx="6096000" cy="461665"/>
+          </a:xfrm>
+          <a:prstGeom prst="rect">
+            <a:avLst/>
+          </a:prstGeom>
+        </p:spPr>
+        <p:txBody>
+          <a:bodyPr>
+            <a:spAutoFit/>
+          </a:bodyPr>
+          <a:lstStyle/>
+          <a:p>
+            <a:r>
+              <a:rPr lang="zh-CN" altLang="en-US" sz="2400" dirty="0"/>
+              <a:t>高光区域处理</a:t>
+            </a:r>
+            <a:endParaRPr lang="zh-CN" altLang="en-US" sz="3200" dirty="0">
+              <a:effectLst/>
+            </a:endParaRPr>
+          </a:p>
+        </p:txBody>
+      </p:sp>
+      <p:pic>
+        <p:nvPicPr>
+          <p:cNvPr id="7" name="图片 6">
+            <a:extLst>
+              <a:ext uri="{FF2B5EF4-FFF2-40B4-BE49-F238E27FC236}">
+                <a16:creationId xmlns:a16="http://schemas.microsoft.com/office/drawing/2014/main" id="{1EF895AB-37B5-4043-9B2B-930E967A6229}"/>
+              </a:ext>
+            </a:extLst>
+          </p:cNvPr>
+          <p:cNvPicPr>
+            <a:picLocks noChangeAspect="1"/>
+          </p:cNvPicPr>
+          <p:nvPr/>
+        </p:nvPicPr>
+        <p:blipFill>
+          <a:blip r:embed="rId3">
+            <a:extLst>
+              <a:ext uri="{28A0092B-C50C-407E-A947-70E740481C1C}">
+                <a14:useLocalDpi xmlns:a14="http://schemas.microsoft.com/office/drawing/2010/main" val="0"/>
+              </a:ext>
+            </a:extLst>
+          </a:blip>
+          <a:stretch>
+            <a:fillRect/>
+          </a:stretch>
+        </p:blipFill>
+        <p:spPr>
+          <a:xfrm>
+            <a:off x="3079750" y="4044734"/>
+            <a:ext cx="6661150" cy="2267166"/>
+          </a:xfrm>
+          <a:prstGeom prst="rect">
+            <a:avLst/>
+          </a:prstGeom>
+        </p:spPr>
+      </p:pic>
+    </p:spTree>
+    <p:extLst>
+      <p:ext uri="{BB962C8B-B14F-4D97-AF65-F5344CB8AC3E}">
+        <p14:creationId xmlns:p14="http://schemas.microsoft.com/office/powerpoint/2010/main" val="1860727349"/>
+      </p:ext>
+    </p:extLst>
+  </p:cSld>
+  <p:clrMapOvr>
+    <a:masterClrMapping/>
+  </p:clrMapOvr>
+</p:sld>
+</file>
+
+<file path=ppt/slides/slide7.xml><?xml version="1.0" encoding="utf-8"?>
+<p:sld xmlns:a="http://schemas.openxmlformats.org/drawingml/2006/main" xmlns:r="http://schemas.openxmlformats.org/officeDocument/2006/relationships" xmlns:p="http://schemas.openxmlformats.org/presentationml/2006/main">
+  <p:cSld>
+    <p:spTree>
+      <p:nvGrpSpPr>
+        <p:cNvPr id="1" name=""/>
+        <p:cNvGrpSpPr/>
+        <p:nvPr/>
+      </p:nvGrpSpPr>
+      <p:grpSpPr>
+        <a:xfrm>
+          <a:off x="0" y="0"/>
+          <a:ext cx="0" cy="0"/>
+          <a:chOff x="0" y="0"/>
+          <a:chExt cx="0" cy="0"/>
+        </a:xfrm>
+      </p:grpSpPr>
+      <mc:AlternateContent xmlns:mc="http://schemas.openxmlformats.org/markup-compatibility/2006">
+        <mc:Choice xmlns:a14="http://schemas.microsoft.com/office/drawing/2010/main" Requires="a14">
+          <p:sp>
+            <p:nvSpPr>
+              <p:cNvPr id="3" name="内容占位符 2">
+                <a:extLst>
+                  <a:ext uri="{FF2B5EF4-FFF2-40B4-BE49-F238E27FC236}">
+                    <a16:creationId xmlns:a16="http://schemas.microsoft.com/office/drawing/2014/main" id="{49122446-5B95-DC4B-82B2-35BE32A9B4D7}"/>
+                  </a:ext>
+                </a:extLst>
+              </p:cNvPr>
+              <p:cNvSpPr>
+                <a:spLocks noGrp="1"/>
+              </p:cNvSpPr>
+              <p:nvPr>
+                <p:ph idx="1"/>
+              </p:nvPr>
+            </p:nvSpPr>
+            <p:spPr>
+              <a:xfrm>
+                <a:off x="1295400" y="1231900"/>
+                <a:ext cx="9601200" cy="4216400"/>
+              </a:xfrm>
+            </p:spPr>
+            <p:txBody>
+              <a:bodyPr/>
+              <a:lstStyle/>
+              <a:p>
+                <a:r>
+                  <a:rPr lang="zh-CN" altLang="en-US" dirty="0"/>
+                  <a:t>人眼对于高亮度物体更为敏感</a:t>
+                </a:r>
+                <a:r>
+                  <a:rPr lang="en-US" altLang="zh-CN" dirty="0"/>
+                  <a:t>, </a:t>
+                </a:r>
+                <a:r>
+                  <a:rPr lang="zh-CN" altLang="en-US" dirty="0"/>
+                  <a:t>进一步增强后的图像中高光区域像素点的亮度值会影响周围低亮度值的像素点的细节表现</a:t>
+                </a:r>
+                <a:r>
+                  <a:rPr lang="en-US" altLang="zh-CN" dirty="0"/>
+                  <a:t>.</a:t>
+                </a:r>
+                <a:r>
+                  <a:rPr lang="zh-CN" altLang="en-US" dirty="0"/>
+                  <a:t>，所以此处需要引入腐蚀操作：</a:t>
+                </a:r>
+                <a:endParaRPr lang="en-US" altLang="zh-CN" dirty="0"/>
+              </a:p>
+              <a:p>
+                <a:pPr marL="0" indent="0">
+                  <a:buNone/>
+                </a:pPr>
+                <a:endParaRPr lang="en-US" altLang="zh-CN" dirty="0"/>
+              </a:p>
+              <a:p>
+                <a:pPr marL="0" indent="0" algn="ctr">
+                  <a:buNone/>
+                </a:pPr>
+                <a14:m>
+                  <m:oMathPara xmlns:m="http://schemas.openxmlformats.org/officeDocument/2006/math">
+                    <m:oMathParaPr>
+                      <m:jc m:val="centerGroup"/>
+                    </m:oMathParaPr>
+                    <m:oMath xmlns:m="http://schemas.openxmlformats.org/officeDocument/2006/math">
+                      <m:func>
+                        <m:funcPr>
+                          <m:ctrlPr>
+                            <a:rPr lang="en-US" altLang="zh-CN" i="1">
+                              <a:latin typeface="Cambria Math" panose="02040503050406030204" pitchFamily="18" charset="0"/>
+                            </a:rPr>
+                          </m:ctrlPr>
+                        </m:funcPr>
+                        <m:fName>
+                          <m:r>
+                            <a:rPr lang="en-US" altLang="zh-CN" i="1">
+                              <a:latin typeface="Cambria Math" panose="02040503050406030204" pitchFamily="18" charset="0"/>
+                            </a:rPr>
+                            <m:t>𝐸</m:t>
+                          </m:r>
+                          <m:d>
+                            <m:dPr>
+                              <m:ctrlPr>
+                                <a:rPr lang="en-US" altLang="zh-CN" i="1">
+                                  <a:latin typeface="Cambria Math" panose="02040503050406030204" pitchFamily="18" charset="0"/>
+                                </a:rPr>
+                              </m:ctrlPr>
+                            </m:dPr>
+                            <m:e>
+                              <m:r>
+                                <a:rPr lang="en-US" altLang="zh-CN" i="1">
+                                  <a:latin typeface="Cambria Math" panose="02040503050406030204" pitchFamily="18" charset="0"/>
+                                </a:rPr>
+                                <m:t>𝑥</m:t>
+                              </m:r>
+                              <m:r>
+                                <a:rPr lang="en-US" altLang="zh-CN" i="1">
+                                  <a:latin typeface="Cambria Math" panose="02040503050406030204" pitchFamily="18" charset="0"/>
+                                </a:rPr>
+                                <m:t>,</m:t>
+                              </m:r>
+                              <m:r>
+                                <a:rPr lang="en-US" altLang="zh-CN" i="1">
+                                  <a:latin typeface="Cambria Math" panose="02040503050406030204" pitchFamily="18" charset="0"/>
+                                </a:rPr>
+                                <m:t>𝑦</m:t>
+                              </m:r>
+                            </m:e>
+                          </m:d>
+                          <m:r>
+                            <a:rPr lang="en-US" altLang="zh-CN" i="1">
+                              <a:latin typeface="Cambria Math" panose="02040503050406030204" pitchFamily="18" charset="0"/>
+                            </a:rPr>
+                            <m:t>=</m:t>
+                          </m:r>
+                          <m:limLow>
+                            <m:limLowPr>
+                              <m:ctrlPr>
+                                <a:rPr lang="en-US" altLang="zh-CN" i="1">
+                                  <a:latin typeface="Cambria Math" panose="02040503050406030204" pitchFamily="18" charset="0"/>
+                                </a:rPr>
+                              </m:ctrlPr>
+                            </m:limLowPr>
+                            <m:e>
+                              <m:r>
+                                <m:rPr>
+                                  <m:sty m:val="p"/>
+                                </m:rPr>
+                                <a:rPr lang="en-US" altLang="zh-CN">
+                                  <a:latin typeface="Cambria Math" panose="02040503050406030204" pitchFamily="18" charset="0"/>
+                                </a:rPr>
+                                <m:t>min</m:t>
+                              </m:r>
+                            </m:e>
+                            <m:lim>
+                              <m:d>
+                                <m:dPr>
+                                  <m:ctrlPr>
+                                    <a:rPr lang="en-US" altLang="zh-CN" i="1">
+                                      <a:latin typeface="Cambria Math" panose="02040503050406030204" pitchFamily="18" charset="0"/>
+                                    </a:rPr>
+                                  </m:ctrlPr>
+                                </m:dPr>
+                                <m:e>
+                                  <m:sSup>
+                                    <m:sSupPr>
+                                      <m:ctrlPr>
+                                        <a:rPr lang="en-US" altLang="zh-CN" i="1">
+                                          <a:latin typeface="Cambria Math" panose="02040503050406030204" pitchFamily="18" charset="0"/>
+                                        </a:rPr>
+                                      </m:ctrlPr>
+                                    </m:sSupPr>
+                                    <m:e>
+                                      <m:r>
+                                        <a:rPr lang="en-US" altLang="zh-CN" i="1">
+                                          <a:latin typeface="Cambria Math" panose="02040503050406030204" pitchFamily="18" charset="0"/>
+                                        </a:rPr>
+                                        <m:t>𝑥</m:t>
+                                      </m:r>
+                                    </m:e>
+                                    <m:sup>
+                                      <m:r>
+                                        <a:rPr lang="en-US" altLang="zh-CN" i="1">
+                                          <a:latin typeface="Cambria Math" panose="02040503050406030204" pitchFamily="18" charset="0"/>
+                                        </a:rPr>
+                                        <m:t>′</m:t>
+                                      </m:r>
+                                    </m:sup>
+                                  </m:sSup>
+                                  <m:r>
+                                    <a:rPr lang="en-US" altLang="zh-CN" i="1">
+                                      <a:latin typeface="Cambria Math" panose="02040503050406030204" pitchFamily="18" charset="0"/>
+                                    </a:rPr>
+                                    <m:t>,</m:t>
+                                  </m:r>
+                                  <m:sSup>
+                                    <m:sSupPr>
+                                      <m:ctrlPr>
+                                        <a:rPr lang="en-US" altLang="zh-CN" i="1">
+                                          <a:latin typeface="Cambria Math" panose="02040503050406030204" pitchFamily="18" charset="0"/>
+                                        </a:rPr>
+                                      </m:ctrlPr>
+                                    </m:sSupPr>
+                                    <m:e>
+                                      <m:r>
+                                        <a:rPr lang="en-US" altLang="zh-CN" i="1">
+                                          <a:latin typeface="Cambria Math" panose="02040503050406030204" pitchFamily="18" charset="0"/>
+                                        </a:rPr>
+                                        <m:t>𝑦</m:t>
+                                      </m:r>
+                                    </m:e>
+                                    <m:sup>
+                                      <m:r>
+                                        <a:rPr lang="en-US" altLang="zh-CN" i="1">
+                                          <a:latin typeface="Cambria Math" panose="02040503050406030204" pitchFamily="18" charset="0"/>
+                                        </a:rPr>
+                                        <m:t>′</m:t>
+                                      </m:r>
+                                    </m:sup>
+                                  </m:sSup>
+                                </m:e>
+                              </m:d>
+                              <m:r>
+                                <a:rPr lang="en-US" altLang="zh-CN" i="1">
+                                  <a:latin typeface="Cambria Math" panose="02040503050406030204" pitchFamily="18" charset="0"/>
+                                </a:rPr>
+                                <m:t>:</m:t>
+                              </m:r>
+                              <m:r>
+                                <a:rPr lang="en-US" altLang="zh-CN" i="1">
+                                  <a:latin typeface="Cambria Math" panose="02040503050406030204" pitchFamily="18" charset="0"/>
+                                </a:rPr>
+                                <m:t>𝑒</m:t>
+                              </m:r>
+                              <m:d>
+                                <m:dPr>
+                                  <m:ctrlPr>
+                                    <a:rPr lang="en-US" altLang="zh-CN" i="1">
+                                      <a:latin typeface="Cambria Math" panose="02040503050406030204" pitchFamily="18" charset="0"/>
+                                    </a:rPr>
+                                  </m:ctrlPr>
+                                </m:dPr>
+                                <m:e>
+                                  <m:sSup>
+                                    <m:sSupPr>
+                                      <m:ctrlPr>
+                                        <a:rPr lang="en-US" altLang="zh-CN" i="1">
+                                          <a:latin typeface="Cambria Math" panose="02040503050406030204" pitchFamily="18" charset="0"/>
+                                        </a:rPr>
+                                      </m:ctrlPr>
+                                    </m:sSupPr>
+                                    <m:e>
+                                      <m:r>
+                                        <a:rPr lang="en-US" altLang="zh-CN" i="1">
+                                          <a:latin typeface="Cambria Math" panose="02040503050406030204" pitchFamily="18" charset="0"/>
+                                        </a:rPr>
+                                        <m:t>𝑥</m:t>
+                                      </m:r>
+                                    </m:e>
+                                    <m:sup>
+                                      <m:r>
+                                        <a:rPr lang="en-US" altLang="zh-CN" i="1">
+                                          <a:latin typeface="Cambria Math" panose="02040503050406030204" pitchFamily="18" charset="0"/>
+                                        </a:rPr>
+                                        <m:t>′</m:t>
+                                      </m:r>
+                                    </m:sup>
+                                  </m:sSup>
+                                  <m:r>
+                                    <a:rPr lang="en-US" altLang="zh-CN" i="1">
+                                      <a:latin typeface="Cambria Math" panose="02040503050406030204" pitchFamily="18" charset="0"/>
+                                    </a:rPr>
+                                    <m:t>,</m:t>
+                                  </m:r>
+                                  <m:sSup>
+                                    <m:sSupPr>
+                                      <m:ctrlPr>
+                                        <a:rPr lang="en-US" altLang="zh-CN" i="1">
+                                          <a:latin typeface="Cambria Math" panose="02040503050406030204" pitchFamily="18" charset="0"/>
+                                        </a:rPr>
+                                      </m:ctrlPr>
+                                    </m:sSupPr>
+                                    <m:e>
+                                      <m:r>
+                                        <a:rPr lang="en-US" altLang="zh-CN" i="1">
+                                          <a:latin typeface="Cambria Math" panose="02040503050406030204" pitchFamily="18" charset="0"/>
+                                        </a:rPr>
+                                        <m:t>𝑦</m:t>
+                                      </m:r>
+                                    </m:e>
+                                    <m:sup>
+                                      <m:r>
+                                        <a:rPr lang="en-US" altLang="zh-CN" i="1">
+                                          <a:latin typeface="Cambria Math" panose="02040503050406030204" pitchFamily="18" charset="0"/>
+                                        </a:rPr>
+                                        <m:t>′</m:t>
+                                      </m:r>
+                                    </m:sup>
+                                  </m:sSup>
+                                </m:e>
+                              </m:d>
+                              <m:r>
+                                <a:rPr lang="en-US" altLang="zh-CN" i="1">
+                                  <a:latin typeface="Cambria Math" panose="02040503050406030204" pitchFamily="18" charset="0"/>
+                                </a:rPr>
+                                <m:t>≠0</m:t>
+                              </m:r>
+                            </m:lim>
+                          </m:limLow>
+                        </m:fName>
+                        <m:e>
+                          <m:r>
+                            <a:rPr lang="en-US" altLang="zh-CN" i="1">
+                              <a:latin typeface="Cambria Math" panose="02040503050406030204" pitchFamily="18" charset="0"/>
+                            </a:rPr>
+                            <m:t>𝑚</m:t>
+                          </m:r>
+                          <m:r>
+                            <a:rPr lang="en-US" altLang="zh-CN" i="1">
+                              <a:latin typeface="Cambria Math" panose="02040503050406030204" pitchFamily="18" charset="0"/>
+                            </a:rPr>
+                            <m:t>(</m:t>
+                          </m:r>
+                          <m:r>
+                            <a:rPr lang="en-US" altLang="zh-CN" i="1">
+                              <a:latin typeface="Cambria Math" panose="02040503050406030204" pitchFamily="18" charset="0"/>
+                            </a:rPr>
+                            <m:t>𝑥</m:t>
+                          </m:r>
+                          <m:r>
+                            <a:rPr lang="en-US" altLang="zh-CN" i="1">
+                              <a:latin typeface="Cambria Math" panose="02040503050406030204" pitchFamily="18" charset="0"/>
+                            </a:rPr>
+                            <m:t>+</m:t>
+                          </m:r>
+                          <m:sSup>
+                            <m:sSupPr>
+                              <m:ctrlPr>
+                                <a:rPr lang="en-US" altLang="zh-CN" i="1">
+                                  <a:latin typeface="Cambria Math" panose="02040503050406030204" pitchFamily="18" charset="0"/>
+                                </a:rPr>
+                              </m:ctrlPr>
+                            </m:sSupPr>
+                            <m:e>
+                              <m:r>
+                                <a:rPr lang="en-US" altLang="zh-CN" i="1">
+                                  <a:latin typeface="Cambria Math" panose="02040503050406030204" pitchFamily="18" charset="0"/>
+                                </a:rPr>
+                                <m:t>𝑥</m:t>
+                              </m:r>
+                            </m:e>
+                            <m:sup>
+                              <m:r>
+                                <a:rPr lang="en-US" altLang="zh-CN" i="1">
+                                  <a:latin typeface="Cambria Math" panose="02040503050406030204" pitchFamily="18" charset="0"/>
+                                </a:rPr>
+                                <m:t>′</m:t>
+                              </m:r>
+                            </m:sup>
+                          </m:sSup>
+                          <m:r>
+                            <a:rPr lang="en-US" altLang="zh-CN" i="1">
+                              <a:latin typeface="Cambria Math" panose="02040503050406030204" pitchFamily="18" charset="0"/>
+                            </a:rPr>
+                            <m:t>,</m:t>
+                          </m:r>
+                          <m:r>
+                            <a:rPr lang="en-US" altLang="zh-CN" i="1">
+                              <a:latin typeface="Cambria Math" panose="02040503050406030204" pitchFamily="18" charset="0"/>
+                            </a:rPr>
+                            <m:t>𝑦</m:t>
+                          </m:r>
+                          <m:r>
+                            <a:rPr lang="en-US" altLang="zh-CN" i="1">
+                              <a:latin typeface="Cambria Math" panose="02040503050406030204" pitchFamily="18" charset="0"/>
+                            </a:rPr>
+                            <m:t>+</m:t>
+                          </m:r>
+                          <m:sSup>
+                            <m:sSupPr>
+                              <m:ctrlPr>
+                                <a:rPr lang="en-US" altLang="zh-CN" i="1">
+                                  <a:latin typeface="Cambria Math" panose="02040503050406030204" pitchFamily="18" charset="0"/>
+                                </a:rPr>
+                              </m:ctrlPr>
+                            </m:sSupPr>
+                            <m:e>
+                              <m:r>
+                                <a:rPr lang="en-US" altLang="zh-CN" i="1">
+                                  <a:latin typeface="Cambria Math" panose="02040503050406030204" pitchFamily="18" charset="0"/>
+                                </a:rPr>
+                                <m:t>𝑦</m:t>
+                              </m:r>
+                            </m:e>
+                            <m:sup>
+                              <m:r>
+                                <a:rPr lang="en-US" altLang="zh-CN" i="1">
+                                  <a:latin typeface="Cambria Math" panose="02040503050406030204" pitchFamily="18" charset="0"/>
+                                </a:rPr>
+                                <m:t>′</m:t>
+                              </m:r>
+                            </m:sup>
+                          </m:sSup>
+                          <m:r>
+                            <a:rPr lang="en-US" altLang="zh-CN" i="1">
+                              <a:latin typeface="Cambria Math" panose="02040503050406030204" pitchFamily="18" charset="0"/>
+                            </a:rPr>
+                            <m:t>)</m:t>
+                          </m:r>
+                        </m:e>
+                      </m:func>
+                    </m:oMath>
+                  </m:oMathPara>
+                </a14:m>
+                <a:endParaRPr lang="en-US" altLang="zh-CN" dirty="0"/>
+              </a:p>
+              <a:p>
+                <a:r>
+                  <a:rPr lang="zh-CN" altLang="en-US" dirty="0"/>
+                  <a:t>腐蚀后的图像输入到高斯滤波器。二维高斯函数对阈值图像有模糊的效果</a:t>
+                </a:r>
+                <a:r>
+                  <a:rPr lang="en-US" altLang="zh-CN" dirty="0"/>
+                  <a:t>, </a:t>
+                </a:r>
+                <a:r>
+                  <a:rPr lang="zh-CN" altLang="en-US" dirty="0"/>
+                  <a:t>其模糊效果能够有效地模拟光线的衰减情况和去除部分噪声</a:t>
+                </a:r>
+                <a:r>
+                  <a:rPr lang="en-US" altLang="zh-CN" dirty="0"/>
+                  <a:t>, </a:t>
+                </a:r>
+                <a:r>
+                  <a:rPr lang="zh-CN" altLang="en-US" dirty="0"/>
+                  <a:t>而腐蚀操作将会减少高光区域对周围像素点的遮盖效果：</a:t>
+                </a:r>
+                <a:endParaRPr lang="en-US" altLang="zh-CN" dirty="0"/>
+              </a:p>
+              <a:p>
+                <a:endParaRPr lang="en-US" altLang="zh-CN" dirty="0"/>
+              </a:p>
+              <a:p>
+                <a:pPr marL="0" indent="0">
+                  <a:buNone/>
+                </a:pPr>
+                <a14:m>
+                  <m:oMathPara xmlns:m="http://schemas.openxmlformats.org/officeDocument/2006/math">
+                    <m:oMathParaPr>
+                      <m:jc m:val="centerGroup"/>
+                    </m:oMathParaPr>
+                    <m:oMath xmlns:m="http://schemas.openxmlformats.org/officeDocument/2006/math">
+                      <m:r>
+                        <a:rPr lang="en-US" altLang="zh-CN" b="0" i="1" smtClean="0">
+                          <a:latin typeface="Cambria Math" panose="02040503050406030204" pitchFamily="18" charset="0"/>
+                        </a:rPr>
+                        <m:t>𝐺</m:t>
+                      </m:r>
+                      <m:d>
+                        <m:dPr>
+                          <m:ctrlPr>
+                            <a:rPr lang="en-US" altLang="zh-CN" b="0" i="1" smtClean="0">
+                              <a:latin typeface="Cambria Math" panose="02040503050406030204" pitchFamily="18" charset="0"/>
+                            </a:rPr>
+                          </m:ctrlPr>
+                        </m:dPr>
+                        <m:e>
+                          <m:r>
+                            <a:rPr lang="en-US" altLang="zh-CN" b="0" i="1" smtClean="0">
+                              <a:latin typeface="Cambria Math" panose="02040503050406030204" pitchFamily="18" charset="0"/>
+                            </a:rPr>
+                            <m:t>𝑥</m:t>
+                          </m:r>
+                          <m:r>
+                            <a:rPr lang="en-US" altLang="zh-CN" b="0" i="1" smtClean="0">
+                              <a:latin typeface="Cambria Math" panose="02040503050406030204" pitchFamily="18" charset="0"/>
+                            </a:rPr>
+                            <m:t>,</m:t>
+                          </m:r>
+                          <m:r>
+                            <a:rPr lang="en-US" altLang="zh-CN" b="0" i="1" smtClean="0">
+                              <a:latin typeface="Cambria Math" panose="02040503050406030204" pitchFamily="18" charset="0"/>
+                            </a:rPr>
+                            <m:t>𝑦</m:t>
+                          </m:r>
+                        </m:e>
+                      </m:d>
+                      <m:r>
+                        <a:rPr lang="en-US" altLang="zh-CN" b="0" i="1" smtClean="0">
+                          <a:latin typeface="Cambria Math" panose="02040503050406030204" pitchFamily="18" charset="0"/>
+                        </a:rPr>
+                        <m:t>=</m:t>
+                      </m:r>
+                      <m:r>
+                        <a:rPr lang="en-US" altLang="zh-CN" b="0" i="1" smtClean="0">
+                          <a:latin typeface="Cambria Math" panose="02040503050406030204" pitchFamily="18" charset="0"/>
+                        </a:rPr>
+                        <m:t>𝐴</m:t>
+                      </m:r>
+                      <m:sSup>
+                        <m:sSupPr>
+                          <m:ctrlPr>
+                            <a:rPr lang="en-US" altLang="zh-CN" b="0" i="1" smtClean="0">
+                              <a:latin typeface="Cambria Math" panose="02040503050406030204" pitchFamily="18" charset="0"/>
+                            </a:rPr>
+                          </m:ctrlPr>
+                        </m:sSupPr>
+                        <m:e>
+                          <m:r>
+                            <a:rPr lang="en-US" altLang="zh-CN" b="0" i="1" smtClean="0">
+                              <a:latin typeface="Cambria Math" panose="02040503050406030204" pitchFamily="18" charset="0"/>
+                            </a:rPr>
+                            <m:t>𝑒</m:t>
+                          </m:r>
+                        </m:e>
+                        <m:sup>
+                          <m:f>
+                            <m:fPr>
+                              <m:ctrlPr>
+                                <a:rPr lang="en-US" altLang="zh-CN" b="0" i="1" smtClean="0">
+                                  <a:latin typeface="Cambria Math" panose="02040503050406030204" pitchFamily="18" charset="0"/>
+                                </a:rPr>
+                              </m:ctrlPr>
+                            </m:fPr>
+                            <m:num>
+                              <m:sSup>
+                                <m:sSupPr>
+                                  <m:ctrlPr>
+                                    <a:rPr lang="en-US" altLang="zh-CN" b="0" i="1" smtClean="0">
+                                      <a:latin typeface="Cambria Math" panose="02040503050406030204" pitchFamily="18" charset="0"/>
+                                    </a:rPr>
+                                  </m:ctrlPr>
+                                </m:sSupPr>
+                                <m:e>
+                                  <m:r>
+                                    <a:rPr lang="en-US" altLang="zh-CN" b="0" i="1" smtClean="0">
+                                      <a:latin typeface="Cambria Math" panose="02040503050406030204" pitchFamily="18" charset="0"/>
+                                    </a:rPr>
+                                    <m:t>−</m:t>
+                                  </m:r>
+                                  <m:d>
+                                    <m:dPr>
+                                      <m:ctrlPr>
+                                        <a:rPr lang="en-US" altLang="zh-CN" b="0" i="1" smtClean="0">
+                                          <a:latin typeface="Cambria Math" panose="02040503050406030204" pitchFamily="18" charset="0"/>
+                                        </a:rPr>
+                                      </m:ctrlPr>
+                                    </m:dPr>
+                                    <m:e>
+                                      <m:r>
+                                        <a:rPr lang="en-US" altLang="zh-CN" b="0" i="1" smtClean="0">
+                                          <a:latin typeface="Cambria Math" panose="02040503050406030204" pitchFamily="18" charset="0"/>
+                                        </a:rPr>
+                                        <m:t>𝑥</m:t>
+                                      </m:r>
+                                      <m:r>
+                                        <a:rPr lang="en-US" altLang="zh-CN" b="0" i="1" smtClean="0">
+                                          <a:latin typeface="Cambria Math" panose="02040503050406030204" pitchFamily="18" charset="0"/>
+                                        </a:rPr>
+                                        <m:t>−</m:t>
+                                      </m:r>
+                                      <m:sSub>
+                                        <m:sSubPr>
+                                          <m:ctrlPr>
+                                            <a:rPr lang="en-US" altLang="zh-CN" b="0" i="1" smtClean="0">
+                                              <a:latin typeface="Cambria Math" panose="02040503050406030204" pitchFamily="18" charset="0"/>
+                                            </a:rPr>
+                                          </m:ctrlPr>
+                                        </m:sSubPr>
+                                        <m:e>
+                                          <m:r>
+                                            <a:rPr lang="en-US" altLang="zh-CN" b="0" i="1" smtClean="0">
+                                              <a:latin typeface="Cambria Math" panose="02040503050406030204" pitchFamily="18" charset="0"/>
+                                            </a:rPr>
+                                            <m:t>𝑢</m:t>
+                                          </m:r>
+                                        </m:e>
+                                        <m:sub>
+                                          <m:r>
+                                            <a:rPr lang="en-US" altLang="zh-CN" b="0" i="1" smtClean="0">
+                                              <a:latin typeface="Cambria Math" panose="02040503050406030204" pitchFamily="18" charset="0"/>
+                                            </a:rPr>
+                                            <m:t>𝑥</m:t>
+                                          </m:r>
+                                        </m:sub>
+                                      </m:sSub>
+                                    </m:e>
+                                  </m:d>
+                                </m:e>
+                                <m:sup>
+                                  <m:r>
+                                    <a:rPr lang="en-US" altLang="zh-CN" b="0" i="1" smtClean="0">
+                                      <a:latin typeface="Cambria Math" panose="02040503050406030204" pitchFamily="18" charset="0"/>
+                                    </a:rPr>
+                                    <m:t>2</m:t>
+                                  </m:r>
+                                </m:sup>
+                              </m:sSup>
+                            </m:num>
+                            <m:den>
+                              <m:r>
+                                <a:rPr lang="en-US" altLang="zh-CN" b="0" i="1" smtClean="0">
+                                  <a:latin typeface="Cambria Math" panose="02040503050406030204" pitchFamily="18" charset="0"/>
+                                </a:rPr>
+                                <m:t>2</m:t>
+                              </m:r>
+                              <m:sSubSup>
+                                <m:sSubSupPr>
+                                  <m:ctrlPr>
+                                    <a:rPr lang="en-US" altLang="zh-CN" b="0" i="1" smtClean="0">
+                                      <a:latin typeface="Cambria Math" panose="02040503050406030204" pitchFamily="18" charset="0"/>
+                                    </a:rPr>
+                                  </m:ctrlPr>
+                                </m:sSubSupPr>
+                                <m:e>
+                                  <m:r>
+                                    <a:rPr lang="en-US" altLang="zh-CN" b="0" i="1" smtClean="0">
+                                      <a:latin typeface="Cambria Math" panose="02040503050406030204" pitchFamily="18" charset="0"/>
+                                    </a:rPr>
+                                    <m:t>𝜎</m:t>
+                                  </m:r>
+                                </m:e>
+                                <m:sub>
+                                  <m:r>
+                                    <a:rPr lang="en-US" altLang="zh-CN" b="0" i="1" smtClean="0">
+                                      <a:latin typeface="Cambria Math" panose="02040503050406030204" pitchFamily="18" charset="0"/>
+                                    </a:rPr>
+                                    <m:t>𝑥</m:t>
+                                  </m:r>
+                                </m:sub>
+                                <m:sup>
+                                  <m:r>
+                                    <a:rPr lang="en-US" altLang="zh-CN" b="0" i="1" smtClean="0">
+                                      <a:latin typeface="Cambria Math" panose="02040503050406030204" pitchFamily="18" charset="0"/>
+                                    </a:rPr>
+                                    <m:t>2</m:t>
+                                  </m:r>
+                                </m:sup>
+                              </m:sSubSup>
+                            </m:den>
+                          </m:f>
+                          <m:r>
+                            <a:rPr lang="en-US" altLang="zh-CN" b="0" i="1" smtClean="0">
+                              <a:latin typeface="Cambria Math" panose="02040503050406030204" pitchFamily="18" charset="0"/>
+                            </a:rPr>
+                            <m:t>+</m:t>
+                          </m:r>
+                          <m:f>
+                            <m:fPr>
+                              <m:ctrlPr>
+                                <a:rPr lang="en-US" altLang="zh-CN" b="0" i="1" smtClean="0">
+                                  <a:latin typeface="Cambria Math" panose="02040503050406030204" pitchFamily="18" charset="0"/>
+                                </a:rPr>
+                              </m:ctrlPr>
+                            </m:fPr>
+                            <m:num>
+                              <m:sSup>
+                                <m:sSupPr>
+                                  <m:ctrlPr>
+                                    <a:rPr lang="en-US" altLang="zh-CN" b="0" i="1" smtClean="0">
+                                      <a:latin typeface="Cambria Math" panose="02040503050406030204" pitchFamily="18" charset="0"/>
+                                    </a:rPr>
+                                  </m:ctrlPr>
+                                </m:sSupPr>
+                                <m:e>
+                                  <m:r>
+                                    <a:rPr lang="en-US" altLang="zh-CN" b="0" i="1" smtClean="0">
+                                      <a:latin typeface="Cambria Math" panose="02040503050406030204" pitchFamily="18" charset="0"/>
+                                    </a:rPr>
+                                    <m:t>−</m:t>
+                                  </m:r>
+                                  <m:d>
+                                    <m:dPr>
+                                      <m:ctrlPr>
+                                        <a:rPr lang="en-US" altLang="zh-CN" b="0" i="1" smtClean="0">
+                                          <a:latin typeface="Cambria Math" panose="02040503050406030204" pitchFamily="18" charset="0"/>
+                                        </a:rPr>
+                                      </m:ctrlPr>
+                                    </m:dPr>
+                                    <m:e>
+                                      <m:r>
+                                        <a:rPr lang="en-US" altLang="zh-CN" b="0" i="1" smtClean="0">
+                                          <a:latin typeface="Cambria Math" panose="02040503050406030204" pitchFamily="18" charset="0"/>
+                                        </a:rPr>
+                                        <m:t>𝑦</m:t>
+                                      </m:r>
+                                      <m:r>
+                                        <a:rPr lang="en-US" altLang="zh-CN" b="0" i="1" smtClean="0">
+                                          <a:latin typeface="Cambria Math" panose="02040503050406030204" pitchFamily="18" charset="0"/>
+                                        </a:rPr>
+                                        <m:t>−</m:t>
+                                      </m:r>
+                                      <m:sSub>
+                                        <m:sSubPr>
+                                          <m:ctrlPr>
+                                            <a:rPr lang="en-US" altLang="zh-CN" b="0" i="1" smtClean="0">
+                                              <a:latin typeface="Cambria Math" panose="02040503050406030204" pitchFamily="18" charset="0"/>
+                                            </a:rPr>
+                                          </m:ctrlPr>
+                                        </m:sSubPr>
+                                        <m:e>
+                                          <m:r>
+                                            <a:rPr lang="en-US" altLang="zh-CN" b="0" i="1" smtClean="0">
+                                              <a:latin typeface="Cambria Math" panose="02040503050406030204" pitchFamily="18" charset="0"/>
+                                            </a:rPr>
+                                            <m:t>𝑢</m:t>
+                                          </m:r>
+                                        </m:e>
+                                        <m:sub>
+                                          <m:r>
+                                            <a:rPr lang="en-US" altLang="zh-CN" b="0" i="1" smtClean="0">
+                                              <a:latin typeface="Cambria Math" panose="02040503050406030204" pitchFamily="18" charset="0"/>
+                                            </a:rPr>
+                                            <m:t>𝑦</m:t>
+                                          </m:r>
+                                        </m:sub>
+                                      </m:sSub>
+                                    </m:e>
+                                  </m:d>
+                                </m:e>
+                                <m:sup>
+                                  <m:r>
+                                    <a:rPr lang="en-US" altLang="zh-CN" b="0" i="1" smtClean="0">
+                                      <a:latin typeface="Cambria Math" panose="02040503050406030204" pitchFamily="18" charset="0"/>
+                                    </a:rPr>
+                                    <m:t>2</m:t>
+                                  </m:r>
+                                </m:sup>
+                              </m:sSup>
+                            </m:num>
+                            <m:den>
+                              <m:r>
+                                <a:rPr lang="en-US" altLang="zh-CN" b="0" i="1" smtClean="0">
+                                  <a:latin typeface="Cambria Math" panose="02040503050406030204" pitchFamily="18" charset="0"/>
+                                </a:rPr>
+                                <m:t>2</m:t>
+                              </m:r>
+                              <m:sSubSup>
+                                <m:sSubSupPr>
+                                  <m:ctrlPr>
+                                    <a:rPr lang="en-US" altLang="zh-CN" b="0" i="1" smtClean="0">
+                                      <a:latin typeface="Cambria Math" panose="02040503050406030204" pitchFamily="18" charset="0"/>
+                                    </a:rPr>
+                                  </m:ctrlPr>
+                                </m:sSubSupPr>
+                                <m:e>
+                                  <m:r>
+                                    <a:rPr lang="en-US" altLang="zh-CN" b="0" i="1" smtClean="0">
+                                      <a:latin typeface="Cambria Math" panose="02040503050406030204" pitchFamily="18" charset="0"/>
+                                    </a:rPr>
+                                    <m:t>𝜎</m:t>
+                                  </m:r>
+                                </m:e>
+                                <m:sub>
+                                  <m:r>
+                                    <a:rPr lang="en-US" altLang="zh-CN" b="0" i="1" smtClean="0">
+                                      <a:latin typeface="Cambria Math" panose="02040503050406030204" pitchFamily="18" charset="0"/>
+                                    </a:rPr>
+                                    <m:t>𝑦</m:t>
+                                  </m:r>
+                                </m:sub>
+                                <m:sup>
+                                  <m:r>
+                                    <a:rPr lang="en-US" altLang="zh-CN" b="0" i="1" smtClean="0">
+                                      <a:latin typeface="Cambria Math" panose="02040503050406030204" pitchFamily="18" charset="0"/>
+                                    </a:rPr>
+                                    <m:t>2</m:t>
+                                  </m:r>
+                                </m:sup>
+                              </m:sSubSup>
+                            </m:den>
+                          </m:f>
+                        </m:sup>
+                      </m:sSup>
+                    </m:oMath>
+                  </m:oMathPara>
+                </a14:m>
+                <a:endParaRPr lang="en-US" altLang="zh-CN" dirty="0"/>
+              </a:p>
+              <a:p>
+                <a:pPr marL="0" indent="0">
+                  <a:buNone/>
+                </a:pPr>
+                <a:endParaRPr lang="en-US" altLang="zh-CN" dirty="0"/>
+              </a:p>
+              <a:p>
+                <a:pPr marL="0" indent="0" algn="ctr">
+                  <a:buNone/>
+                </a:pPr>
+                <a:endParaRPr lang="en-US" altLang="zh-CN" dirty="0"/>
+              </a:p>
+            </p:txBody>
+          </p:sp>
+        </mc:Choice>
+        <mc:Fallback>
+          <p:sp>
+            <p:nvSpPr>
+              <p:cNvPr id="3" name="内容占位符 2">
+                <a:extLst>
+                  <a:ext uri="{FF2B5EF4-FFF2-40B4-BE49-F238E27FC236}">
+                    <a16:creationId xmlns:a16="http://schemas.microsoft.com/office/drawing/2014/main" id="{49122446-5B95-DC4B-82B2-35BE32A9B4D7}"/>
+                  </a:ext>
+                </a:extLst>
+              </p:cNvPr>
+              <p:cNvSpPr>
+                <a:spLocks noGrp="1" noRot="1" noChangeAspect="1" noMove="1" noResize="1" noEditPoints="1" noAdjustHandles="1" noChangeArrowheads="1" noChangeShapeType="1" noTextEdit="1"/>
+              </p:cNvSpPr>
+              <p:nvPr>
+                <p:ph idx="1"/>
+              </p:nvPr>
+            </p:nvSpPr>
+            <p:spPr>
+              <a:xfrm>
+                <a:off x="1295400" y="1231900"/>
+                <a:ext cx="9601200" cy="4216400"/>
+              </a:xfrm>
+              <a:blipFill>
+                <a:blip r:embed="rId2"/>
+                <a:stretch>
+                  <a:fillRect l="-528" t="-1502" r="-396"/>
+                </a:stretch>
+              </a:blipFill>
+            </p:spPr>
+            <p:txBody>
+              <a:bodyPr/>
+              <a:lstStyle/>
+              <a:p>
+                <a:r>
+                  <a:rPr lang="zh-CN" altLang="en-US">
+                    <a:noFill/>
+                  </a:rPr>
+                  <a:t> </a:t>
+                </a:r>
+              </a:p>
+            </p:txBody>
+          </p:sp>
+        </mc:Fallback>
+      </mc:AlternateContent>
+    </p:spTree>
+    <p:extLst>
+      <p:ext uri="{BB962C8B-B14F-4D97-AF65-F5344CB8AC3E}">
+        <p14:creationId xmlns:p14="http://schemas.microsoft.com/office/powerpoint/2010/main" val="283073831"/>
+      </p:ext>
+    </p:extLst>
+  </p:cSld>
+  <p:clrMapOvr>
+    <a:masterClrMapping/>
+  </p:clrMapOvr>
+</p:sld>
+</file>
+
+<file path=ppt/slides/slide8.xml><?xml version="1.0" encoding="utf-8"?>
+<p:sld xmlns:a="http://schemas.openxmlformats.org/drawingml/2006/main" xmlns:r="http://schemas.openxmlformats.org/officeDocument/2006/relationships" xmlns:p="http://schemas.openxmlformats.org/presentationml/2006/main">
+  <p:cSld>
+    <p:spTree>
+      <p:nvGrpSpPr>
+        <p:cNvPr id="1" name=""/>
+        <p:cNvGrpSpPr/>
+        <p:nvPr/>
+      </p:nvGrpSpPr>
+      <p:grpSpPr>
+        <a:xfrm>
+          <a:off x="0" y="0"/>
+          <a:ext cx="0" cy="0"/>
+          <a:chOff x="0" y="0"/>
+          <a:chExt cx="0" cy="0"/>
+        </a:xfrm>
+      </p:grpSpPr>
+      <p:sp>
+        <p:nvSpPr>
+          <p:cNvPr id="2" name="标题 1">
+            <a:extLst>
+              <a:ext uri="{FF2B5EF4-FFF2-40B4-BE49-F238E27FC236}">
+                <a16:creationId xmlns:a16="http://schemas.microsoft.com/office/drawing/2014/main" id="{A33CC7B0-2442-9649-A439-C6381468BE38}"/>
+              </a:ext>
+            </a:extLst>
+          </p:cNvPr>
+          <p:cNvSpPr>
+            <a:spLocks noGrp="1"/>
+          </p:cNvSpPr>
+          <p:nvPr>
+            <p:ph type="title"/>
+          </p:nvPr>
+        </p:nvSpPr>
+        <p:spPr/>
+        <p:txBody>
+          <a:bodyPr/>
+          <a:lstStyle/>
+          <a:p>
+            <a:endParaRPr kumimoji="1" lang="zh-CN" altLang="en-US" dirty="0"/>
+          </a:p>
+        </p:txBody>
+      </p:sp>
+      <p:pic>
+        <p:nvPicPr>
+          <p:cNvPr id="5" name="内容占位符 4">
+            <a:extLst>
+              <a:ext uri="{FF2B5EF4-FFF2-40B4-BE49-F238E27FC236}">
+                <a16:creationId xmlns:a16="http://schemas.microsoft.com/office/drawing/2014/main" id="{03CADD29-DB84-D24D-B9FC-CD5D0B0EFA48}"/>
+              </a:ext>
+            </a:extLst>
+          </p:cNvPr>
+          <p:cNvPicPr>
+            <a:picLocks noGrp="1" noChangeAspect="1"/>
+          </p:cNvPicPr>
+          <p:nvPr>
+            <p:ph idx="1"/>
+          </p:nvPr>
+        </p:nvPicPr>
+        <p:blipFill>
+          <a:blip r:embed="rId2">
+            <a:extLst>
+              <a:ext uri="{28A0092B-C50C-407E-A947-70E740481C1C}">
+                <a14:useLocalDpi xmlns:a14="http://schemas.microsoft.com/office/drawing/2010/main" val="0"/>
+              </a:ext>
+            </a:extLst>
+          </a:blip>
+          <a:stretch>
+            <a:fillRect/>
+          </a:stretch>
+        </p:blipFill>
+        <p:spPr>
+          <a:xfrm>
+            <a:off x="1898650" y="1974850"/>
+            <a:ext cx="9201670" cy="2908300"/>
+          </a:xfrm>
+        </p:spPr>
+      </p:pic>
+    </p:spTree>
+    <p:extLst>
+      <p:ext uri="{BB962C8B-B14F-4D97-AF65-F5344CB8AC3E}">
+        <p14:creationId xmlns:p14="http://schemas.microsoft.com/office/powerpoint/2010/main" val="3096752590"/>
+      </p:ext>
+    </p:extLst>
+  </p:cSld>
+  <p:clrMapOvr>
+    <a:masterClrMapping/>
+  </p:clrMapOvr>
+</p:sld>
+</file>
+
+<file path=ppt/slides/slide9.xml><?xml version="1.0" encoding="utf-8"?>
+<p:sld xmlns:a="http://schemas.openxmlformats.org/drawingml/2006/main" xmlns:r="http://schemas.openxmlformats.org/officeDocument/2006/relationships" xmlns:p="http://schemas.openxmlformats.org/presentationml/2006/main">
+  <p:cSld>
+    <p:spTree>
+      <p:nvGrpSpPr>
+        <p:cNvPr id="1" name=""/>
+        <p:cNvGrpSpPr/>
+        <p:nvPr/>
+      </p:nvGrpSpPr>
+      <p:grpSpPr>
+        <a:xfrm>
+          <a:off x="0" y="0"/>
+          <a:ext cx="0" cy="0"/>
+          <a:chOff x="0" y="0"/>
+          <a:chExt cx="0" cy="0"/>
+        </a:xfrm>
+      </p:grpSpPr>
+      <mc:AlternateContent xmlns:mc="http://schemas.openxmlformats.org/markup-compatibility/2006">
+        <mc:Choice xmlns:a14="http://schemas.microsoft.com/office/drawing/2010/main" Requires="a14">
+          <p:sp>
+            <p:nvSpPr>
+              <p:cNvPr id="3" name="内容占位符 2">
+                <a:extLst>
+                  <a:ext uri="{FF2B5EF4-FFF2-40B4-BE49-F238E27FC236}">
+                    <a16:creationId xmlns:a16="http://schemas.microsoft.com/office/drawing/2014/main" id="{2E2B7071-CB16-254C-977D-132DC7A0E00A}"/>
+                  </a:ext>
+                </a:extLst>
+              </p:cNvPr>
+              <p:cNvSpPr>
+                <a:spLocks noGrp="1"/>
+              </p:cNvSpPr>
+              <p:nvPr>
+                <p:ph idx="1"/>
+              </p:nvPr>
+            </p:nvSpPr>
+            <p:spPr/>
+            <p:txBody>
+              <a:bodyPr/>
+              <a:lstStyle/>
+              <a:p>
+                <a:r>
+                  <a:rPr lang="zh-CN" altLang="en-US" dirty="0"/>
+                  <a:t>图像通过反色调映射的全局映射以及高光区域的局部调整后</a:t>
+                </a:r>
+                <a:r>
+                  <a:rPr lang="en-US" altLang="zh-CN" dirty="0"/>
+                  <a:t>, </a:t>
+                </a:r>
+                <a:r>
+                  <a:rPr lang="zh-CN" altLang="en-US" dirty="0"/>
+                  <a:t>在中高亮度部分的表现比较优秀 </a:t>
+                </a:r>
+                <a:r>
+                  <a:rPr lang="en-US" altLang="zh-CN" dirty="0"/>
+                  <a:t>, </a:t>
+                </a:r>
+                <a:r>
+                  <a:rPr lang="zh-CN" altLang="en-US" dirty="0"/>
+                  <a:t>但在暗区域部分并没有很好地保持其原有亮度</a:t>
+                </a:r>
+                <a:r>
+                  <a:rPr lang="en-US" altLang="zh-CN" dirty="0"/>
+                  <a:t>, </a:t>
+                </a:r>
+                <a:r>
+                  <a:rPr lang="zh-CN" altLang="en-US" dirty="0"/>
+                  <a:t>在减小画面对比度的同时还引入了一些新的噪声</a:t>
+                </a:r>
+                <a:r>
+                  <a:rPr lang="en-US" altLang="zh-CN" dirty="0"/>
+                  <a:t>. </a:t>
+                </a:r>
+                <a:r>
+                  <a:rPr lang="zh-CN" altLang="en-US" dirty="0"/>
+                  <a:t>所以在进行图像融合的时候需要对图像的暗区域进行处理：</a:t>
+                </a:r>
+                <a:endParaRPr lang="en-US" altLang="zh-CN" dirty="0"/>
+              </a:p>
+              <a:p>
+                <a14:m>
+                  <m:oMath xmlns:m="http://schemas.openxmlformats.org/officeDocument/2006/math">
+                    <m:r>
+                      <a:rPr kumimoji="1" lang="en-US" altLang="zh-CN" b="0" i="1" smtClean="0">
+                        <a:latin typeface="Cambria Math" panose="02040503050406030204" pitchFamily="18" charset="0"/>
+                      </a:rPr>
+                      <m:t>𝐿</m:t>
+                    </m:r>
+                    <m:d>
+                      <m:dPr>
+                        <m:ctrlPr>
+                          <a:rPr kumimoji="1" lang="en-US" altLang="zh-CN" b="0" i="1" smtClean="0">
+                            <a:latin typeface="Cambria Math" panose="02040503050406030204" pitchFamily="18" charset="0"/>
+                          </a:rPr>
+                        </m:ctrlPr>
+                      </m:dPr>
+                      <m:e>
+                        <m:r>
+                          <a:rPr kumimoji="1" lang="en-US" altLang="zh-CN" b="0" i="1" smtClean="0">
+                            <a:latin typeface="Cambria Math" panose="02040503050406030204" pitchFamily="18" charset="0"/>
+                          </a:rPr>
+                          <m:t>𝑥</m:t>
+                        </m:r>
+                        <m:r>
+                          <a:rPr kumimoji="1" lang="en-US" altLang="zh-CN" b="0" i="1" smtClean="0">
+                            <a:latin typeface="Cambria Math" panose="02040503050406030204" pitchFamily="18" charset="0"/>
+                          </a:rPr>
+                          <m:t>,</m:t>
+                        </m:r>
+                        <m:r>
+                          <a:rPr kumimoji="1" lang="en-US" altLang="zh-CN" b="0" i="1" smtClean="0">
+                            <a:latin typeface="Cambria Math" panose="02040503050406030204" pitchFamily="18" charset="0"/>
+                          </a:rPr>
+                          <m:t>𝑦</m:t>
+                        </m:r>
+                      </m:e>
+                    </m:d>
+                    <m:r>
+                      <a:rPr kumimoji="1" lang="en-US" altLang="zh-CN" b="0" i="1" smtClean="0">
+                        <a:latin typeface="Cambria Math" panose="02040503050406030204" pitchFamily="18" charset="0"/>
+                      </a:rPr>
+                      <m:t>=</m:t>
+                    </m:r>
+                    <m:d>
+                      <m:dPr>
+                        <m:begChr m:val="{"/>
+                        <m:endChr m:val=""/>
+                        <m:ctrlPr>
+                          <a:rPr kumimoji="1" lang="en-US" altLang="zh-CN" b="0" i="1" smtClean="0">
+                            <a:latin typeface="Cambria Math" panose="02040503050406030204" pitchFamily="18" charset="0"/>
+                          </a:rPr>
+                        </m:ctrlPr>
+                      </m:dPr>
+                      <m:e>
+                        <m:eqArr>
+                          <m:eqArrPr>
+                            <m:ctrlPr>
+                              <a:rPr kumimoji="1" lang="en-US" altLang="zh-CN" b="0" i="1" smtClean="0">
+                                <a:latin typeface="Cambria Math" panose="02040503050406030204" pitchFamily="18" charset="0"/>
+                              </a:rPr>
+                            </m:ctrlPr>
+                          </m:eqArrPr>
+                          <m:e>
+                            <m:r>
+                              <a:rPr kumimoji="1" lang="en-US" altLang="zh-CN" b="0" i="1" smtClean="0">
+                                <a:latin typeface="Cambria Math" panose="02040503050406030204" pitchFamily="18" charset="0"/>
+                              </a:rPr>
+                              <m:t>𝜎</m:t>
+                            </m:r>
+                            <m:sSub>
+                              <m:sSubPr>
+                                <m:ctrlPr>
+                                  <a:rPr kumimoji="1" lang="en-US" altLang="zh-CN" b="0" i="1" smtClean="0">
+                                    <a:latin typeface="Cambria Math" panose="02040503050406030204" pitchFamily="18" charset="0"/>
+                                  </a:rPr>
+                                </m:ctrlPr>
+                              </m:sSubPr>
+                              <m:e>
+                                <m:r>
+                                  <a:rPr kumimoji="1" lang="en-US" altLang="zh-CN" b="0" i="1" smtClean="0">
+                                    <a:latin typeface="Cambria Math" panose="02040503050406030204" pitchFamily="18" charset="0"/>
+                                  </a:rPr>
+                                  <m:t>𝐿</m:t>
+                                </m:r>
+                              </m:e>
+                              <m:sub>
+                                <m:r>
+                                  <a:rPr kumimoji="1" lang="en-US" altLang="zh-CN" b="0" i="1" smtClean="0">
+                                    <a:latin typeface="Cambria Math" panose="02040503050406030204" pitchFamily="18" charset="0"/>
+                                  </a:rPr>
+                                  <m:t>𝑤</m:t>
+                                </m:r>
+                              </m:sub>
+                            </m:sSub>
+                            <m:d>
+                              <m:dPr>
+                                <m:ctrlPr>
+                                  <a:rPr kumimoji="1" lang="en-US" altLang="zh-CN" b="0" i="1" smtClean="0">
+                                    <a:latin typeface="Cambria Math" panose="02040503050406030204" pitchFamily="18" charset="0"/>
+                                  </a:rPr>
+                                </m:ctrlPr>
+                              </m:dPr>
+                              <m:e>
+                                <m:r>
+                                  <a:rPr kumimoji="1" lang="en-US" altLang="zh-CN" b="0" i="1" smtClean="0">
+                                    <a:latin typeface="Cambria Math" panose="02040503050406030204" pitchFamily="18" charset="0"/>
+                                  </a:rPr>
+                                  <m:t>𝑥</m:t>
+                                </m:r>
+                                <m:r>
+                                  <a:rPr kumimoji="1" lang="en-US" altLang="zh-CN" b="0" i="1" smtClean="0">
+                                    <a:latin typeface="Cambria Math" panose="02040503050406030204" pitchFamily="18" charset="0"/>
+                                  </a:rPr>
+                                  <m:t>,</m:t>
+                                </m:r>
+                                <m:r>
+                                  <a:rPr kumimoji="1" lang="en-US" altLang="zh-CN" b="0" i="1" smtClean="0">
+                                    <a:latin typeface="Cambria Math" panose="02040503050406030204" pitchFamily="18" charset="0"/>
+                                  </a:rPr>
+                                  <m:t>𝑦</m:t>
+                                </m:r>
+                              </m:e>
+                            </m:d>
+                            <m:r>
+                              <a:rPr kumimoji="1" lang="en-US" altLang="zh-CN" b="0" i="1" smtClean="0">
+                                <a:latin typeface="Cambria Math" panose="02040503050406030204" pitchFamily="18" charset="0"/>
+                              </a:rPr>
+                              <m:t>,</m:t>
+                            </m:r>
+                            <m:r>
+                              <a:rPr kumimoji="1" lang="zh-CN" altLang="en-US" b="0" i="1" smtClean="0">
+                                <a:latin typeface="Cambria Math" panose="02040503050406030204" pitchFamily="18" charset="0"/>
+                              </a:rPr>
+                              <m:t>                       </m:t>
+                            </m:r>
+                            <m:sSub>
+                              <m:sSubPr>
+                                <m:ctrlPr>
+                                  <a:rPr kumimoji="1" lang="en-US" altLang="zh-CN" b="0" i="1" smtClean="0">
+                                    <a:latin typeface="Cambria Math" panose="02040503050406030204" pitchFamily="18" charset="0"/>
+                                  </a:rPr>
+                                </m:ctrlPr>
+                              </m:sSubPr>
+                              <m:e>
+                                <m:r>
+                                  <a:rPr kumimoji="1" lang="en-US" altLang="zh-CN" b="0" i="1" smtClean="0">
+                                    <a:latin typeface="Cambria Math" panose="02040503050406030204" pitchFamily="18" charset="0"/>
+                                  </a:rPr>
+                                  <m:t>𝐿</m:t>
+                                </m:r>
+                              </m:e>
+                              <m:sub>
+                                <m:r>
+                                  <a:rPr kumimoji="1" lang="en-US" altLang="zh-CN" b="0" i="1" smtClean="0">
+                                    <a:latin typeface="Cambria Math" panose="02040503050406030204" pitchFamily="18" charset="0"/>
+                                  </a:rPr>
+                                  <m:t>𝑤</m:t>
+                                </m:r>
+                              </m:sub>
+                            </m:sSub>
+                            <m:d>
+                              <m:dPr>
+                                <m:ctrlPr>
+                                  <a:rPr kumimoji="1" lang="en-US" altLang="zh-CN" b="0" i="1" smtClean="0">
+                                    <a:latin typeface="Cambria Math" panose="02040503050406030204" pitchFamily="18" charset="0"/>
+                                  </a:rPr>
+                                </m:ctrlPr>
+                              </m:dPr>
+                              <m:e>
+                                <m:r>
+                                  <a:rPr kumimoji="1" lang="en-US" altLang="zh-CN" b="0" i="1" smtClean="0">
+                                    <a:latin typeface="Cambria Math" panose="02040503050406030204" pitchFamily="18" charset="0"/>
+                                  </a:rPr>
+                                  <m:t>𝑥</m:t>
+                                </m:r>
+                                <m:r>
+                                  <a:rPr kumimoji="1" lang="en-US" altLang="zh-CN" b="0" i="1" smtClean="0">
+                                    <a:latin typeface="Cambria Math" panose="02040503050406030204" pitchFamily="18" charset="0"/>
+                                  </a:rPr>
+                                  <m:t>,</m:t>
+                                </m:r>
+                                <m:r>
+                                  <a:rPr kumimoji="1" lang="en-US" altLang="zh-CN" b="0" i="1" smtClean="0">
+                                    <a:latin typeface="Cambria Math" panose="02040503050406030204" pitchFamily="18" charset="0"/>
+                                  </a:rPr>
+                                  <m:t>𝑦</m:t>
+                                </m:r>
+                              </m:e>
+                            </m:d>
+                            <m:r>
+                              <a:rPr kumimoji="1" lang="en-US" altLang="zh-CN" b="0" i="1" smtClean="0">
+                                <a:latin typeface="Cambria Math" panose="02040503050406030204" pitchFamily="18" charset="0"/>
+                              </a:rPr>
+                              <m:t>&lt;</m:t>
+                            </m:r>
+                            <m:r>
+                              <a:rPr kumimoji="1" lang="en-US" altLang="zh-CN" b="0" i="1" smtClean="0">
+                                <a:latin typeface="Cambria Math" panose="02040503050406030204" pitchFamily="18" charset="0"/>
+                              </a:rPr>
+                              <m:t>𝛽</m:t>
+                            </m:r>
+                            <m:sSub>
+                              <m:sSubPr>
+                                <m:ctrlPr>
+                                  <a:rPr kumimoji="1" lang="en-US" altLang="zh-CN" b="0" i="1" smtClean="0">
+                                    <a:latin typeface="Cambria Math" panose="02040503050406030204" pitchFamily="18" charset="0"/>
+                                  </a:rPr>
+                                </m:ctrlPr>
+                              </m:sSubPr>
+                              <m:e>
+                                <m:r>
+                                  <a:rPr kumimoji="1" lang="en-US" altLang="zh-CN" b="0" i="1" smtClean="0">
+                                    <a:latin typeface="Cambria Math" panose="02040503050406030204" pitchFamily="18" charset="0"/>
+                                  </a:rPr>
+                                  <m:t>𝐼</m:t>
+                                </m:r>
+                              </m:e>
+                              <m:sub>
+                                <m:r>
+                                  <a:rPr kumimoji="1" lang="en-US" altLang="zh-CN" b="0" i="1" smtClean="0">
+                                    <a:latin typeface="Cambria Math" panose="02040503050406030204" pitchFamily="18" charset="0"/>
+                                  </a:rPr>
+                                  <m:t>𝑚𝑖𝑛</m:t>
+                                </m:r>
+                              </m:sub>
+                            </m:sSub>
+                          </m:e>
+                          <m:e>
+                            <m:r>
+                              <a:rPr kumimoji="1" lang="en-US" altLang="zh-CN" b="0" i="1" smtClean="0">
+                                <a:latin typeface="Cambria Math" panose="02040503050406030204" pitchFamily="18" charset="0"/>
+                              </a:rPr>
+                              <m:t>𝛾</m:t>
+                            </m:r>
+                            <m:sSub>
+                              <m:sSubPr>
+                                <m:ctrlPr>
+                                  <a:rPr kumimoji="1" lang="en-US" altLang="zh-CN" b="0" i="1" smtClean="0">
+                                    <a:latin typeface="Cambria Math" panose="02040503050406030204" pitchFamily="18" charset="0"/>
+                                  </a:rPr>
+                                </m:ctrlPr>
+                              </m:sSubPr>
+                              <m:e>
+                                <m:r>
+                                  <a:rPr kumimoji="1" lang="en-US" altLang="zh-CN" b="0" i="1" smtClean="0">
+                                    <a:latin typeface="Cambria Math" panose="02040503050406030204" pitchFamily="18" charset="0"/>
+                                  </a:rPr>
+                                  <m:t>𝐿</m:t>
+                                </m:r>
+                              </m:e>
+                              <m:sub>
+                                <m:r>
+                                  <a:rPr kumimoji="1" lang="en-US" altLang="zh-CN" b="0" i="1" smtClean="0">
+                                    <a:latin typeface="Cambria Math" panose="02040503050406030204" pitchFamily="18" charset="0"/>
+                                  </a:rPr>
+                                  <m:t>𝑤</m:t>
+                                </m:r>
+                              </m:sub>
+                            </m:sSub>
+                            <m:d>
+                              <m:dPr>
+                                <m:ctrlPr>
+                                  <a:rPr kumimoji="1" lang="en-US" altLang="zh-CN" b="0" i="1" smtClean="0">
+                                    <a:latin typeface="Cambria Math" panose="02040503050406030204" pitchFamily="18" charset="0"/>
+                                  </a:rPr>
+                                </m:ctrlPr>
+                              </m:dPr>
+                              <m:e>
+                                <m:r>
+                                  <a:rPr kumimoji="1" lang="en-US" altLang="zh-CN" b="0" i="1" smtClean="0">
+                                    <a:latin typeface="Cambria Math" panose="02040503050406030204" pitchFamily="18" charset="0"/>
+                                  </a:rPr>
+                                  <m:t>𝑥</m:t>
+                                </m:r>
+                                <m:r>
+                                  <a:rPr kumimoji="1" lang="en-US" altLang="zh-CN" b="0" i="1" smtClean="0">
+                                    <a:latin typeface="Cambria Math" panose="02040503050406030204" pitchFamily="18" charset="0"/>
+                                  </a:rPr>
+                                  <m:t>,</m:t>
+                                </m:r>
+                                <m:r>
+                                  <a:rPr kumimoji="1" lang="en-US" altLang="zh-CN" b="0" i="1" smtClean="0">
+                                    <a:latin typeface="Cambria Math" panose="02040503050406030204" pitchFamily="18" charset="0"/>
+                                  </a:rPr>
+                                  <m:t>𝑦</m:t>
+                                </m:r>
+                              </m:e>
+                            </m:d>
+                            <m:r>
+                              <a:rPr kumimoji="1" lang="en-US" altLang="zh-CN" b="0" i="1" smtClean="0">
+                                <a:latin typeface="Cambria Math" panose="02040503050406030204" pitchFamily="18" charset="0"/>
+                              </a:rPr>
+                              <m:t>+</m:t>
+                            </m:r>
+                            <m:r>
+                              <a:rPr kumimoji="1" lang="en-US" altLang="zh-CN" b="0" i="1" smtClean="0">
+                                <a:latin typeface="Cambria Math" panose="02040503050406030204" pitchFamily="18" charset="0"/>
+                              </a:rPr>
+                              <m:t>𝛿</m:t>
+                            </m:r>
+                            <m:sSub>
+                              <m:sSubPr>
+                                <m:ctrlPr>
+                                  <a:rPr kumimoji="1" lang="en-US" altLang="zh-CN" b="0" i="1" smtClean="0">
+                                    <a:latin typeface="Cambria Math" panose="02040503050406030204" pitchFamily="18" charset="0"/>
+                                  </a:rPr>
+                                </m:ctrlPr>
+                              </m:sSubPr>
+                              <m:e>
+                                <m:r>
+                                  <a:rPr kumimoji="1" lang="en-US" altLang="zh-CN" b="0" i="1" smtClean="0">
+                                    <a:latin typeface="Cambria Math" panose="02040503050406030204" pitchFamily="18" charset="0"/>
+                                  </a:rPr>
+                                  <m:t>𝐿</m:t>
+                                </m:r>
+                              </m:e>
+                              <m:sub>
+                                <m:r>
+                                  <a:rPr kumimoji="1" lang="en-US" altLang="zh-CN" b="0" i="1" smtClean="0">
+                                    <a:latin typeface="Cambria Math" panose="02040503050406030204" pitchFamily="18" charset="0"/>
+                                  </a:rPr>
+                                  <m:t>h</m:t>
+                                </m:r>
+                              </m:sub>
+                            </m:sSub>
+                            <m:d>
+                              <m:dPr>
+                                <m:ctrlPr>
+                                  <a:rPr kumimoji="1" lang="en-US" altLang="zh-CN" b="0" i="1" smtClean="0">
+                                    <a:latin typeface="Cambria Math" panose="02040503050406030204" pitchFamily="18" charset="0"/>
+                                  </a:rPr>
+                                </m:ctrlPr>
+                              </m:dPr>
+                              <m:e>
+                                <m:r>
+                                  <a:rPr kumimoji="1" lang="en-US" altLang="zh-CN" b="0" i="1" smtClean="0">
+                                    <a:latin typeface="Cambria Math" panose="02040503050406030204" pitchFamily="18" charset="0"/>
+                                  </a:rPr>
+                                  <m:t>𝑥</m:t>
+                                </m:r>
+                                <m:r>
+                                  <a:rPr kumimoji="1" lang="en-US" altLang="zh-CN" b="0" i="1" smtClean="0">
+                                    <a:latin typeface="Cambria Math" panose="02040503050406030204" pitchFamily="18" charset="0"/>
+                                  </a:rPr>
+                                  <m:t>,</m:t>
+                                </m:r>
+                                <m:r>
+                                  <a:rPr kumimoji="1" lang="en-US" altLang="zh-CN" b="0" i="1" smtClean="0">
+                                    <a:latin typeface="Cambria Math" panose="02040503050406030204" pitchFamily="18" charset="0"/>
+                                  </a:rPr>
+                                  <m:t>𝑦</m:t>
+                                </m:r>
+                              </m:e>
+                            </m:d>
+                            <m:r>
+                              <a:rPr kumimoji="1" lang="en-US" altLang="zh-CN" b="0" i="1" smtClean="0">
+                                <a:latin typeface="Cambria Math" panose="02040503050406030204" pitchFamily="18" charset="0"/>
+                              </a:rPr>
+                              <m:t>,</m:t>
+                            </m:r>
+                            <m:r>
+                              <a:rPr kumimoji="1" lang="zh-CN" altLang="en-US" b="0" i="1" smtClean="0">
+                                <a:latin typeface="Cambria Math" panose="02040503050406030204" pitchFamily="18" charset="0"/>
+                              </a:rPr>
+                              <m:t>                    </m:t>
+                            </m:r>
+                            <m:r>
+                              <a:rPr kumimoji="1" lang="en-US" altLang="zh-CN" b="0" i="1" smtClean="0">
+                                <a:latin typeface="Cambria Math" panose="02040503050406030204" pitchFamily="18" charset="0"/>
+                              </a:rPr>
+                              <m:t>𝑥</m:t>
+                            </m:r>
+                            <m:r>
+                              <a:rPr kumimoji="1" lang="en-US" altLang="zh-CN" b="0" i="1" smtClean="0">
+                                <a:latin typeface="Cambria Math" panose="02040503050406030204" pitchFamily="18" charset="0"/>
+                              </a:rPr>
+                              <m:t>≥0</m:t>
+                            </m:r>
+                          </m:e>
+                        </m:eqArr>
+                      </m:e>
+                    </m:d>
+                  </m:oMath>
+                </a14:m>
+                <a:endParaRPr kumimoji="1" lang="zh-CN" altLang="en-US" dirty="0"/>
+              </a:p>
+            </p:txBody>
+          </p:sp>
+        </mc:Choice>
+        <mc:Fallback>
+          <p:sp>
+            <p:nvSpPr>
+              <p:cNvPr id="3" name="内容占位符 2">
+                <a:extLst>
+                  <a:ext uri="{FF2B5EF4-FFF2-40B4-BE49-F238E27FC236}">
+                    <a16:creationId xmlns:a16="http://schemas.microsoft.com/office/drawing/2014/main" id="{2E2B7071-CB16-254C-977D-132DC7A0E00A}"/>
+                  </a:ext>
+                </a:extLst>
+              </p:cNvPr>
+              <p:cNvSpPr>
+                <a:spLocks noGrp="1" noRot="1" noChangeAspect="1" noMove="1" noResize="1" noEditPoints="1" noAdjustHandles="1" noChangeArrowheads="1" noChangeShapeType="1" noTextEdit="1"/>
+              </p:cNvSpPr>
+              <p:nvPr>
+                <p:ph idx="1"/>
+              </p:nvPr>
+            </p:nvSpPr>
+            <p:spPr>
+              <a:blipFill>
+                <a:blip r:embed="rId2"/>
+                <a:stretch>
+                  <a:fillRect l="-661" t="-7447" r="-397" b="-19149"/>
+                </a:stretch>
+              </a:blipFill>
+            </p:spPr>
+            <p:txBody>
+              <a:bodyPr/>
+              <a:lstStyle/>
+              <a:p>
+                <a:r>
+                  <a:rPr lang="zh-CN" altLang="en-US">
+                    <a:noFill/>
+                  </a:rPr>
+                  <a:t> </a:t>
+                </a:r>
+              </a:p>
+            </p:txBody>
+          </p:sp>
+        </mc:Fallback>
+      </mc:AlternateContent>
+      <p:sp>
+        <p:nvSpPr>
+          <p:cNvPr id="4" name="标题 1">
+            <a:extLst>
+              <a:ext uri="{FF2B5EF4-FFF2-40B4-BE49-F238E27FC236}">
+                <a16:creationId xmlns:a16="http://schemas.microsoft.com/office/drawing/2014/main" id="{1B80CC1C-5866-0641-9A3D-D20F0EA65C11}"/>
+              </a:ext>
+            </a:extLst>
+          </p:cNvPr>
+          <p:cNvSpPr txBox="1">
+            <a:spLocks/>
+          </p:cNvSpPr>
+          <p:nvPr/>
+        </p:nvSpPr>
+        <p:spPr>
+          <a:xfrm>
+            <a:off x="1371600" y="685800"/>
+            <a:ext cx="9601200" cy="1485900"/>
+          </a:xfrm>
+          <a:prstGeom prst="rect">
+            <a:avLst/>
+          </a:prstGeom>
+        </p:spPr>
+        <p:txBody>
+          <a:bodyPr vert="horz" lIns="91440" tIns="45720" rIns="91440" bIns="45720" rtlCol="0" anchor="t">
+            <a:normAutofit/>
+          </a:bodyPr>
+          <a:lstStyle>
+            <a:lvl1pPr algn="l" defTabSz="914400" rtl="0" eaLnBrk="1" latinLnBrk="0" hangingPunct="1">
+              <a:lnSpc>
+                <a:spcPct val="89000"/>
+              </a:lnSpc>
+              <a:spcBef>
+                <a:spcPct val="0"/>
+              </a:spcBef>
+              <a:buNone/>
+              <a:defRPr sz="4400" kern="1200" baseline="0">
+                <a:solidFill>
+                  <a:schemeClr val="tx2"/>
+                </a:solidFill>
+                <a:latin typeface="+mj-lt"/>
+                <a:ea typeface="+mj-ea"/>
+                <a:cs typeface="+mj-cs"/>
+              </a:defRPr>
+            </a:lvl1pPr>
+          </a:lstStyle>
+          <a:p>
+            <a:r>
+              <a:rPr lang="en" altLang="zh-CN" b="1" dirty="0"/>
+              <a:t>HDR</a:t>
+            </a:r>
+            <a:r>
+              <a:rPr lang="zh-CN" altLang="en-US" b="1" dirty="0"/>
+              <a:t>算法的基本实现与效果优化</a:t>
+            </a:r>
+            <a:br>
+              <a:rPr lang="zh-CN" altLang="en-US" b="1" dirty="0"/>
+            </a:br>
+            <a:endParaRPr kumimoji="1" lang="zh-CN" altLang="en-US" dirty="0"/>
+          </a:p>
+        </p:txBody>
+      </p:sp>
+      <p:sp>
+        <p:nvSpPr>
+          <p:cNvPr id="5" name="矩形 4">
+            <a:extLst>
+              <a:ext uri="{FF2B5EF4-FFF2-40B4-BE49-F238E27FC236}">
+                <a16:creationId xmlns:a16="http://schemas.microsoft.com/office/drawing/2014/main" id="{949D3A1B-E8BD-B247-A2A3-A1359AC4E8B9}"/>
+              </a:ext>
+            </a:extLst>
+          </p:cNvPr>
+          <p:cNvSpPr/>
+          <p:nvPr/>
+        </p:nvSpPr>
+        <p:spPr>
+          <a:xfrm>
+            <a:off x="1371600" y="1428750"/>
+            <a:ext cx="6096000" cy="461665"/>
+          </a:xfrm>
+          <a:prstGeom prst="rect">
+            <a:avLst/>
+          </a:prstGeom>
+        </p:spPr>
+        <p:txBody>
+          <a:bodyPr>
+            <a:spAutoFit/>
+          </a:bodyPr>
+          <a:lstStyle/>
+          <a:p>
+            <a:r>
+              <a:rPr lang="zh-CN" altLang="en-US" sz="2400" dirty="0"/>
+              <a:t>图像融合</a:t>
+            </a:r>
+            <a:endParaRPr lang="zh-CN" altLang="en-US" sz="4000" dirty="0">
+              <a:effectLst/>
+            </a:endParaRPr>
+          </a:p>
+        </p:txBody>
+      </p:sp>
+    </p:spTree>
+    <p:extLst>
+      <p:ext uri="{BB962C8B-B14F-4D97-AF65-F5344CB8AC3E}">
+        <p14:creationId xmlns:p14="http://schemas.microsoft.com/office/powerpoint/2010/main" val="3668741985"/>
+      </p:ext>
+    </p:extLst>
+  </p:cSld>
+  <p:clrMapOvr>
+    <a:masterClrMapping/>
+  </p:clrMapOvr>
+</p:sld>
+</file>
+
 <file path=ppt/theme/theme1.xml><?xml version="1.0" encoding="utf-8"?>
-<a:theme xmlns:a="http://schemas.openxmlformats.org/drawingml/2006/main" name="Office 主题">
+<a:theme xmlns:a="http://schemas.openxmlformats.org/drawingml/2006/main" name="剪切">
   <a:themeElements>
-    <a:clrScheme name="Office">
+    <a:clrScheme name="剪切">
       <a:dk1>
         <a:sysClr val="windowText" lastClr="000000"/>
       </a:dk1>
@@ -2955,83 +8094,48 @@
         <a:sysClr val="window" lastClr="FFFFFF"/>
       </a:lt1>
       <a:dk2>
-        <a:srgbClr val="44546A"/>
+        <a:srgbClr val="191B0E"/>
       </a:dk2>
       <a:lt2>
-        <a:srgbClr val="E7E6E6"/>
+        <a:srgbClr val="EFEDE3"/>
       </a:lt2>
       <a:accent1>
-        <a:srgbClr val="5B9BD5"/>
+        <a:srgbClr val="8C8D86"/>
       </a:accent1>
       <a:accent2>
-        <a:srgbClr val="ED7D31"/>
+        <a:srgbClr val="E6C069"/>
       </a:accent2>
       <a:accent3>
-        <a:srgbClr val="A5A5A5"/>
+        <a:srgbClr val="897B61"/>
       </a:accent3>
       <a:accent4>
-        <a:srgbClr val="FFC000"/>
+        <a:srgbClr val="8DAB8E"/>
       </a:accent4>
       <a:accent5>
-        <a:srgbClr val="4472C4"/>
+        <a:srgbClr val="77A2BB"/>
       </a:accent5>
       <a:accent6>
-        <a:srgbClr val="70AD47"/>
+        <a:srgbClr val="E28394"/>
       </a:accent6>
       <a:hlink>
-        <a:srgbClr val="0563C1"/>
+        <a:srgbClr val="77A2BB"/>
       </a:hlink>
       <a:folHlink>
-        <a:srgbClr val="954F72"/>
+        <a:srgbClr val="957A99"/>
       </a:folHlink>
     </a:clrScheme>
-    <a:fontScheme name="Office">
+    <a:fontScheme name="剪切">
       <a:majorFont>
-        <a:latin typeface="Calibri"/>
+        <a:latin typeface="Franklin Gothic Book" panose="020B0503020102020204"/>
         <a:ea typeface=""/>
         <a:cs typeface=""/>
-        <a:font script="Jpan" typeface="ＭＳ Ｐゴシック"/>
-        <a:font script="Hang" typeface="맑은 고딕"/>
-        <a:font script="Hans" typeface="微软雅黑"/>
-        <a:font script="Hant" typeface="新細明體"/>
-        <a:font script="Arab" typeface="Times New Roman"/>
-        <a:font script="Hebr" typeface="Times New Roman"/>
-        <a:font script="Thai" typeface="Angsana New"/>
-        <a:font script="Ethi" typeface="Nyala"/>
-        <a:font script="Beng" typeface="Vrinda"/>
-        <a:font script="Gujr" typeface="Shruti"/>
-        <a:font script="Khmr" typeface="MoolBoran"/>
-        <a:font script="Knda" typeface="Tunga"/>
-        <a:font script="Guru" typeface="Raavi"/>
-        <a:font script="Cans" typeface="Euphemia"/>
-        <a:font script="Cher" typeface="Plantagenet Cherokee"/>
-        <a:font script="Yiii" typeface="Microsoft Yi Baiti"/>
-        <a:font script="Tibt" typeface="Microsoft Himalaya"/>
-        <a:font script="Thaa" typeface="MV Boli"/>
-        <a:font script="Deva" typeface="Mangal"/>
-        <a:font script="Telu" typeface="Gautami"/>
-        <a:font script="Taml" typeface="Latha"/>
-        <a:font script="Syrc" typeface="Estrangelo Edessa"/>
-        <a:font script="Orya" typeface="Kalinga"/>
-        <a:font script="Mlym" typeface="Kartika"/>
-        <a:font script="Laoo" typeface="DokChampa"/>
-        <a:font script="Sinh" typeface="Iskoola Pota"/>
-        <a:font script="Mong" typeface="Mongolian Baiti"/>
-        <a:font script="Viet" typeface="Times New Roman"/>
-        <a:font script="Uigh" typeface="Microsoft Uighur"/>
-        <a:font script="Geor" typeface="Sylfaen"/>
-      </a:majorFont>
-      <a:minorFont>
-        <a:latin typeface="Calibri"/>
-        <a:ea typeface=""/>
-        <a:cs typeface=""/>
-        <a:font script="Jpan" typeface="ＭＳ Ｐゴシック"/>
-        <a:font script="Hang" typeface="맑은 고딕"/>
-        <a:font script="Hans" typeface="微软雅黑"/>
-        <a:font script="Hant" typeface="新細明體"/>
-        <a:font script="Arab" typeface="Arial"/>
-        <a:font script="Hebr" typeface="Arial"/>
-        <a:font script="Thai" typeface="Cordia New"/>
+        <a:font script="Jpan" typeface="メイリオ"/>
+        <a:font script="Hang" typeface="돋움"/>
+        <a:font script="Hans" typeface="华文楷体"/>
+        <a:font script="Hant" typeface="微軟正黑體"/>
+        <a:font script="Arab" typeface="Tahoma"/>
+        <a:font script="Hebr" typeface="Aharoni"/>
+        <a:font script="Thai" typeface="LilyUPC"/>
         <a:font script="Ethi" typeface="Nyala"/>
         <a:font script="Beng" typeface="Vrinda"/>
         <a:font script="Gujr" typeface="Shruti"/>
@@ -3052,12 +8156,47 @@
         <a:font script="Laoo" typeface="DokChampa"/>
         <a:font script="Sinh" typeface="Iskoola Pota"/>
         <a:font script="Mong" typeface="Mongolian Baiti"/>
-        <a:font script="Viet" typeface="Arial"/>
+        <a:font script="Viet" typeface="Tahoma"/>
+        <a:font script="Uigh" typeface="Microsoft Uighur"/>
+        <a:font script="Geor" typeface="Sylfaen"/>
+      </a:majorFont>
+      <a:minorFont>
+        <a:latin typeface="Franklin Gothic Book" panose="020B0503020102020204"/>
+        <a:ea typeface=""/>
+        <a:cs typeface=""/>
+        <a:font script="Jpan" typeface="メイリオ"/>
+        <a:font script="Hang" typeface="돋움"/>
+        <a:font script="Hans" typeface="华文楷体"/>
+        <a:font script="Hant" typeface="微軟正黑體"/>
+        <a:font script="Arab" typeface="Tahoma"/>
+        <a:font script="Hebr" typeface="Aharoni"/>
+        <a:font script="Thai" typeface="LilyUPC"/>
+        <a:font script="Ethi" typeface="Nyala"/>
+        <a:font script="Beng" typeface="Vrinda"/>
+        <a:font script="Gujr" typeface="Shruti"/>
+        <a:font script="Khmr" typeface="DaunPenh"/>
+        <a:font script="Knda" typeface="Tunga"/>
+        <a:font script="Guru" typeface="Raavi"/>
+        <a:font script="Cans" typeface="Euphemia"/>
+        <a:font script="Cher" typeface="Plantagenet Cherokee"/>
+        <a:font script="Yiii" typeface="Microsoft Yi Baiti"/>
+        <a:font script="Tibt" typeface="Microsoft Himalaya"/>
+        <a:font script="Thaa" typeface="MV Boli"/>
+        <a:font script="Deva" typeface="Mangal"/>
+        <a:font script="Telu" typeface="Gautami"/>
+        <a:font script="Taml" typeface="Latha"/>
+        <a:font script="Syrc" typeface="Estrangelo Edessa"/>
+        <a:font script="Orya" typeface="Kalinga"/>
+        <a:font script="Mlym" typeface="Kartika"/>
+        <a:font script="Laoo" typeface="DokChampa"/>
+        <a:font script="Sinh" typeface="Iskoola Pota"/>
+        <a:font script="Mong" typeface="Mongolian Baiti"/>
+        <a:font script="Viet" typeface="Tahoma"/>
         <a:font script="Uigh" typeface="Microsoft Uighur"/>
         <a:font script="Geor" typeface="Sylfaen"/>
       </a:minorFont>
     </a:fontScheme>
-    <a:fmtScheme name="Office">
+    <a:fmtScheme name="剪切">
       <a:fillStyleLst>
         <a:solidFill>
           <a:schemeClr val="phClr"/>
@@ -3066,23 +8205,23 @@
           <a:gsLst>
             <a:gs pos="0">
               <a:schemeClr val="phClr">
+                <a:tint val="67000"/>
+                <a:satMod val="105000"/>
                 <a:lumMod val="110000"/>
-                <a:satMod val="105000"/>
-                <a:tint val="67000"/>
               </a:schemeClr>
             </a:gs>
             <a:gs pos="50000">
               <a:schemeClr val="phClr">
+                <a:tint val="73000"/>
+                <a:satMod val="103000"/>
                 <a:lumMod val="105000"/>
-                <a:satMod val="103000"/>
-                <a:tint val="73000"/>
               </a:schemeClr>
             </a:gs>
             <a:gs pos="100000">
               <a:schemeClr val="phClr">
+                <a:tint val="81000"/>
+                <a:satMod val="109000"/>
                 <a:lumMod val="105000"/>
-                <a:satMod val="109000"/>
-                <a:tint val="81000"/>
               </a:schemeClr>
             </a:gs>
           </a:gsLst>
@@ -3092,23 +8231,23 @@
           <a:gsLst>
             <a:gs pos="0">
               <a:schemeClr val="phClr">
+                <a:tint val="94000"/>
                 <a:satMod val="103000"/>
                 <a:lumMod val="102000"/>
-                <a:tint val="94000"/>
               </a:schemeClr>
             </a:gs>
             <a:gs pos="50000">
               <a:schemeClr val="phClr">
+                <a:shade val="100000"/>
                 <a:satMod val="110000"/>
                 <a:lumMod val="100000"/>
-                <a:shade val="100000"/>
               </a:schemeClr>
             </a:gs>
             <a:gs pos="100000">
               <a:schemeClr val="phClr">
+                <a:shade val="78000"/>
+                <a:satMod val="120000"/>
                 <a:lumMod val="99000"/>
-                <a:satMod val="120000"/>
-                <a:shade val="78000"/>
               </a:schemeClr>
             </a:gs>
           </a:gsLst>
@@ -3116,26 +8255,23 @@
         </a:gradFill>
       </a:fillStyleLst>
       <a:lnStyleLst>
-        <a:ln w="6350" cap="flat" cmpd="sng" algn="ctr">
+        <a:ln w="6350" cap="flat" cmpd="sng" algn="in">
           <a:solidFill>
             <a:schemeClr val="phClr"/>
           </a:solidFill>
           <a:prstDash val="solid"/>
-          <a:miter lim="800000"/>
         </a:ln>
-        <a:ln w="12700" cap="flat" cmpd="sng" algn="ctr">
+        <a:ln w="34925" cap="flat" cmpd="sng" algn="in">
           <a:solidFill>
             <a:schemeClr val="phClr"/>
           </a:solidFill>
           <a:prstDash val="solid"/>
-          <a:miter lim="800000"/>
         </a:ln>
-        <a:ln w="19050" cap="flat" cmpd="sng" algn="ctr">
+        <a:ln w="19050" cap="flat" cmpd="sng" algn="in">
           <a:solidFill>
             <a:schemeClr val="phClr"/>
           </a:solidFill>
           <a:prstDash val="solid"/>
-          <a:miter lim="800000"/>
         </a:ln>
       </a:lnStyleLst>
       <a:effectStyleLst>
@@ -3149,7 +8285,7 @@
           <a:effectLst>
             <a:outerShdw blurRad="57150" dist="19050" dir="5400000" algn="ctr" rotWithShape="0">
               <a:srgbClr val="000000">
-                <a:alpha val="63000"/>
+                <a:alpha val="35000"/>
               </a:srgbClr>
             </a:outerShdw>
           </a:effectLst>
@@ -3170,16 +8306,16 @@
             <a:gs pos="0">
               <a:schemeClr val="phClr">
                 <a:tint val="93000"/>
+                <a:shade val="98000"/>
                 <a:satMod val="150000"/>
-                <a:shade val="98000"/>
                 <a:lumMod val="102000"/>
               </a:schemeClr>
             </a:gs>
             <a:gs pos="50000">
               <a:schemeClr val="phClr">
                 <a:tint val="98000"/>
+                <a:shade val="90000"/>
                 <a:satMod val="130000"/>
-                <a:shade val="90000"/>
                 <a:lumMod val="103000"/>
               </a:schemeClr>
             </a:gs>
@@ -3199,7 +8335,7 @@
   <a:extraClrSchemeLst/>
   <a:extLst>
     <a:ext uri="{05A4C25C-085E-4340-85A3-A5531E510DB2}">
-      <thm15:themeFamily xmlns:thm15="http://schemas.microsoft.com/office/thememl/2012/main" name="Office Theme" id="{62F939B6-93AF-4DB8-9C6B-D6C7DFDC589F}" vid="{4A3C46E8-61CC-4603-A589-7422A47A8E4A}"/>
+      <thm15:themeFamily xmlns:thm15="http://schemas.microsoft.com/office/thememl/2012/main" name="Crop" id="{EC9488ED-E761-4D60-9AC4-764D1FE2C171}" vid="{CE19780C-D67D-4C13-9DE9-A52BC3BA51B4}"/>
     </a:ext>
   </a:extLst>
 </a:theme>
